--- a/presentation/Nova solis.pptx
+++ b/presentation/Nova solis.pptx
@@ -197,7 +197,7 @@
           <a:p>
             <a:fld id="{E003C0E7-1A0E-482D-AAB6-647B42AB25F1}" type="datetimeFigureOut">
               <a:rPr lang="ru-RU" smtClean="0"/>
-              <a:t>06.06.2020</a:t>
+              <a:t>07.06.2020</a:t>
             </a:fld>
             <a:endParaRPr lang="ru-RU"/>
           </a:p>
@@ -730,7 +730,7 @@
           <a:p>
             <a:fld id="{B4C71EC6-210F-42DE-9C53-41977AD35B3D}" type="datetimeFigureOut">
               <a:rPr lang="ru-RU" smtClean="0"/>
-              <a:t>06.06.2020</a:t>
+              <a:t>07.06.2020</a:t>
             </a:fld>
             <a:endParaRPr lang="ru-RU"/>
           </a:p>
@@ -895,7 +895,7 @@
           <a:p>
             <a:fld id="{B4C71EC6-210F-42DE-9C53-41977AD35B3D}" type="datetimeFigureOut">
               <a:rPr lang="ru-RU" smtClean="0"/>
-              <a:t>06.06.2020</a:t>
+              <a:t>07.06.2020</a:t>
             </a:fld>
             <a:endParaRPr lang="ru-RU"/>
           </a:p>
@@ -1070,7 +1070,7 @@
           <a:p>
             <a:fld id="{B4C71EC6-210F-42DE-9C53-41977AD35B3D}" type="datetimeFigureOut">
               <a:rPr lang="ru-RU" smtClean="0"/>
-              <a:t>06.06.2020</a:t>
+              <a:t>07.06.2020</a:t>
             </a:fld>
             <a:endParaRPr lang="ru-RU"/>
           </a:p>
@@ -1235,7 +1235,7 @@
           <a:p>
             <a:fld id="{B4C71EC6-210F-42DE-9C53-41977AD35B3D}" type="datetimeFigureOut">
               <a:rPr lang="ru-RU" smtClean="0"/>
-              <a:t>06.06.2020</a:t>
+              <a:t>07.06.2020</a:t>
             </a:fld>
             <a:endParaRPr lang="ru-RU"/>
           </a:p>
@@ -1476,7 +1476,7 @@
           <a:p>
             <a:fld id="{B4C71EC6-210F-42DE-9C53-41977AD35B3D}" type="datetimeFigureOut">
               <a:rPr lang="ru-RU" smtClean="0"/>
-              <a:t>06.06.2020</a:t>
+              <a:t>07.06.2020</a:t>
             </a:fld>
             <a:endParaRPr lang="ru-RU"/>
           </a:p>
@@ -1759,7 +1759,7 @@
           <a:p>
             <a:fld id="{B4C71EC6-210F-42DE-9C53-41977AD35B3D}" type="datetimeFigureOut">
               <a:rPr lang="ru-RU" smtClean="0"/>
-              <a:t>06.06.2020</a:t>
+              <a:t>07.06.2020</a:t>
             </a:fld>
             <a:endParaRPr lang="ru-RU"/>
           </a:p>
@@ -2176,7 +2176,7 @@
           <a:p>
             <a:fld id="{B4C71EC6-210F-42DE-9C53-41977AD35B3D}" type="datetimeFigureOut">
               <a:rPr lang="ru-RU" smtClean="0"/>
-              <a:t>06.06.2020</a:t>
+              <a:t>07.06.2020</a:t>
             </a:fld>
             <a:endParaRPr lang="ru-RU"/>
           </a:p>
@@ -2289,7 +2289,7 @@
           <a:p>
             <a:fld id="{B4C71EC6-210F-42DE-9C53-41977AD35B3D}" type="datetimeFigureOut">
               <a:rPr lang="ru-RU" smtClean="0"/>
-              <a:t>06.06.2020</a:t>
+              <a:t>07.06.2020</a:t>
             </a:fld>
             <a:endParaRPr lang="ru-RU"/>
           </a:p>
@@ -2379,7 +2379,7 @@
           <a:p>
             <a:fld id="{B4C71EC6-210F-42DE-9C53-41977AD35B3D}" type="datetimeFigureOut">
               <a:rPr lang="ru-RU" smtClean="0"/>
-              <a:t>06.06.2020</a:t>
+              <a:t>07.06.2020</a:t>
             </a:fld>
             <a:endParaRPr lang="ru-RU"/>
           </a:p>
@@ -2651,7 +2651,7 @@
           <a:p>
             <a:fld id="{B4C71EC6-210F-42DE-9C53-41977AD35B3D}" type="datetimeFigureOut">
               <a:rPr lang="ru-RU" smtClean="0"/>
-              <a:t>06.06.2020</a:t>
+              <a:t>07.06.2020</a:t>
             </a:fld>
             <a:endParaRPr lang="ru-RU"/>
           </a:p>
@@ -2899,7 +2899,7 @@
           <a:p>
             <a:fld id="{B4C71EC6-210F-42DE-9C53-41977AD35B3D}" type="datetimeFigureOut">
               <a:rPr lang="ru-RU" smtClean="0"/>
-              <a:t>06.06.2020</a:t>
+              <a:t>07.06.2020</a:t>
             </a:fld>
             <a:endParaRPr lang="ru-RU"/>
           </a:p>
@@ -2959,9 +2959,18 @@
 <p:sldMaster xmlns:a="http://schemas.openxmlformats.org/drawingml/2006/main" xmlns:r="http://schemas.openxmlformats.org/officeDocument/2006/relationships" xmlns:p="http://schemas.openxmlformats.org/presentationml/2006/main">
   <p:cSld>
     <p:bg>
-      <p:bgRef idx="1001">
-        <a:schemeClr val="bg1"/>
-      </p:bgRef>
+      <p:bgPr>
+        <a:blipFill dpi="0" rotWithShape="1">
+          <a:blip r:embed="rId13">
+            <a:lum/>
+          </a:blip>
+          <a:srcRect/>
+          <a:stretch>
+            <a:fillRect l="3000" t="70000" r="10000" b="-30000"/>
+          </a:stretch>
+        </a:blipFill>
+        <a:effectLst/>
+      </p:bgPr>
     </p:bg>
     <p:spTree>
       <p:nvGrpSpPr>
@@ -3107,7 +3116,7 @@
           <a:p>
             <a:fld id="{B4C71EC6-210F-42DE-9C53-41977AD35B3D}" type="datetimeFigureOut">
               <a:rPr lang="ru-RU" smtClean="0"/>
-              <a:t>06.06.2020</a:t>
+              <a:t>07.06.2020</a:t>
             </a:fld>
             <a:endParaRPr lang="ru-RU"/>
           </a:p>
@@ -3463,6 +3472,14 @@
 <file path=ppt/slides/slide1.xml><?xml version="1.0" encoding="utf-8"?>
 <p:sld xmlns:a="http://schemas.openxmlformats.org/drawingml/2006/main" xmlns:r="http://schemas.openxmlformats.org/officeDocument/2006/relationships" xmlns:p="http://schemas.openxmlformats.org/presentationml/2006/main">
   <p:cSld>
+    <p:bg>
+      <p:bgPr>
+        <a:solidFill>
+          <a:schemeClr val="bg1"/>
+        </a:solidFill>
+        <a:effectLst/>
+      </p:bgPr>
+    </p:bg>
     <p:spTree>
       <p:nvGrpSpPr>
         <p:cNvPr id="1" name=""/>
@@ -3487,13 +3504,24 @@
             <p:ph type="ctrTitle"/>
           </p:nvPr>
         </p:nvSpPr>
-        <p:spPr/>
+        <p:spPr>
+          <a:xfrm>
+            <a:off x="685800" y="669603"/>
+            <a:ext cx="7772400" cy="1103213"/>
+          </a:xfrm>
+        </p:spPr>
         <p:txBody>
           <a:bodyPr/>
           <a:lstStyle/>
           <a:p>
             <a:r>
               <a:rPr lang="ru-RU" b="1" dirty="0" smtClean="0">
+                <a:solidFill>
+                  <a:schemeClr val="tx1">
+                    <a:lumMod val="95000"/>
+                    <a:lumOff val="5000"/>
+                  </a:schemeClr>
+                </a:solidFill>
                 <a:latin typeface="Arial" panose="020B0604020202020204" pitchFamily="34" charset="0"/>
                 <a:cs typeface="Arial" panose="020B0604020202020204" pitchFamily="34" charset="0"/>
               </a:rPr>
@@ -3501,6 +3529,12 @@
             </a:r>
             <a:r>
               <a:rPr lang="ru-RU" b="1" dirty="0" err="1" smtClean="0">
+                <a:solidFill>
+                  <a:schemeClr val="tx1">
+                    <a:lumMod val="95000"/>
+                    <a:lumOff val="5000"/>
+                  </a:schemeClr>
+                </a:solidFill>
                 <a:latin typeface="Arial" panose="020B0604020202020204" pitchFamily="34" charset="0"/>
                 <a:cs typeface="Arial" panose="020B0604020202020204" pitchFamily="34" charset="0"/>
               </a:rPr>
@@ -3508,12 +3542,24 @@
             </a:r>
             <a:r>
               <a:rPr lang="ru-RU" b="1" dirty="0" smtClean="0">
+                <a:solidFill>
+                  <a:schemeClr val="tx1">
+                    <a:lumMod val="95000"/>
+                    <a:lumOff val="5000"/>
+                  </a:schemeClr>
+                </a:solidFill>
                 <a:latin typeface="Arial" panose="020B0604020202020204" pitchFamily="34" charset="0"/>
                 <a:cs typeface="Arial" panose="020B0604020202020204" pitchFamily="34" charset="0"/>
               </a:rPr>
               <a:t>»</a:t>
             </a:r>
             <a:endParaRPr lang="ru-RU" b="1" dirty="0">
+              <a:solidFill>
+                <a:schemeClr val="tx1">
+                  <a:lumMod val="95000"/>
+                  <a:lumOff val="5000"/>
+                </a:schemeClr>
+              </a:solidFill>
               <a:latin typeface="Arial" panose="020B0604020202020204" pitchFamily="34" charset="0"/>
               <a:cs typeface="Arial" panose="020B0604020202020204" pitchFamily="34" charset="0"/>
             </a:endParaRPr>
@@ -3530,13 +3576,23 @@
             <p:ph type="subTitle" idx="1"/>
           </p:nvPr>
         </p:nvSpPr>
-        <p:spPr/>
+        <p:spPr>
+          <a:xfrm>
+            <a:off x="1371600" y="1844824"/>
+            <a:ext cx="6400800" cy="715590"/>
+          </a:xfrm>
+        </p:spPr>
         <p:txBody>
           <a:bodyPr/>
           <a:lstStyle/>
           <a:p>
             <a:r>
               <a:rPr lang="ru-RU" dirty="0" smtClean="0">
+                <a:solidFill>
+                  <a:schemeClr val="bg1">
+                    <a:lumMod val="50000"/>
+                  </a:schemeClr>
+                </a:solidFill>
                 <a:latin typeface="Arial" panose="020B0604020202020204" pitchFamily="34" charset="0"/>
                 <a:cs typeface="Arial" panose="020B0604020202020204" pitchFamily="34" charset="0"/>
               </a:rPr>
@@ -3544,6 +3600,11 @@
             </a:r>
             <a:r>
               <a:rPr lang="en-US" dirty="0">
+                <a:solidFill>
+                  <a:schemeClr val="bg1">
+                    <a:lumMod val="50000"/>
+                  </a:schemeClr>
+                </a:solidFill>
                 <a:latin typeface="Arial" panose="020B0604020202020204" pitchFamily="34" charset="0"/>
                 <a:cs typeface="Arial" panose="020B0604020202020204" pitchFamily="34" charset="0"/>
               </a:rPr>
@@ -3551,6 +3612,11 @@
             </a:r>
             <a:r>
               <a:rPr lang="en-US" dirty="0" err="1">
+                <a:solidFill>
+                  <a:schemeClr val="bg1">
+                    <a:lumMod val="50000"/>
+                  </a:schemeClr>
+                </a:solidFill>
                 <a:latin typeface="Arial" panose="020B0604020202020204" pitchFamily="34" charset="0"/>
                 <a:cs typeface="Arial" panose="020B0604020202020204" pitchFamily="34" charset="0"/>
               </a:rPr>
@@ -3558,18 +3624,69 @@
             </a:r>
             <a:r>
               <a:rPr lang="ru-RU" dirty="0" smtClean="0">
+                <a:solidFill>
+                  <a:schemeClr val="bg1">
+                    <a:lumMod val="50000"/>
+                  </a:schemeClr>
+                </a:solidFill>
                 <a:latin typeface="Arial" panose="020B0604020202020204" pitchFamily="34" charset="0"/>
                 <a:cs typeface="Arial" panose="020B0604020202020204" pitchFamily="34" charset="0"/>
               </a:rPr>
               <a:t>»</a:t>
             </a:r>
             <a:endParaRPr lang="ru-RU" dirty="0">
+              <a:solidFill>
+                <a:schemeClr val="bg1">
+                  <a:lumMod val="50000"/>
+                </a:schemeClr>
+              </a:solidFill>
               <a:latin typeface="Arial" panose="020B0604020202020204" pitchFamily="34" charset="0"/>
               <a:cs typeface="Arial" panose="020B0604020202020204" pitchFamily="34" charset="0"/>
             </a:endParaRPr>
           </a:p>
         </p:txBody>
       </p:sp>
+      <p:pic>
+        <p:nvPicPr>
+          <p:cNvPr id="1029" name="Picture 5" descr="C:\Users\Unicorn\Desktop\ЦП Хакатон 1 - Nova Solis\презентация\исходники, сопутствующие материалы\картинки на выход\карта с текстом 3.png"/>
+          <p:cNvPicPr>
+            <a:picLocks noChangeAspect="1" noChangeArrowheads="1"/>
+          </p:cNvPicPr>
+          <p:nvPr/>
+        </p:nvPicPr>
+        <p:blipFill>
+          <a:blip r:embed="rId2" cstate="print">
+            <a:extLst>
+              <a:ext uri="{28A0092B-C50C-407E-A947-70E740481C1C}">
+                <a14:useLocalDpi xmlns:a14="http://schemas.microsoft.com/office/drawing/2010/main" val="0"/>
+              </a:ext>
+            </a:extLst>
+          </a:blip>
+          <a:srcRect/>
+          <a:stretch>
+            <a:fillRect/>
+          </a:stretch>
+        </p:blipFill>
+        <p:spPr bwMode="auto">
+          <a:xfrm>
+            <a:off x="246034" y="2420888"/>
+            <a:ext cx="8286406" cy="4282513"/>
+          </a:xfrm>
+          <a:prstGeom prst="rect">
+            <a:avLst/>
+          </a:prstGeom>
+          <a:noFill/>
+          <a:extLst>
+            <a:ext uri="{909E8E84-426E-40DD-AFC4-6F175D3DCCD1}">
+              <a14:hiddenFill xmlns:a14="http://schemas.microsoft.com/office/drawing/2010/main">
+                <a:solidFill>
+                  <a:srgbClr val="FFFFFF"/>
+                </a:solidFill>
+              </a14:hiddenFill>
+            </a:ext>
+          </a:extLst>
+        </p:spPr>
+      </p:pic>
     </p:spTree>
     <p:extLst>
       <p:ext uri="{BB962C8B-B14F-4D97-AF65-F5344CB8AC3E}">
@@ -3629,12 +3746,24 @@
           <a:p>
             <a:r>
               <a:rPr lang="ru-RU" b="1" dirty="0" smtClean="0">
+                <a:solidFill>
+                  <a:schemeClr val="tx1">
+                    <a:lumMod val="85000"/>
+                    <a:lumOff val="15000"/>
+                  </a:schemeClr>
+                </a:solidFill>
                 <a:latin typeface="Arial" panose="020B0604020202020204" pitchFamily="34" charset="0"/>
                 <a:cs typeface="Arial" panose="020B0604020202020204" pitchFamily="34" charset="0"/>
               </a:rPr>
               <a:t>Проблематика</a:t>
             </a:r>
             <a:endParaRPr lang="ru-RU" b="1" dirty="0">
+              <a:solidFill>
+                <a:schemeClr val="tx1">
+                  <a:lumMod val="85000"/>
+                  <a:lumOff val="15000"/>
+                </a:schemeClr>
+              </a:solidFill>
               <a:latin typeface="Arial" panose="020B0604020202020204" pitchFamily="34" charset="0"/>
               <a:cs typeface="Arial" panose="020B0604020202020204" pitchFamily="34" charset="0"/>
             </a:endParaRPr>
@@ -3654,7 +3783,7 @@
         <p:spPr>
           <a:xfrm>
             <a:off x="323528" y="1412777"/>
-            <a:ext cx="5760640" cy="3600400"/>
+            <a:ext cx="5760640" cy="2606886"/>
           </a:xfrm>
         </p:spPr>
         <p:txBody>
@@ -3673,14 +3802,52 @@
               <a:buNone/>
             </a:pPr>
             <a:r>
+              <a:rPr lang="ru-RU" sz="1800" dirty="0" smtClean="0">
+                <a:solidFill>
+                  <a:schemeClr val="tx1">
+                    <a:lumMod val="95000"/>
+                    <a:lumOff val="5000"/>
+                  </a:schemeClr>
+                </a:solidFill>
+                <a:latin typeface="Arial" panose="020B0604020202020204" pitchFamily="34" charset="0"/>
+                <a:cs typeface="Arial" panose="020B0604020202020204" pitchFamily="34" charset="0"/>
+              </a:rPr>
+              <a:t>Используемый </a:t>
+            </a:r>
+            <a:r>
               <a:rPr lang="ru-RU" sz="1800" dirty="0">
-                <a:latin typeface="Arial" panose="020B0604020202020204" pitchFamily="34" charset="0"/>
-                <a:cs typeface="Arial" panose="020B0604020202020204" pitchFamily="34" charset="0"/>
-              </a:rPr>
-              <a:t>Строки почтовых адресов используются в аналитических исследованиях. Используемый для обработки адресов </a:t>
+                <a:solidFill>
+                  <a:schemeClr val="tx1">
+                    <a:lumMod val="95000"/>
+                    <a:lumOff val="5000"/>
+                  </a:schemeClr>
+                </a:solidFill>
+                <a:latin typeface="Arial" panose="020B0604020202020204" pitchFamily="34" charset="0"/>
+                <a:cs typeface="Arial" panose="020B0604020202020204" pitchFamily="34" charset="0"/>
+              </a:rPr>
+              <a:t>для обработки </a:t>
+            </a:r>
+            <a:r>
+              <a:rPr lang="ru-RU" sz="1800" dirty="0" smtClean="0">
+                <a:solidFill>
+                  <a:schemeClr val="tx1">
+                    <a:lumMod val="95000"/>
+                    <a:lumOff val="5000"/>
+                  </a:schemeClr>
+                </a:solidFill>
+                <a:latin typeface="Arial" panose="020B0604020202020204" pitchFamily="34" charset="0"/>
+                <a:cs typeface="Arial" panose="020B0604020202020204" pitchFamily="34" charset="0"/>
+              </a:rPr>
+              <a:t>почтовых адресов </a:t>
             </a:r>
             <a:r>
               <a:rPr lang="ru-RU" sz="1800" dirty="0" err="1">
+                <a:solidFill>
+                  <a:schemeClr val="tx1">
+                    <a:lumMod val="95000"/>
+                    <a:lumOff val="5000"/>
+                  </a:schemeClr>
+                </a:solidFill>
                 <a:latin typeface="Arial" panose="020B0604020202020204" pitchFamily="34" charset="0"/>
                 <a:cs typeface="Arial" panose="020B0604020202020204" pitchFamily="34" charset="0"/>
               </a:rPr>
@@ -3688,6 +3855,12 @@
             </a:r>
             <a:r>
               <a:rPr lang="ru-RU" sz="1800" dirty="0">
+                <a:solidFill>
+                  <a:schemeClr val="tx1">
+                    <a:lumMod val="95000"/>
+                    <a:lumOff val="5000"/>
+                  </a:schemeClr>
+                </a:solidFill>
                 <a:latin typeface="Arial" panose="020B0604020202020204" pitchFamily="34" charset="0"/>
                 <a:cs typeface="Arial" panose="020B0604020202020204" pitchFamily="34" charset="0"/>
               </a:rPr>
@@ -3706,13 +3879,25 @@
             </a:pPr>
             <a:r>
               <a:rPr lang="ru-RU" sz="1800" dirty="0" smtClean="0">
-                <a:latin typeface="Arial" panose="020B0604020202020204" pitchFamily="34" charset="0"/>
-                <a:cs typeface="Arial" panose="020B0604020202020204" pitchFamily="34" charset="0"/>
-              </a:rPr>
-              <a:t>Они </a:t>
+                <a:solidFill>
+                  <a:schemeClr val="tx1">
+                    <a:lumMod val="95000"/>
+                    <a:lumOff val="5000"/>
+                  </a:schemeClr>
+                </a:solidFill>
+                <a:latin typeface="Arial" panose="020B0604020202020204" pitchFamily="34" charset="0"/>
+                <a:cs typeface="Arial" panose="020B0604020202020204" pitchFamily="34" charset="0"/>
+              </a:rPr>
+              <a:t>Такие адреса </a:t>
             </a:r>
             <a:r>
               <a:rPr lang="ru-RU" sz="1800" dirty="0">
+                <a:solidFill>
+                  <a:schemeClr val="tx1">
+                    <a:lumMod val="95000"/>
+                    <a:lumOff val="5000"/>
+                  </a:schemeClr>
+                </a:solidFill>
                 <a:latin typeface="Arial" panose="020B0604020202020204" pitchFamily="34" charset="0"/>
                 <a:cs typeface="Arial" panose="020B0604020202020204" pitchFamily="34" charset="0"/>
               </a:rPr>
@@ -3720,6 +3905,12 @@
             </a:r>
             <a:r>
               <a:rPr lang="ru-RU" sz="1800" dirty="0" err="1">
+                <a:solidFill>
+                  <a:schemeClr val="tx1">
+                    <a:lumMod val="95000"/>
+                    <a:lumOff val="5000"/>
+                  </a:schemeClr>
+                </a:solidFill>
                 <a:latin typeface="Arial" panose="020B0604020202020204" pitchFamily="34" charset="0"/>
                 <a:cs typeface="Arial" panose="020B0604020202020204" pitchFamily="34" charset="0"/>
               </a:rPr>
@@ -3727,6 +3918,12 @@
             </a:r>
             <a:r>
               <a:rPr lang="ru-RU" sz="1800" dirty="0">
+                <a:solidFill>
+                  <a:schemeClr val="tx1">
+                    <a:lumMod val="95000"/>
+                    <a:lumOff val="5000"/>
+                  </a:schemeClr>
+                </a:solidFill>
                 <a:latin typeface="Arial" panose="020B0604020202020204" pitchFamily="34" charset="0"/>
                 <a:cs typeface="Arial" panose="020B0604020202020204" pitchFamily="34" charset="0"/>
               </a:rPr>
@@ -3743,7 +3940,7 @@
         </p:nvSpPr>
         <p:spPr>
           <a:xfrm>
-            <a:off x="6300192" y="1916832"/>
+            <a:off x="9144000" y="933108"/>
             <a:ext cx="2592288" cy="1415772"/>
           </a:xfrm>
           <a:prstGeom prst="rect">
@@ -3818,7 +4015,7 @@
         </p:nvSpPr>
         <p:spPr>
           <a:xfrm>
-            <a:off x="395536" y="5445224"/>
+            <a:off x="9612560" y="4797152"/>
             <a:ext cx="8280920" cy="914400"/>
           </a:xfrm>
           <a:prstGeom prst="rect">
@@ -3853,7 +4050,10 @@
             <a:r>
               <a:rPr lang="ru-RU" sz="2400" b="1" dirty="0">
                 <a:solidFill>
-                  <a:schemeClr val="tx1"/>
+                  <a:schemeClr val="tx1">
+                    <a:lumMod val="95000"/>
+                    <a:lumOff val="5000"/>
+                  </a:schemeClr>
                 </a:solidFill>
                 <a:latin typeface="Arial" panose="020B0604020202020204" pitchFamily="34" charset="0"/>
                 <a:cs typeface="Arial" panose="020B0604020202020204" pitchFamily="34" charset="0"/>
@@ -3862,7 +4062,183 @@
             </a:r>
             <a:endParaRPr lang="ru-RU" sz="2400" dirty="0">
               <a:solidFill>
-                <a:schemeClr val="tx1"/>
+                <a:schemeClr val="tx1">
+                  <a:lumMod val="95000"/>
+                  <a:lumOff val="5000"/>
+                </a:schemeClr>
+              </a:solidFill>
+              <a:latin typeface="Arial" panose="020B0604020202020204" pitchFamily="34" charset="0"/>
+              <a:cs typeface="Arial" panose="020B0604020202020204" pitchFamily="34" charset="0"/>
+            </a:endParaRPr>
+          </a:p>
+        </p:txBody>
+      </p:sp>
+      <p:pic>
+        <p:nvPicPr>
+          <p:cNvPr id="2052" name="Picture 4" descr="C:\Users\Unicorn\Desktop\ЦП Хакатон 1 - Nova Solis\презентация\исходники, сопутствующие материалы\картинки на выход\контур 2.png"/>
+          <p:cNvPicPr>
+            <a:picLocks noChangeAspect="1" noChangeArrowheads="1"/>
+          </p:cNvPicPr>
+          <p:nvPr/>
+        </p:nvPicPr>
+        <p:blipFill>
+          <a:blip r:embed="rId2" cstate="print">
+            <a:extLst>
+              <a:ext uri="{28A0092B-C50C-407E-A947-70E740481C1C}">
+                <a14:useLocalDpi xmlns:a14="http://schemas.microsoft.com/office/drawing/2010/main" val="0"/>
+              </a:ext>
+            </a:extLst>
+          </a:blip>
+          <a:srcRect/>
+          <a:stretch>
+            <a:fillRect/>
+          </a:stretch>
+        </p:blipFill>
+        <p:spPr bwMode="auto">
+          <a:xfrm>
+            <a:off x="9144000" y="2878087"/>
+            <a:ext cx="7956376" cy="4111951"/>
+          </a:xfrm>
+          <a:prstGeom prst="rect">
+            <a:avLst/>
+          </a:prstGeom>
+          <a:noFill/>
+          <a:extLst>
+            <a:ext uri="{909E8E84-426E-40DD-AFC4-6F175D3DCCD1}">
+              <a14:hiddenFill xmlns:a14="http://schemas.microsoft.com/office/drawing/2010/main">
+                <a:solidFill>
+                  <a:srgbClr val="FFFFFF"/>
+                </a:solidFill>
+              </a14:hiddenFill>
+            </a:ext>
+          </a:extLst>
+        </p:spPr>
+      </p:pic>
+      <p:sp>
+        <p:nvSpPr>
+          <p:cNvPr id="6" name="Скругленный прямоугольник 5"/>
+          <p:cNvSpPr/>
+          <p:nvPr/>
+        </p:nvSpPr>
+        <p:spPr>
+          <a:xfrm>
+            <a:off x="6170449" y="1484785"/>
+            <a:ext cx="2520280" cy="2304256"/>
+          </a:xfrm>
+          <a:prstGeom prst="roundRect">
+            <a:avLst>
+              <a:gd name="adj" fmla="val 1758"/>
+            </a:avLst>
+          </a:prstGeom>
+          <a:solidFill>
+            <a:schemeClr val="bg1"/>
+          </a:solidFill>
+          <a:ln>
+            <a:noFill/>
+          </a:ln>
+          <a:effectLst>
+            <a:outerShdw blurRad="381000" dir="5400000" sx="103000" sy="103000" algn="ctr" rotWithShape="0">
+              <a:prstClr val="black">
+                <a:alpha val="10000"/>
+              </a:prstClr>
+            </a:outerShdw>
+          </a:effectLst>
+        </p:spPr>
+        <p:style>
+          <a:lnRef idx="2">
+            <a:schemeClr val="accent1">
+              <a:shade val="50000"/>
+            </a:schemeClr>
+          </a:lnRef>
+          <a:fillRef idx="1">
+            <a:schemeClr val="accent1"/>
+          </a:fillRef>
+          <a:effectRef idx="0">
+            <a:schemeClr val="accent1"/>
+          </a:effectRef>
+          <a:fontRef idx="minor">
+            <a:schemeClr val="lt1"/>
+          </a:fontRef>
+        </p:style>
+        <p:txBody>
+          <a:bodyPr rtlCol="0" anchor="ctr"/>
+          <a:lstStyle/>
+          <a:p>
+            <a:pPr algn="ctr"/>
+            <a:r>
+              <a:rPr lang="ru-RU" dirty="0">
+                <a:solidFill>
+                  <a:schemeClr val="tx1">
+                    <a:lumMod val="95000"/>
+                    <a:lumOff val="5000"/>
+                  </a:schemeClr>
+                </a:solidFill>
+                <a:latin typeface="Arial" panose="020B0604020202020204" pitchFamily="34" charset="0"/>
+                <a:cs typeface="Arial" panose="020B0604020202020204" pitchFamily="34" charset="0"/>
+              </a:rPr>
+              <a:t>До</a:t>
+            </a:r>
+            <a:r>
+              <a:rPr lang="ru-RU" sz="2000" b="1" dirty="0">
+                <a:solidFill>
+                  <a:schemeClr val="tx1">
+                    <a:lumMod val="95000"/>
+                    <a:lumOff val="5000"/>
+                  </a:schemeClr>
+                </a:solidFill>
+                <a:latin typeface="Arial" panose="020B0604020202020204" pitchFamily="34" charset="0"/>
+                <a:cs typeface="Arial" panose="020B0604020202020204" pitchFamily="34" charset="0"/>
+              </a:rPr>
+              <a:t> </a:t>
+            </a:r>
+            <a:r>
+              <a:rPr lang="ru-RU" sz="3000" b="1" dirty="0">
+                <a:solidFill>
+                  <a:schemeClr val="tx1">
+                    <a:lumMod val="95000"/>
+                    <a:lumOff val="5000"/>
+                  </a:schemeClr>
+                </a:solidFill>
+                <a:latin typeface="Arial" panose="020B0604020202020204" pitchFamily="34" charset="0"/>
+                <a:cs typeface="Arial" panose="020B0604020202020204" pitchFamily="34" charset="0"/>
+              </a:rPr>
+              <a:t>25%</a:t>
+            </a:r>
+          </a:p>
+          <a:p>
+            <a:pPr algn="ctr"/>
+            <a:r>
+              <a:rPr lang="ru-RU" dirty="0">
+                <a:solidFill>
+                  <a:schemeClr val="tx1">
+                    <a:lumMod val="95000"/>
+                    <a:lumOff val="5000"/>
+                  </a:schemeClr>
+                </a:solidFill>
+                <a:latin typeface="Arial" panose="020B0604020202020204" pitchFamily="34" charset="0"/>
+                <a:cs typeface="Arial" panose="020B0604020202020204" pitchFamily="34" charset="0"/>
+              </a:rPr>
+              <a:t>адресов из набора данных распознаются не </a:t>
+            </a:r>
+            <a:r>
+              <a:rPr lang="ru-RU" dirty="0" smtClean="0">
+                <a:solidFill>
+                  <a:schemeClr val="tx1">
+                    <a:lumMod val="95000"/>
+                    <a:lumOff val="5000"/>
+                  </a:schemeClr>
+                </a:solidFill>
+                <a:latin typeface="Arial" panose="020B0604020202020204" pitchFamily="34" charset="0"/>
+                <a:cs typeface="Arial" panose="020B0604020202020204" pitchFamily="34" charset="0"/>
+              </a:rPr>
+              <a:t>полностью</a:t>
+            </a:r>
+            <a:endParaRPr lang="ru-RU" dirty="0">
+              <a:solidFill>
+                <a:schemeClr val="tx1">
+                  <a:lumMod val="95000"/>
+                  <a:lumOff val="5000"/>
+                </a:schemeClr>
               </a:solidFill>
               <a:latin typeface="Arial" panose="020B0604020202020204" pitchFamily="34" charset="0"/>
               <a:cs typeface="Arial" panose="020B0604020202020204" pitchFamily="34" charset="0"/>
@@ -4645,84 +5021,224 @@
           </a:p>
         </p:txBody>
       </p:sp>
-      <p:pic>
-        <p:nvPicPr>
-          <p:cNvPr id="1026" name="Picture 2" descr="C:\Users\Unicorn\Desktop\Цифровой прорыв\Хакатон 1 - Nova Solis\презентация\DSC_0099.JPG"/>
-          <p:cNvPicPr>
-            <a:picLocks noChangeAspect="1" noChangeArrowheads="1"/>
-          </p:cNvPicPr>
+      <p:grpSp>
+        <p:nvGrpSpPr>
+          <p:cNvPr id="6" name="Группа 5"/>
+          <p:cNvGrpSpPr/>
           <p:nvPr/>
-        </p:nvPicPr>
-        <p:blipFill rotWithShape="1">
-          <a:blip r:embed="rId3" cstate="print">
+        </p:nvGrpSpPr>
+        <p:grpSpPr>
+          <a:xfrm>
+            <a:off x="6519464" y="1299777"/>
+            <a:ext cx="1933872" cy="2065727"/>
+            <a:chOff x="6791028" y="1275307"/>
+            <a:chExt cx="1933872" cy="2065727"/>
+          </a:xfrm>
+        </p:grpSpPr>
+        <p:sp>
+          <p:nvSpPr>
+            <p:cNvPr id="5" name="Овал 4"/>
+            <p:cNvSpPr/>
+            <p:nvPr/>
+          </p:nvSpPr>
+          <p:spPr>
+            <a:xfrm>
+              <a:off x="6791028" y="1275307"/>
+              <a:ext cx="1933872" cy="2065727"/>
+            </a:xfrm>
+            <a:prstGeom prst="ellipse">
+              <a:avLst/>
+            </a:prstGeom>
+            <a:solidFill>
+              <a:schemeClr val="bg1"/>
+            </a:solidFill>
+            <a:ln>
+              <a:solidFill>
+                <a:schemeClr val="bg1">
+                  <a:lumMod val="95000"/>
+                </a:schemeClr>
+              </a:solidFill>
+            </a:ln>
+            <a:effectLst>
+              <a:outerShdw blurRad="254000" dist="50800" dir="5400000" algn="ctr" rotWithShape="0">
+                <a:srgbClr val="000000">
+                  <a:alpha val="15000"/>
+                </a:srgbClr>
+              </a:outerShdw>
+            </a:effectLst>
+          </p:spPr>
+          <p:style>
+            <a:lnRef idx="2">
+              <a:schemeClr val="accent1">
+                <a:shade val="50000"/>
+              </a:schemeClr>
+            </a:lnRef>
+            <a:fillRef idx="1">
+              <a:schemeClr val="accent1"/>
+            </a:fillRef>
+            <a:effectRef idx="0">
+              <a:schemeClr val="accent1"/>
+            </a:effectRef>
+            <a:fontRef idx="minor">
+              <a:schemeClr val="lt1"/>
+            </a:fontRef>
+          </p:style>
+          <p:txBody>
+            <a:bodyPr rtlCol="0" anchor="ctr"/>
+            <a:lstStyle/>
+            <a:p>
+              <a:pPr algn="ctr"/>
+              <a:endParaRPr lang="ru-RU"/>
+            </a:p>
+          </p:txBody>
+        </p:sp>
+        <p:pic>
+          <p:nvPicPr>
+            <p:cNvPr id="1026" name="Picture 2" descr="C:\Users\Unicorn\Desktop\Цифровой прорыв\Хакатон 1 - Nova Solis\презентация\DSC_0099.JPG"/>
+            <p:cNvPicPr>
+              <a:picLocks noChangeAspect="1" noChangeArrowheads="1"/>
+            </p:cNvPicPr>
+            <p:nvPr/>
+          </p:nvPicPr>
+          <p:blipFill rotWithShape="1">
+            <a:blip r:embed="rId3" cstate="print">
+              <a:extLst>
+                <a:ext uri="{28A0092B-C50C-407E-A947-70E740481C1C}">
+                  <a14:useLocalDpi xmlns:a14="http://schemas.microsoft.com/office/drawing/2010/main" val="0"/>
+                </a:ext>
+              </a:extLst>
+            </a:blip>
+            <a:srcRect l="-11312" t="3912" r="-14050" b="2054"/>
+            <a:stretch/>
+          </p:blipFill>
+          <p:spPr bwMode="auto">
+            <a:xfrm>
+              <a:off x="6821860" y="1416361"/>
+              <a:ext cx="1872208" cy="1909773"/>
+            </a:xfrm>
+            <a:prstGeom prst="ellipse">
+              <a:avLst/>
+            </a:prstGeom>
+            <a:noFill/>
             <a:extLst>
-              <a:ext uri="{28A0092B-C50C-407E-A947-70E740481C1C}">
-                <a14:useLocalDpi xmlns:a14="http://schemas.microsoft.com/office/drawing/2010/main" val="0"/>
+              <a:ext uri="{909E8E84-426E-40DD-AFC4-6F175D3DCCD1}">
+                <a14:hiddenFill xmlns:a14="http://schemas.microsoft.com/office/drawing/2010/main">
+                  <a:solidFill>
+                    <a:srgbClr val="FFFFFF"/>
+                  </a:solidFill>
+                </a14:hiddenFill>
               </a:ext>
             </a:extLst>
-          </a:blip>
-          <a:srcRect t="3720"/>
-          <a:stretch/>
-        </p:blipFill>
-        <p:spPr bwMode="auto">
+          </p:spPr>
+        </p:pic>
+      </p:grpSp>
+      <p:grpSp>
+        <p:nvGrpSpPr>
+          <p:cNvPr id="9" name="Группа 8"/>
+          <p:cNvGrpSpPr/>
+          <p:nvPr/>
+        </p:nvGrpSpPr>
+        <p:grpSpPr>
           <a:xfrm>
-            <a:off x="6704019" y="1412776"/>
-            <a:ext cx="1540389" cy="1977200"/>
+            <a:off x="613098" y="1268760"/>
+            <a:ext cx="1933872" cy="2096744"/>
+            <a:chOff x="613098" y="1268760"/>
+            <a:chExt cx="1933872" cy="2096744"/>
           </a:xfrm>
-          <a:prstGeom prst="rect">
-            <a:avLst/>
-          </a:prstGeom>
-          <a:noFill/>
-          <a:extLst>
-            <a:ext uri="{909E8E84-426E-40DD-AFC4-6F175D3DCCD1}">
-              <a14:hiddenFill xmlns:a14="http://schemas.microsoft.com/office/drawing/2010/main">
-                <a:solidFill>
-                  <a:srgbClr val="FFFFFF"/>
-                </a:solidFill>
-              </a14:hiddenFill>
-            </a:ext>
-          </a:extLst>
-        </p:spPr>
-      </p:pic>
-      <p:pic>
-        <p:nvPicPr>
-          <p:cNvPr id="1029" name="Picture 5" descr="C:\Users\Unicorn\Desktop\Цифровой прорыв\Хакатон 1 - Nova Solis\презентация\Белоушкин - ред.jpg"/>
-          <p:cNvPicPr>
-            <a:picLocks noChangeAspect="1" noChangeArrowheads="1"/>
-          </p:cNvPicPr>
-          <p:nvPr/>
-        </p:nvPicPr>
-        <p:blipFill rotWithShape="1">
-          <a:blip r:embed="rId4">
-            <a:extLst>
-              <a:ext uri="{28A0092B-C50C-407E-A947-70E740481C1C}">
-                <a14:useLocalDpi xmlns:a14="http://schemas.microsoft.com/office/drawing/2010/main" val="0"/>
-              </a:ext>
-            </a:extLst>
-          </a:blip>
-          <a:srcRect t="3665"/>
-          <a:stretch/>
-        </p:blipFill>
-        <p:spPr bwMode="auto">
-          <a:xfrm>
-            <a:off x="693305" y="1324249"/>
-            <a:ext cx="1632519" cy="2065727"/>
-          </a:xfrm>
-          <a:prstGeom prst="rect">
-            <a:avLst/>
-          </a:prstGeom>
-          <a:noFill/>
-          <a:extLst>
-            <a:ext uri="{909E8E84-426E-40DD-AFC4-6F175D3DCCD1}">
-              <a14:hiddenFill xmlns:a14="http://schemas.microsoft.com/office/drawing/2010/main">
-                <a:solidFill>
-                  <a:srgbClr val="FFFFFF"/>
-                </a:solidFill>
-              </a14:hiddenFill>
-            </a:ext>
-          </a:extLst>
-        </p:spPr>
-      </p:pic>
+        </p:grpSpPr>
+        <p:sp>
+          <p:nvSpPr>
+            <p:cNvPr id="24" name="Овал 23"/>
+            <p:cNvSpPr/>
+            <p:nvPr/>
+          </p:nvSpPr>
+          <p:spPr>
+            <a:xfrm>
+              <a:off x="613098" y="1299777"/>
+              <a:ext cx="1933872" cy="2065727"/>
+            </a:xfrm>
+            <a:prstGeom prst="ellipse">
+              <a:avLst/>
+            </a:prstGeom>
+            <a:solidFill>
+              <a:schemeClr val="bg1"/>
+            </a:solidFill>
+            <a:ln>
+              <a:solidFill>
+                <a:schemeClr val="bg1">
+                  <a:lumMod val="95000"/>
+                </a:schemeClr>
+              </a:solidFill>
+            </a:ln>
+            <a:effectLst>
+              <a:outerShdw blurRad="254000" dist="50800" dir="5400000" algn="ctr" rotWithShape="0">
+                <a:srgbClr val="000000">
+                  <a:alpha val="15000"/>
+                </a:srgbClr>
+              </a:outerShdw>
+            </a:effectLst>
+          </p:spPr>
+          <p:style>
+            <a:lnRef idx="2">
+              <a:schemeClr val="accent1">
+                <a:shade val="50000"/>
+              </a:schemeClr>
+            </a:lnRef>
+            <a:fillRef idx="1">
+              <a:schemeClr val="accent1"/>
+            </a:fillRef>
+            <a:effectRef idx="0">
+              <a:schemeClr val="accent1"/>
+            </a:effectRef>
+            <a:fontRef idx="minor">
+              <a:schemeClr val="lt1"/>
+            </a:fontRef>
+          </p:style>
+          <p:txBody>
+            <a:bodyPr rtlCol="0" anchor="ctr"/>
+            <a:lstStyle/>
+            <a:p>
+              <a:pPr algn="ctr"/>
+              <a:endParaRPr lang="ru-RU"/>
+            </a:p>
+          </p:txBody>
+        </p:sp>
+        <p:pic>
+          <p:nvPicPr>
+            <p:cNvPr id="1029" name="Picture 5" descr="C:\Users\Unicorn\Desktop\Цифровой прорыв\Хакатон 1 - Nova Solis\презентация\Белоушкин - ред.jpg"/>
+            <p:cNvPicPr>
+              <a:picLocks noChangeAspect="1" noChangeArrowheads="1"/>
+            </p:cNvPicPr>
+            <p:nvPr/>
+          </p:nvPicPr>
+          <p:blipFill rotWithShape="1">
+            <a:blip r:embed="rId4">
+              <a:extLst>
+                <a:ext uri="{28A0092B-C50C-407E-A947-70E740481C1C}">
+                  <a14:useLocalDpi xmlns:a14="http://schemas.microsoft.com/office/drawing/2010/main" val="0"/>
+                </a:ext>
+              </a:extLst>
+            </a:blip>
+            <a:srcRect l="-9230" t="3665" r="-9230"/>
+            <a:stretch/>
+          </p:blipFill>
+          <p:spPr bwMode="auto">
+            <a:xfrm>
+              <a:off x="613098" y="1268760"/>
+              <a:ext cx="1933872" cy="2065727"/>
+            </a:xfrm>
+            <a:prstGeom prst="ellipse">
+              <a:avLst/>
+            </a:prstGeom>
+            <a:noFill/>
+            <a:ln w="25400">
+              <a:noFill/>
+            </a:ln>
+            <a:effectLst/>
+            <a:extLst/>
+          </p:spPr>
+        </p:pic>
+      </p:grpSp>
       <p:sp>
         <p:nvSpPr>
           <p:cNvPr id="17" name="Объект 7"/>
@@ -5627,47 +6143,117 @@
           </a:extLst>
         </p:spPr>
       </p:pic>
-      <p:pic>
-        <p:nvPicPr>
-          <p:cNvPr id="3" name="Picture 2" descr="C:\Users\Unicorn\Desktop\Цифровой прорыв\Хакатон 1 - Nova Solis\презентация\исходники, сопутствующие материалы\Бочаров - ред 2 - копия.jpg"/>
-          <p:cNvPicPr>
-            <a:picLocks noChangeAspect="1" noChangeArrowheads="1"/>
-          </p:cNvPicPr>
+      <p:grpSp>
+        <p:nvGrpSpPr>
+          <p:cNvPr id="7" name="Группа 6"/>
+          <p:cNvGrpSpPr/>
           <p:nvPr/>
-        </p:nvPicPr>
-        <p:blipFill>
-          <a:blip r:embed="rId8">
+        </p:nvGrpSpPr>
+        <p:grpSpPr>
+          <a:xfrm>
+            <a:off x="3606378" y="1299777"/>
+            <a:ext cx="1933872" cy="2065727"/>
+            <a:chOff x="3606378" y="1415736"/>
+            <a:chExt cx="1933872" cy="2065727"/>
+          </a:xfrm>
+        </p:grpSpPr>
+        <p:sp>
+          <p:nvSpPr>
+            <p:cNvPr id="23" name="Овал 22"/>
+            <p:cNvSpPr/>
+            <p:nvPr/>
+          </p:nvSpPr>
+          <p:spPr>
+            <a:xfrm>
+              <a:off x="3606378" y="1415736"/>
+              <a:ext cx="1933872" cy="2065727"/>
+            </a:xfrm>
+            <a:prstGeom prst="ellipse">
+              <a:avLst/>
+            </a:prstGeom>
+            <a:solidFill>
+              <a:schemeClr val="bg1"/>
+            </a:solidFill>
+            <a:ln>
+              <a:solidFill>
+                <a:schemeClr val="bg1">
+                  <a:lumMod val="95000"/>
+                </a:schemeClr>
+              </a:solidFill>
+            </a:ln>
+            <a:effectLst>
+              <a:outerShdw blurRad="254000" dist="50800" dir="5400000" algn="ctr" rotWithShape="0">
+                <a:srgbClr val="000000">
+                  <a:alpha val="15000"/>
+                </a:srgbClr>
+              </a:outerShdw>
+            </a:effectLst>
+          </p:spPr>
+          <p:style>
+            <a:lnRef idx="2">
+              <a:schemeClr val="accent1">
+                <a:shade val="50000"/>
+              </a:schemeClr>
+            </a:lnRef>
+            <a:fillRef idx="1">
+              <a:schemeClr val="accent1"/>
+            </a:fillRef>
+            <a:effectRef idx="0">
+              <a:schemeClr val="accent1"/>
+            </a:effectRef>
+            <a:fontRef idx="minor">
+              <a:schemeClr val="lt1"/>
+            </a:fontRef>
+          </p:style>
+          <p:txBody>
+            <a:bodyPr rtlCol="0" anchor="ctr"/>
+            <a:lstStyle/>
+            <a:p>
+              <a:pPr algn="ctr"/>
+              <a:endParaRPr lang="ru-RU"/>
+            </a:p>
+          </p:txBody>
+        </p:sp>
+        <p:pic>
+          <p:nvPicPr>
+            <p:cNvPr id="3" name="Picture 2" descr="C:\Users\Unicorn\Desktop\Цифровой прорыв\Хакатон 1 - Nova Solis\презентация\исходники, сопутствующие материалы\Бочаров - ред 2 - копия.jpg"/>
+            <p:cNvPicPr>
+              <a:picLocks noChangeAspect="1" noChangeArrowheads="1"/>
+            </p:cNvPicPr>
+            <p:nvPr/>
+          </p:nvPicPr>
+          <p:blipFill rotWithShape="1">
+            <a:blip r:embed="rId8">
+              <a:extLst>
+                <a:ext uri="{28A0092B-C50C-407E-A947-70E740481C1C}">
+                  <a14:useLocalDpi xmlns:a14="http://schemas.microsoft.com/office/drawing/2010/main" val="0"/>
+                </a:ext>
+              </a:extLst>
+            </a:blip>
+            <a:srcRect l="-5027" t="1817" r="-9260" b="-1"/>
+            <a:stretch/>
+          </p:blipFill>
+          <p:spPr bwMode="auto">
+            <a:xfrm>
+              <a:off x="3650051" y="1556792"/>
+              <a:ext cx="1858053" cy="1909773"/>
+            </a:xfrm>
+            <a:prstGeom prst="ellipse">
+              <a:avLst/>
+            </a:prstGeom>
+            <a:noFill/>
             <a:extLst>
-              <a:ext uri="{28A0092B-C50C-407E-A947-70E740481C1C}">
-                <a14:useLocalDpi xmlns:a14="http://schemas.microsoft.com/office/drawing/2010/main" val="0"/>
+              <a:ext uri="{909E8E84-426E-40DD-AFC4-6F175D3DCCD1}">
+                <a14:hiddenFill xmlns:a14="http://schemas.microsoft.com/office/drawing/2010/main">
+                  <a:solidFill>
+                    <a:srgbClr val="FFFFFF"/>
+                  </a:solidFill>
+                </a14:hiddenFill>
               </a:ext>
             </a:extLst>
-          </a:blip>
-          <a:srcRect/>
-          <a:stretch>
-            <a:fillRect/>
-          </a:stretch>
-        </p:blipFill>
-        <p:spPr bwMode="auto">
-          <a:xfrm>
-            <a:off x="3671900" y="1236164"/>
-            <a:ext cx="1800200" cy="2153812"/>
-          </a:xfrm>
-          <a:prstGeom prst="rect">
-            <a:avLst/>
-          </a:prstGeom>
-          <a:noFill/>
-          <a:extLst>
-            <a:ext uri="{909E8E84-426E-40DD-AFC4-6F175D3DCCD1}">
-              <a14:hiddenFill xmlns:a14="http://schemas.microsoft.com/office/drawing/2010/main">
-                <a:solidFill>
-                  <a:srgbClr val="FFFFFF"/>
-                </a:solidFill>
-              </a14:hiddenFill>
-            </a:ext>
-          </a:extLst>
-        </p:spPr>
-      </p:pic>
+          </p:spPr>
+        </p:pic>
+      </p:grpSp>
     </p:spTree>
     <p:extLst>
       <p:ext uri="{BB962C8B-B14F-4D97-AF65-F5344CB8AC3E}">

--- a/presentation/Nova solis.pptx
+++ b/presentation/Nova solis.pptx
@@ -9,11 +9,11 @@
   </p:notesMasterIdLst>
   <p:sldIdLst>
     <p:sldId id="256" r:id="rId2"/>
-    <p:sldId id="258" r:id="rId3"/>
-    <p:sldId id="259" r:id="rId4"/>
-    <p:sldId id="260" r:id="rId5"/>
-    <p:sldId id="261" r:id="rId6"/>
-    <p:sldId id="257" r:id="rId7"/>
+    <p:sldId id="257" r:id="rId3"/>
+    <p:sldId id="258" r:id="rId4"/>
+    <p:sldId id="259" r:id="rId5"/>
+    <p:sldId id="262" r:id="rId6"/>
+    <p:sldId id="261" r:id="rId7"/>
   </p:sldIdLst>
   <p:sldSz cx="9144000" cy="6858000" type="screen4x3"/>
   <p:notesSz cx="6858000" cy="9144000"/>
@@ -530,7 +530,7 @@
           <a:p>
             <a:fld id="{3A4B73A7-FF73-4252-ABB6-D960E5E3D165}" type="slidenum">
               <a:rPr lang="ru-RU" smtClean="0"/>
-              <a:t>6</a:t>
+              <a:t>2</a:t>
             </a:fld>
             <a:endParaRPr lang="ru-RU"/>
           </a:p>
@@ -2962,7 +2962,17 @@
       <p:bgPr>
         <a:blipFill dpi="0" rotWithShape="1">
           <a:blip r:embed="rId13">
-            <a:lum/>
+            <a:extLst>
+              <a:ext uri="{BEBA8EAE-BF5A-486C-A8C5-ECC9F3942E4B}">
+                <a14:imgProps xmlns:a14="http://schemas.microsoft.com/office/drawing/2010/main">
+                  <a14:imgLayer r:embed="rId14">
+                    <a14:imgEffect>
+                      <a14:brightnessContrast bright="20000"/>
+                    </a14:imgEffect>
+                  </a14:imgLayer>
+                </a14:imgProps>
+              </a:ext>
+            </a:extLst>
           </a:blip>
           <a:srcRect/>
           <a:stretch>
@@ -3506,58 +3516,34 @@
         </p:nvSpPr>
         <p:spPr>
           <a:xfrm>
-            <a:off x="685800" y="669603"/>
-            <a:ext cx="7772400" cy="1103213"/>
+            <a:off x="685800" y="836712"/>
+            <a:ext cx="7772400" cy="1584176"/>
           </a:xfrm>
         </p:spPr>
         <p:txBody>
-          <a:bodyPr/>
+          <a:bodyPr>
+            <a:noAutofit/>
+          </a:bodyPr>
           <a:lstStyle/>
           <a:p>
             <a:r>
-              <a:rPr lang="ru-RU" b="1" dirty="0" smtClean="0">
-                <a:solidFill>
-                  <a:schemeClr val="tx1">
-                    <a:lumMod val="95000"/>
-                    <a:lumOff val="5000"/>
-                  </a:schemeClr>
-                </a:solidFill>
-                <a:latin typeface="Arial" panose="020B0604020202020204" pitchFamily="34" charset="0"/>
-                <a:cs typeface="Arial" panose="020B0604020202020204" pitchFamily="34" charset="0"/>
-              </a:rPr>
-              <a:t>Кейс «Анализ </a:t>
-            </a:r>
-            <a:r>
-              <a:rPr lang="ru-RU" b="1" dirty="0" err="1" smtClean="0">
-                <a:solidFill>
-                  <a:schemeClr val="tx1">
-                    <a:lumMod val="95000"/>
-                    <a:lumOff val="5000"/>
-                  </a:schemeClr>
-                </a:solidFill>
-                <a:latin typeface="Arial" panose="020B0604020202020204" pitchFamily="34" charset="0"/>
-                <a:cs typeface="Arial" panose="020B0604020202020204" pitchFamily="34" charset="0"/>
-              </a:rPr>
-              <a:t>геоданных</a:t>
-            </a:r>
-            <a:r>
-              <a:rPr lang="ru-RU" b="1" dirty="0" smtClean="0">
-                <a:solidFill>
-                  <a:schemeClr val="tx1">
-                    <a:lumMod val="95000"/>
-                    <a:lumOff val="5000"/>
-                  </a:schemeClr>
-                </a:solidFill>
-                <a:latin typeface="Arial" panose="020B0604020202020204" pitchFamily="34" charset="0"/>
-                <a:cs typeface="Arial" panose="020B0604020202020204" pitchFamily="34" charset="0"/>
-              </a:rPr>
-              <a:t>»</a:t>
-            </a:r>
-            <a:endParaRPr lang="ru-RU" b="1" dirty="0">
+              <a:rPr lang="ru-RU" sz="3200" b="1" dirty="0" smtClean="0">
+                <a:solidFill>
+                  <a:schemeClr val="tx1">
+                    <a:lumMod val="85000"/>
+                    <a:lumOff val="15000"/>
+                  </a:schemeClr>
+                </a:solidFill>
+                <a:latin typeface="Arial" panose="020B0604020202020204" pitchFamily="34" charset="0"/>
+                <a:cs typeface="Arial" panose="020B0604020202020204" pitchFamily="34" charset="0"/>
+              </a:rPr>
+              <a:t>Интеллектуальная система распознавания и предобработки неполного почтового адреса</a:t>
+            </a:r>
+            <a:endParaRPr lang="ru-RU" sz="3200" b="1" dirty="0">
               <a:solidFill>
                 <a:schemeClr val="tx1">
-                  <a:lumMod val="95000"/>
-                  <a:lumOff val="5000"/>
+                  <a:lumMod val="85000"/>
+                  <a:lumOff val="15000"/>
                 </a:schemeClr>
               </a:solidFill>
               <a:latin typeface="Arial" panose="020B0604020202020204" pitchFamily="34" charset="0"/>
@@ -3578,16 +3564,19 @@
         </p:nvSpPr>
         <p:spPr>
           <a:xfrm>
-            <a:off x="1371600" y="1844824"/>
-            <a:ext cx="6400800" cy="715590"/>
+            <a:off x="5260032" y="116632"/>
+            <a:ext cx="3776464" cy="548680"/>
           </a:xfrm>
         </p:spPr>
         <p:txBody>
-          <a:bodyPr/>
+          <a:bodyPr>
+            <a:normAutofit/>
+          </a:bodyPr>
           <a:lstStyle/>
           <a:p>
-            <a:r>
-              <a:rPr lang="ru-RU" dirty="0" smtClean="0">
+            <a:pPr algn="r"/>
+            <a:r>
+              <a:rPr lang="ru-RU" sz="2400" dirty="0" smtClean="0">
                 <a:solidFill>
                   <a:schemeClr val="bg1">
                     <a:lumMod val="50000"/>
@@ -3599,7 +3588,7 @@
               <a:t>Команда «</a:t>
             </a:r>
             <a:r>
-              <a:rPr lang="en-US" dirty="0">
+              <a:rPr lang="en-US" sz="2400" dirty="0">
                 <a:solidFill>
                   <a:schemeClr val="bg1">
                     <a:lumMod val="50000"/>
@@ -3608,10 +3597,10 @@
                 <a:latin typeface="Arial" panose="020B0604020202020204" pitchFamily="34" charset="0"/>
                 <a:cs typeface="Arial" panose="020B0604020202020204" pitchFamily="34" charset="0"/>
               </a:rPr>
-              <a:t>Nova </a:t>
-            </a:r>
-            <a:r>
-              <a:rPr lang="en-US" dirty="0" err="1">
+              <a:t>Nova solis</a:t>
+            </a:r>
+            <a:r>
+              <a:rPr lang="ru-RU" sz="2400" dirty="0" smtClean="0">
                 <a:solidFill>
                   <a:schemeClr val="bg1">
                     <a:lumMod val="50000"/>
@@ -3620,21 +3609,9 @@
                 <a:latin typeface="Arial" panose="020B0604020202020204" pitchFamily="34" charset="0"/>
                 <a:cs typeface="Arial" panose="020B0604020202020204" pitchFamily="34" charset="0"/>
               </a:rPr>
-              <a:t>solis</a:t>
-            </a:r>
-            <a:r>
-              <a:rPr lang="ru-RU" dirty="0" smtClean="0">
-                <a:solidFill>
-                  <a:schemeClr val="bg1">
-                    <a:lumMod val="50000"/>
-                  </a:schemeClr>
-                </a:solidFill>
-                <a:latin typeface="Arial" panose="020B0604020202020204" pitchFamily="34" charset="0"/>
-                <a:cs typeface="Arial" panose="020B0604020202020204" pitchFamily="34" charset="0"/>
-              </a:rPr>
               <a:t>»</a:t>
             </a:r>
-            <a:endParaRPr lang="ru-RU" dirty="0">
+            <a:endParaRPr lang="ru-RU" sz="2400" dirty="0">
               <a:solidFill>
                 <a:schemeClr val="bg1">
                   <a:lumMod val="50000"/>
@@ -3669,8 +3646,8 @@
         </p:blipFill>
         <p:spPr bwMode="auto">
           <a:xfrm>
-            <a:off x="246034" y="2420888"/>
-            <a:ext cx="8286406" cy="4282513"/>
+            <a:off x="467544" y="2647011"/>
+            <a:ext cx="7848872" cy="4056390"/>
           </a:xfrm>
           <a:prstGeom prst="rect">
             <a:avLst/>
@@ -3687,6 +3664,256 @@
           </a:extLst>
         </p:spPr>
       </p:pic>
+      <p:sp>
+        <p:nvSpPr>
+          <p:cNvPr id="8" name="Подзаголовок 2"/>
+          <p:cNvSpPr txBox="1">
+            <a:spLocks/>
+          </p:cNvSpPr>
+          <p:nvPr/>
+        </p:nvSpPr>
+        <p:spPr>
+          <a:xfrm>
+            <a:off x="108012" y="116632"/>
+            <a:ext cx="4391980" cy="548680"/>
+          </a:xfrm>
+          <a:prstGeom prst="rect">
+            <a:avLst/>
+          </a:prstGeom>
+        </p:spPr>
+        <p:txBody>
+          <a:bodyPr vert="horz" lIns="91440" tIns="45720" rIns="91440" bIns="45720" rtlCol="0">
+            <a:normAutofit/>
+          </a:bodyPr>
+          <a:lstStyle>
+            <a:lvl1pPr marL="0" indent="0" algn="ctr" defTabSz="914400" rtl="0" eaLnBrk="1" latinLnBrk="0" hangingPunct="1">
+              <a:spcBef>
+                <a:spcPct val="20000"/>
+              </a:spcBef>
+              <a:buFont typeface="Arial" pitchFamily="34" charset="0"/>
+              <a:buNone/>
+              <a:defRPr sz="3200" kern="1200">
+                <a:solidFill>
+                  <a:schemeClr val="tx1">
+                    <a:tint val="75000"/>
+                  </a:schemeClr>
+                </a:solidFill>
+                <a:latin typeface="+mn-lt"/>
+                <a:ea typeface="+mn-ea"/>
+                <a:cs typeface="+mn-cs"/>
+              </a:defRPr>
+            </a:lvl1pPr>
+            <a:lvl2pPr marL="457200" indent="0" algn="ctr" defTabSz="914400" rtl="0" eaLnBrk="1" latinLnBrk="0" hangingPunct="1">
+              <a:spcBef>
+                <a:spcPct val="20000"/>
+              </a:spcBef>
+              <a:buFont typeface="Arial" pitchFamily="34" charset="0"/>
+              <a:buNone/>
+              <a:defRPr sz="2800" kern="1200">
+                <a:solidFill>
+                  <a:schemeClr val="tx1">
+                    <a:tint val="75000"/>
+                  </a:schemeClr>
+                </a:solidFill>
+                <a:latin typeface="+mn-lt"/>
+                <a:ea typeface="+mn-ea"/>
+                <a:cs typeface="+mn-cs"/>
+              </a:defRPr>
+            </a:lvl2pPr>
+            <a:lvl3pPr marL="914400" indent="0" algn="ctr" defTabSz="914400" rtl="0" eaLnBrk="1" latinLnBrk="0" hangingPunct="1">
+              <a:spcBef>
+                <a:spcPct val="20000"/>
+              </a:spcBef>
+              <a:buFont typeface="Arial" pitchFamily="34" charset="0"/>
+              <a:buNone/>
+              <a:defRPr sz="2400" kern="1200">
+                <a:solidFill>
+                  <a:schemeClr val="tx1">
+                    <a:tint val="75000"/>
+                  </a:schemeClr>
+                </a:solidFill>
+                <a:latin typeface="+mn-lt"/>
+                <a:ea typeface="+mn-ea"/>
+                <a:cs typeface="+mn-cs"/>
+              </a:defRPr>
+            </a:lvl3pPr>
+            <a:lvl4pPr marL="1371600" indent="0" algn="ctr" defTabSz="914400" rtl="0" eaLnBrk="1" latinLnBrk="0" hangingPunct="1">
+              <a:spcBef>
+                <a:spcPct val="20000"/>
+              </a:spcBef>
+              <a:buFont typeface="Arial" pitchFamily="34" charset="0"/>
+              <a:buNone/>
+              <a:defRPr sz="2000" kern="1200">
+                <a:solidFill>
+                  <a:schemeClr val="tx1">
+                    <a:tint val="75000"/>
+                  </a:schemeClr>
+                </a:solidFill>
+                <a:latin typeface="+mn-lt"/>
+                <a:ea typeface="+mn-ea"/>
+                <a:cs typeface="+mn-cs"/>
+              </a:defRPr>
+            </a:lvl4pPr>
+            <a:lvl5pPr marL="1828800" indent="0" algn="ctr" defTabSz="914400" rtl="0" eaLnBrk="1" latinLnBrk="0" hangingPunct="1">
+              <a:spcBef>
+                <a:spcPct val="20000"/>
+              </a:spcBef>
+              <a:buFont typeface="Arial" pitchFamily="34" charset="0"/>
+              <a:buNone/>
+              <a:defRPr sz="2000" kern="1200">
+                <a:solidFill>
+                  <a:schemeClr val="tx1">
+                    <a:tint val="75000"/>
+                  </a:schemeClr>
+                </a:solidFill>
+                <a:latin typeface="+mn-lt"/>
+                <a:ea typeface="+mn-ea"/>
+                <a:cs typeface="+mn-cs"/>
+              </a:defRPr>
+            </a:lvl5pPr>
+            <a:lvl6pPr marL="2286000" indent="0" algn="ctr" defTabSz="914400" rtl="0" eaLnBrk="1" latinLnBrk="0" hangingPunct="1">
+              <a:spcBef>
+                <a:spcPct val="20000"/>
+              </a:spcBef>
+              <a:buFont typeface="Arial" pitchFamily="34" charset="0"/>
+              <a:buNone/>
+              <a:defRPr sz="2000" kern="1200">
+                <a:solidFill>
+                  <a:schemeClr val="tx1">
+                    <a:tint val="75000"/>
+                  </a:schemeClr>
+                </a:solidFill>
+                <a:latin typeface="+mn-lt"/>
+                <a:ea typeface="+mn-ea"/>
+                <a:cs typeface="+mn-cs"/>
+              </a:defRPr>
+            </a:lvl6pPr>
+            <a:lvl7pPr marL="2743200" indent="0" algn="ctr" defTabSz="914400" rtl="0" eaLnBrk="1" latinLnBrk="0" hangingPunct="1">
+              <a:spcBef>
+                <a:spcPct val="20000"/>
+              </a:spcBef>
+              <a:buFont typeface="Arial" pitchFamily="34" charset="0"/>
+              <a:buNone/>
+              <a:defRPr sz="2000" kern="1200">
+                <a:solidFill>
+                  <a:schemeClr val="tx1">
+                    <a:tint val="75000"/>
+                  </a:schemeClr>
+                </a:solidFill>
+                <a:latin typeface="+mn-lt"/>
+                <a:ea typeface="+mn-ea"/>
+                <a:cs typeface="+mn-cs"/>
+              </a:defRPr>
+            </a:lvl7pPr>
+            <a:lvl8pPr marL="3200400" indent="0" algn="ctr" defTabSz="914400" rtl="0" eaLnBrk="1" latinLnBrk="0" hangingPunct="1">
+              <a:spcBef>
+                <a:spcPct val="20000"/>
+              </a:spcBef>
+              <a:buFont typeface="Arial" pitchFamily="34" charset="0"/>
+              <a:buNone/>
+              <a:defRPr sz="2000" kern="1200">
+                <a:solidFill>
+                  <a:schemeClr val="tx1">
+                    <a:tint val="75000"/>
+                  </a:schemeClr>
+                </a:solidFill>
+                <a:latin typeface="+mn-lt"/>
+                <a:ea typeface="+mn-ea"/>
+                <a:cs typeface="+mn-cs"/>
+              </a:defRPr>
+            </a:lvl8pPr>
+            <a:lvl9pPr marL="3657600" indent="0" algn="ctr" defTabSz="914400" rtl="0" eaLnBrk="1" latinLnBrk="0" hangingPunct="1">
+              <a:spcBef>
+                <a:spcPct val="20000"/>
+              </a:spcBef>
+              <a:buFont typeface="Arial" pitchFamily="34" charset="0"/>
+              <a:buNone/>
+              <a:defRPr sz="2000" kern="1200">
+                <a:solidFill>
+                  <a:schemeClr val="tx1">
+                    <a:tint val="75000"/>
+                  </a:schemeClr>
+                </a:solidFill>
+                <a:latin typeface="+mn-lt"/>
+                <a:ea typeface="+mn-ea"/>
+                <a:cs typeface="+mn-cs"/>
+              </a:defRPr>
+            </a:lvl9pPr>
+          </a:lstStyle>
+          <a:p>
+            <a:pPr algn="l"/>
+            <a:r>
+              <a:rPr lang="ru-RU" sz="2400" dirty="0" smtClean="0">
+                <a:solidFill>
+                  <a:schemeClr val="bg1">
+                    <a:lumMod val="50000"/>
+                  </a:schemeClr>
+                </a:solidFill>
+                <a:latin typeface="Arial" panose="020B0604020202020204" pitchFamily="34" charset="0"/>
+                <a:cs typeface="Arial" panose="020B0604020202020204" pitchFamily="34" charset="0"/>
+              </a:rPr>
+              <a:t>КЕЙС </a:t>
+            </a:r>
+            <a:r>
+              <a:rPr lang="en-US" sz="2400" dirty="0" smtClean="0">
+                <a:solidFill>
+                  <a:schemeClr val="bg1">
+                    <a:lumMod val="50000"/>
+                  </a:schemeClr>
+                </a:solidFill>
+                <a:latin typeface="Arial" panose="020B0604020202020204" pitchFamily="34" charset="0"/>
+                <a:cs typeface="Arial" panose="020B0604020202020204" pitchFamily="34" charset="0"/>
+              </a:rPr>
+              <a:t>#</a:t>
+            </a:r>
+            <a:r>
+              <a:rPr lang="ru-RU" sz="2400" dirty="0" smtClean="0">
+                <a:solidFill>
+                  <a:schemeClr val="bg1">
+                    <a:lumMod val="50000"/>
+                  </a:schemeClr>
+                </a:solidFill>
+                <a:latin typeface="Arial" panose="020B0604020202020204" pitchFamily="34" charset="0"/>
+                <a:cs typeface="Arial" panose="020B0604020202020204" pitchFamily="34" charset="0"/>
+              </a:rPr>
+              <a:t>5 </a:t>
+            </a:r>
+            <a:r>
+              <a:rPr lang="en-US" sz="2400" dirty="0" smtClean="0">
+                <a:solidFill>
+                  <a:schemeClr val="bg1">
+                    <a:lumMod val="50000"/>
+                  </a:schemeClr>
+                </a:solidFill>
+                <a:latin typeface="Arial" panose="020B0604020202020204" pitchFamily="34" charset="0"/>
+                <a:cs typeface="Arial" panose="020B0604020202020204" pitchFamily="34" charset="0"/>
+              </a:rPr>
+              <a:t>| </a:t>
+            </a:r>
+            <a:r>
+              <a:rPr lang="ru-RU" sz="2400" dirty="0" smtClean="0">
+                <a:solidFill>
+                  <a:schemeClr val="bg1">
+                    <a:lumMod val="50000"/>
+                  </a:schemeClr>
+                </a:solidFill>
+                <a:latin typeface="Arial" panose="020B0604020202020204" pitchFamily="34" charset="0"/>
+                <a:cs typeface="Arial" panose="020B0604020202020204" pitchFamily="34" charset="0"/>
+              </a:rPr>
+              <a:t>АБД-Сбербанк</a:t>
+            </a:r>
+            <a:endParaRPr lang="ru-RU" sz="2400" dirty="0">
+              <a:solidFill>
+                <a:schemeClr val="bg1">
+                  <a:lumMod val="50000"/>
+                </a:schemeClr>
+              </a:solidFill>
+              <a:latin typeface="Arial" panose="020B0604020202020204" pitchFamily="34" charset="0"/>
+              <a:cs typeface="Arial" panose="020B0604020202020204" pitchFamily="34" charset="0"/>
+            </a:endParaRPr>
+          </a:p>
+        </p:txBody>
+      </p:sp>
     </p:spTree>
     <p:extLst>
       <p:ext uri="{BB962C8B-B14F-4D97-AF65-F5344CB8AC3E}">
@@ -3736,12 +3963,14 @@
         </p:nvSpPr>
         <p:spPr>
           <a:xfrm>
-            <a:off x="457200" y="116632"/>
+            <a:off x="457200" y="135472"/>
             <a:ext cx="8229600" cy="1143000"/>
           </a:xfrm>
         </p:spPr>
         <p:txBody>
-          <a:bodyPr/>
+          <a:bodyPr>
+            <a:normAutofit/>
+          </a:bodyPr>
           <a:lstStyle/>
           <a:p>
             <a:r>
@@ -3755,7 +3984,46 @@
                 <a:latin typeface="Arial" panose="020B0604020202020204" pitchFamily="34" charset="0"/>
                 <a:cs typeface="Arial" panose="020B0604020202020204" pitchFamily="34" charset="0"/>
               </a:rPr>
-              <a:t>Проблематика</a:t>
+              <a:t>Команда </a:t>
+            </a:r>
+            <a:r>
+              <a:rPr lang="ru-RU" b="1" dirty="0">
+                <a:solidFill>
+                  <a:schemeClr val="tx1">
+                    <a:lumMod val="85000"/>
+                    <a:lumOff val="15000"/>
+                  </a:schemeClr>
+                </a:solidFill>
+                <a:latin typeface="Arial" panose="020B0604020202020204" pitchFamily="34" charset="0"/>
+                <a:cs typeface="Arial" panose="020B0604020202020204" pitchFamily="34" charset="0"/>
+              </a:rPr>
+              <a:t>«</a:t>
+            </a:r>
+            <a:r>
+              <a:rPr lang="en-US" b="1" dirty="0">
+                <a:solidFill>
+                  <a:schemeClr val="tx1">
+                    <a:lumMod val="85000"/>
+                    <a:lumOff val="15000"/>
+                  </a:schemeClr>
+                </a:solidFill>
+                <a:latin typeface="Arial" panose="020B0604020202020204" pitchFamily="34" charset="0"/>
+                <a:cs typeface="Arial" panose="020B0604020202020204" pitchFamily="34" charset="0"/>
+              </a:rPr>
+              <a:t>Nova solis</a:t>
+            </a:r>
+            <a:r>
+              <a:rPr lang="ru-RU" b="1" dirty="0" smtClean="0">
+                <a:solidFill>
+                  <a:schemeClr val="tx1">
+                    <a:lumMod val="85000"/>
+                    <a:lumOff val="15000"/>
+                  </a:schemeClr>
+                </a:solidFill>
+                <a:latin typeface="Arial" panose="020B0604020202020204" pitchFamily="34" charset="0"/>
+                <a:cs typeface="Arial" panose="020B0604020202020204" pitchFamily="34" charset="0"/>
+              </a:rPr>
+              <a:t>»</a:t>
             </a:r>
             <a:endParaRPr lang="ru-RU" b="1" dirty="0">
               <a:solidFill>
@@ -3772,1049 +4040,6 @@
       </p:sp>
       <p:sp>
         <p:nvSpPr>
-          <p:cNvPr id="3" name="Объект 2"/>
-          <p:cNvSpPr>
-            <a:spLocks noGrp="1"/>
-          </p:cNvSpPr>
-          <p:nvPr>
-            <p:ph idx="1"/>
-          </p:nvPr>
-        </p:nvSpPr>
-        <p:spPr>
-          <a:xfrm>
-            <a:off x="323528" y="1412777"/>
-            <a:ext cx="5760640" cy="2606886"/>
-          </a:xfrm>
-        </p:spPr>
-        <p:txBody>
-          <a:bodyPr>
-            <a:normAutofit/>
-          </a:bodyPr>
-          <a:lstStyle/>
-          <a:p>
-            <a:pPr marL="0" indent="0">
-              <a:spcBef>
-                <a:spcPts val="600"/>
-              </a:spcBef>
-              <a:spcAft>
-                <a:spcPts val="600"/>
-              </a:spcAft>
-              <a:buNone/>
-            </a:pPr>
-            <a:r>
-              <a:rPr lang="ru-RU" sz="1800" dirty="0" smtClean="0">
-                <a:solidFill>
-                  <a:schemeClr val="tx1">
-                    <a:lumMod val="95000"/>
-                    <a:lumOff val="5000"/>
-                  </a:schemeClr>
-                </a:solidFill>
-                <a:latin typeface="Arial" panose="020B0604020202020204" pitchFamily="34" charset="0"/>
-                <a:cs typeface="Arial" panose="020B0604020202020204" pitchFamily="34" charset="0"/>
-              </a:rPr>
-              <a:t>Используемый </a:t>
-            </a:r>
-            <a:r>
-              <a:rPr lang="ru-RU" sz="1800" dirty="0">
-                <a:solidFill>
-                  <a:schemeClr val="tx1">
-                    <a:lumMod val="95000"/>
-                    <a:lumOff val="5000"/>
-                  </a:schemeClr>
-                </a:solidFill>
-                <a:latin typeface="Arial" panose="020B0604020202020204" pitchFamily="34" charset="0"/>
-                <a:cs typeface="Arial" panose="020B0604020202020204" pitchFamily="34" charset="0"/>
-              </a:rPr>
-              <a:t>для обработки </a:t>
-            </a:r>
-            <a:r>
-              <a:rPr lang="ru-RU" sz="1800" dirty="0" smtClean="0">
-                <a:solidFill>
-                  <a:schemeClr val="tx1">
-                    <a:lumMod val="95000"/>
-                    <a:lumOff val="5000"/>
-                  </a:schemeClr>
-                </a:solidFill>
-                <a:latin typeface="Arial" panose="020B0604020202020204" pitchFamily="34" charset="0"/>
-                <a:cs typeface="Arial" panose="020B0604020202020204" pitchFamily="34" charset="0"/>
-              </a:rPr>
-              <a:t>почтовых адресов </a:t>
-            </a:r>
-            <a:r>
-              <a:rPr lang="ru-RU" sz="1800" dirty="0" err="1">
-                <a:solidFill>
-                  <a:schemeClr val="tx1">
-                    <a:lumMod val="95000"/>
-                    <a:lumOff val="5000"/>
-                  </a:schemeClr>
-                </a:solidFill>
-                <a:latin typeface="Arial" panose="020B0604020202020204" pitchFamily="34" charset="0"/>
-                <a:cs typeface="Arial" panose="020B0604020202020204" pitchFamily="34" charset="0"/>
-              </a:rPr>
-              <a:t>Нормализатор</a:t>
-            </a:r>
-            <a:r>
-              <a:rPr lang="ru-RU" sz="1800" dirty="0">
-                <a:solidFill>
-                  <a:schemeClr val="tx1">
-                    <a:lumMod val="95000"/>
-                    <a:lumOff val="5000"/>
-                  </a:schemeClr>
-                </a:solidFill>
-                <a:latin typeface="Arial" panose="020B0604020202020204" pitchFamily="34" charset="0"/>
-                <a:cs typeface="Arial" panose="020B0604020202020204" pitchFamily="34" charset="0"/>
-              </a:rPr>
-              <a:t> не всегда корректно распознает адреса, если они не полные или содержат ошибки.</a:t>
-            </a:r>
-          </a:p>
-          <a:p>
-            <a:pPr marL="0" indent="0">
-              <a:spcBef>
-                <a:spcPts val="600"/>
-              </a:spcBef>
-              <a:spcAft>
-                <a:spcPts val="600"/>
-              </a:spcAft>
-              <a:buNone/>
-            </a:pPr>
-            <a:r>
-              <a:rPr lang="ru-RU" sz="1800" dirty="0" smtClean="0">
-                <a:solidFill>
-                  <a:schemeClr val="tx1">
-                    <a:lumMod val="95000"/>
-                    <a:lumOff val="5000"/>
-                  </a:schemeClr>
-                </a:solidFill>
-                <a:latin typeface="Arial" panose="020B0604020202020204" pitchFamily="34" charset="0"/>
-                <a:cs typeface="Arial" panose="020B0604020202020204" pitchFamily="34" charset="0"/>
-              </a:rPr>
-              <a:t>Такие адреса </a:t>
-            </a:r>
-            <a:r>
-              <a:rPr lang="ru-RU" sz="1800" dirty="0">
-                <a:solidFill>
-                  <a:schemeClr val="tx1">
-                    <a:lumMod val="95000"/>
-                    <a:lumOff val="5000"/>
-                  </a:schemeClr>
-                </a:solidFill>
-                <a:latin typeface="Arial" panose="020B0604020202020204" pitchFamily="34" charset="0"/>
-                <a:cs typeface="Arial" panose="020B0604020202020204" pitchFamily="34" charset="0"/>
-              </a:rPr>
-              <a:t>не могут быть использованы в </a:t>
-            </a:r>
-            <a:r>
-              <a:rPr lang="ru-RU" sz="1800" dirty="0" err="1">
-                <a:solidFill>
-                  <a:schemeClr val="tx1">
-                    <a:lumMod val="95000"/>
-                    <a:lumOff val="5000"/>
-                  </a:schemeClr>
-                </a:solidFill>
-                <a:latin typeface="Arial" panose="020B0604020202020204" pitchFamily="34" charset="0"/>
-                <a:cs typeface="Arial" panose="020B0604020202020204" pitchFamily="34" charset="0"/>
-              </a:rPr>
-              <a:t>гео</a:t>
-            </a:r>
-            <a:r>
-              <a:rPr lang="ru-RU" sz="1800" dirty="0">
-                <a:solidFill>
-                  <a:schemeClr val="tx1">
-                    <a:lumMod val="95000"/>
-                    <a:lumOff val="5000"/>
-                  </a:schemeClr>
-                </a:solidFill>
-                <a:latin typeface="Arial" panose="020B0604020202020204" pitchFamily="34" charset="0"/>
-                <a:cs typeface="Arial" panose="020B0604020202020204" pitchFamily="34" charset="0"/>
-              </a:rPr>
-              <a:t>-аналитических исследованиях. Например, в анализе географического распределении покупок определенного сегмента клиентов. </a:t>
-            </a:r>
-          </a:p>
-        </p:txBody>
-      </p:sp>
-      <p:sp>
-        <p:nvSpPr>
-          <p:cNvPr id="4" name="TextBox 3"/>
-          <p:cNvSpPr txBox="1"/>
-          <p:nvPr/>
-        </p:nvSpPr>
-        <p:spPr>
-          <a:xfrm>
-            <a:off x="9144000" y="933108"/>
-            <a:ext cx="2592288" cy="1415772"/>
-          </a:xfrm>
-          <a:prstGeom prst="rect">
-            <a:avLst/>
-          </a:prstGeom>
-          <a:noFill/>
-        </p:spPr>
-        <p:txBody>
-          <a:bodyPr wrap="square" rtlCol="0">
-            <a:spAutoFit/>
-          </a:bodyPr>
-          <a:lstStyle/>
-          <a:p>
-            <a:pPr algn="ctr"/>
-            <a:r>
-              <a:rPr lang="ru-RU" dirty="0" smtClean="0">
-                <a:latin typeface="Arial" panose="020B0604020202020204" pitchFamily="34" charset="0"/>
-                <a:cs typeface="Arial" panose="020B0604020202020204" pitchFamily="34" charset="0"/>
-              </a:rPr>
-              <a:t>До</a:t>
-            </a:r>
-            <a:r>
-              <a:rPr lang="ru-RU" sz="2000" b="1" dirty="0" smtClean="0">
-                <a:latin typeface="Arial" panose="020B0604020202020204" pitchFamily="34" charset="0"/>
-                <a:cs typeface="Arial" panose="020B0604020202020204" pitchFamily="34" charset="0"/>
-              </a:rPr>
-              <a:t> </a:t>
-            </a:r>
-            <a:r>
-              <a:rPr lang="ru-RU" sz="3000" b="1" dirty="0" smtClean="0">
-                <a:latin typeface="Arial" panose="020B0604020202020204" pitchFamily="34" charset="0"/>
-                <a:cs typeface="Arial" panose="020B0604020202020204" pitchFamily="34" charset="0"/>
-              </a:rPr>
-              <a:t>25%</a:t>
-            </a:r>
-          </a:p>
-          <a:p>
-            <a:pPr algn="ctr"/>
-            <a:r>
-              <a:rPr lang="ru-RU" dirty="0" smtClean="0">
-                <a:latin typeface="Arial" panose="020B0604020202020204" pitchFamily="34" charset="0"/>
-                <a:cs typeface="Arial" panose="020B0604020202020204" pitchFamily="34" charset="0"/>
-              </a:rPr>
-              <a:t>адресов из набора данных распознаются </a:t>
-            </a:r>
-            <a:r>
-              <a:rPr lang="ru-RU" dirty="0">
-                <a:latin typeface="Arial" panose="020B0604020202020204" pitchFamily="34" charset="0"/>
-                <a:cs typeface="Arial" panose="020B0604020202020204" pitchFamily="34" charset="0"/>
-              </a:rPr>
-              <a:t>не </a:t>
-            </a:r>
-            <a:r>
-              <a:rPr lang="ru-RU" dirty="0" smtClean="0">
-                <a:latin typeface="Arial" panose="020B0604020202020204" pitchFamily="34" charset="0"/>
-                <a:cs typeface="Arial" panose="020B0604020202020204" pitchFamily="34" charset="0"/>
-              </a:rPr>
-              <a:t>полностью</a:t>
-            </a:r>
-            <a:endParaRPr lang="ru-RU" dirty="0">
-              <a:latin typeface="Arial" panose="020B0604020202020204" pitchFamily="34" charset="0"/>
-              <a:cs typeface="Arial" panose="020B0604020202020204" pitchFamily="34" charset="0"/>
-            </a:endParaRPr>
-          </a:p>
-        </p:txBody>
-      </p:sp>
-      <p:sp>
-        <p:nvSpPr>
-          <p:cNvPr id="5" name="Прямоугольник 4"/>
-          <p:cNvSpPr/>
-          <p:nvPr/>
-        </p:nvSpPr>
-        <p:spPr>
-          <a:xfrm>
-            <a:off x="9612560" y="4797152"/>
-            <a:ext cx="8280920" cy="914400"/>
-          </a:xfrm>
-          <a:prstGeom prst="rect">
-            <a:avLst/>
-          </a:prstGeom>
-          <a:noFill/>
-          <a:ln>
-            <a:noFill/>
-          </a:ln>
-        </p:spPr>
-        <p:style>
-          <a:lnRef idx="2">
-            <a:schemeClr val="accent1">
-              <a:shade val="50000"/>
-            </a:schemeClr>
-          </a:lnRef>
-          <a:fillRef idx="1">
-            <a:schemeClr val="accent1"/>
-          </a:fillRef>
-          <a:effectRef idx="0">
-            <a:schemeClr val="accent1"/>
-          </a:effectRef>
-          <a:fontRef idx="minor">
-            <a:schemeClr val="lt1"/>
-          </a:fontRef>
-        </p:style>
-        <p:txBody>
-          <a:bodyPr rtlCol="0" anchor="ctr"/>
-          <a:lstStyle/>
-          <a:p>
-            <a:pPr algn="ctr"/>
-            <a:r>
-              <a:rPr lang="ru-RU" sz="2400" b="1" dirty="0">
-                <a:solidFill>
-                  <a:schemeClr val="tx1">
-                    <a:lumMod val="95000"/>
-                    <a:lumOff val="5000"/>
-                  </a:schemeClr>
-                </a:solidFill>
-                <a:latin typeface="Arial" panose="020B0604020202020204" pitchFamily="34" charset="0"/>
-                <a:cs typeface="Arial" panose="020B0604020202020204" pitchFamily="34" charset="0"/>
-              </a:rPr>
-              <a:t>Нераспознанные данные = упущенная выгода</a:t>
-            </a:r>
-            <a:endParaRPr lang="ru-RU" sz="2400" dirty="0">
-              <a:solidFill>
-                <a:schemeClr val="tx1">
-                  <a:lumMod val="95000"/>
-                  <a:lumOff val="5000"/>
-                </a:schemeClr>
-              </a:solidFill>
-              <a:latin typeface="Arial" panose="020B0604020202020204" pitchFamily="34" charset="0"/>
-              <a:cs typeface="Arial" panose="020B0604020202020204" pitchFamily="34" charset="0"/>
-            </a:endParaRPr>
-          </a:p>
-        </p:txBody>
-      </p:sp>
-      <p:pic>
-        <p:nvPicPr>
-          <p:cNvPr id="2052" name="Picture 4" descr="C:\Users\Unicorn\Desktop\ЦП Хакатон 1 - Nova Solis\презентация\исходники, сопутствующие материалы\картинки на выход\контур 2.png"/>
-          <p:cNvPicPr>
-            <a:picLocks noChangeAspect="1" noChangeArrowheads="1"/>
-          </p:cNvPicPr>
-          <p:nvPr/>
-        </p:nvPicPr>
-        <p:blipFill>
-          <a:blip r:embed="rId2" cstate="print">
-            <a:extLst>
-              <a:ext uri="{28A0092B-C50C-407E-A947-70E740481C1C}">
-                <a14:useLocalDpi xmlns:a14="http://schemas.microsoft.com/office/drawing/2010/main" val="0"/>
-              </a:ext>
-            </a:extLst>
-          </a:blip>
-          <a:srcRect/>
-          <a:stretch>
-            <a:fillRect/>
-          </a:stretch>
-        </p:blipFill>
-        <p:spPr bwMode="auto">
-          <a:xfrm>
-            <a:off x="9144000" y="2878087"/>
-            <a:ext cx="7956376" cy="4111951"/>
-          </a:xfrm>
-          <a:prstGeom prst="rect">
-            <a:avLst/>
-          </a:prstGeom>
-          <a:noFill/>
-          <a:extLst>
-            <a:ext uri="{909E8E84-426E-40DD-AFC4-6F175D3DCCD1}">
-              <a14:hiddenFill xmlns:a14="http://schemas.microsoft.com/office/drawing/2010/main">
-                <a:solidFill>
-                  <a:srgbClr val="FFFFFF"/>
-                </a:solidFill>
-              </a14:hiddenFill>
-            </a:ext>
-          </a:extLst>
-        </p:spPr>
-      </p:pic>
-      <p:sp>
-        <p:nvSpPr>
-          <p:cNvPr id="6" name="Скругленный прямоугольник 5"/>
-          <p:cNvSpPr/>
-          <p:nvPr/>
-        </p:nvSpPr>
-        <p:spPr>
-          <a:xfrm>
-            <a:off x="6170449" y="1484785"/>
-            <a:ext cx="2520280" cy="2304256"/>
-          </a:xfrm>
-          <a:prstGeom prst="roundRect">
-            <a:avLst>
-              <a:gd name="adj" fmla="val 1758"/>
-            </a:avLst>
-          </a:prstGeom>
-          <a:solidFill>
-            <a:schemeClr val="bg1"/>
-          </a:solidFill>
-          <a:ln>
-            <a:noFill/>
-          </a:ln>
-          <a:effectLst>
-            <a:outerShdw blurRad="381000" dir="5400000" sx="103000" sy="103000" algn="ctr" rotWithShape="0">
-              <a:prstClr val="black">
-                <a:alpha val="10000"/>
-              </a:prstClr>
-            </a:outerShdw>
-          </a:effectLst>
-        </p:spPr>
-        <p:style>
-          <a:lnRef idx="2">
-            <a:schemeClr val="accent1">
-              <a:shade val="50000"/>
-            </a:schemeClr>
-          </a:lnRef>
-          <a:fillRef idx="1">
-            <a:schemeClr val="accent1"/>
-          </a:fillRef>
-          <a:effectRef idx="0">
-            <a:schemeClr val="accent1"/>
-          </a:effectRef>
-          <a:fontRef idx="minor">
-            <a:schemeClr val="lt1"/>
-          </a:fontRef>
-        </p:style>
-        <p:txBody>
-          <a:bodyPr rtlCol="0" anchor="ctr"/>
-          <a:lstStyle/>
-          <a:p>
-            <a:pPr algn="ctr"/>
-            <a:r>
-              <a:rPr lang="ru-RU" dirty="0">
-                <a:solidFill>
-                  <a:schemeClr val="tx1">
-                    <a:lumMod val="95000"/>
-                    <a:lumOff val="5000"/>
-                  </a:schemeClr>
-                </a:solidFill>
-                <a:latin typeface="Arial" panose="020B0604020202020204" pitchFamily="34" charset="0"/>
-                <a:cs typeface="Arial" panose="020B0604020202020204" pitchFamily="34" charset="0"/>
-              </a:rPr>
-              <a:t>До</a:t>
-            </a:r>
-            <a:r>
-              <a:rPr lang="ru-RU" sz="2000" b="1" dirty="0">
-                <a:solidFill>
-                  <a:schemeClr val="tx1">
-                    <a:lumMod val="95000"/>
-                    <a:lumOff val="5000"/>
-                  </a:schemeClr>
-                </a:solidFill>
-                <a:latin typeface="Arial" panose="020B0604020202020204" pitchFamily="34" charset="0"/>
-                <a:cs typeface="Arial" panose="020B0604020202020204" pitchFamily="34" charset="0"/>
-              </a:rPr>
-              <a:t> </a:t>
-            </a:r>
-            <a:r>
-              <a:rPr lang="ru-RU" sz="3000" b="1" dirty="0">
-                <a:solidFill>
-                  <a:schemeClr val="tx1">
-                    <a:lumMod val="95000"/>
-                    <a:lumOff val="5000"/>
-                  </a:schemeClr>
-                </a:solidFill>
-                <a:latin typeface="Arial" panose="020B0604020202020204" pitchFamily="34" charset="0"/>
-                <a:cs typeface="Arial" panose="020B0604020202020204" pitchFamily="34" charset="0"/>
-              </a:rPr>
-              <a:t>25%</a:t>
-            </a:r>
-          </a:p>
-          <a:p>
-            <a:pPr algn="ctr"/>
-            <a:r>
-              <a:rPr lang="ru-RU" dirty="0">
-                <a:solidFill>
-                  <a:schemeClr val="tx1">
-                    <a:lumMod val="95000"/>
-                    <a:lumOff val="5000"/>
-                  </a:schemeClr>
-                </a:solidFill>
-                <a:latin typeface="Arial" panose="020B0604020202020204" pitchFamily="34" charset="0"/>
-                <a:cs typeface="Arial" panose="020B0604020202020204" pitchFamily="34" charset="0"/>
-              </a:rPr>
-              <a:t>адресов из набора данных распознаются не </a:t>
-            </a:r>
-            <a:r>
-              <a:rPr lang="ru-RU" dirty="0" smtClean="0">
-                <a:solidFill>
-                  <a:schemeClr val="tx1">
-                    <a:lumMod val="95000"/>
-                    <a:lumOff val="5000"/>
-                  </a:schemeClr>
-                </a:solidFill>
-                <a:latin typeface="Arial" panose="020B0604020202020204" pitchFamily="34" charset="0"/>
-                <a:cs typeface="Arial" panose="020B0604020202020204" pitchFamily="34" charset="0"/>
-              </a:rPr>
-              <a:t>полностью</a:t>
-            </a:r>
-            <a:endParaRPr lang="ru-RU" dirty="0">
-              <a:solidFill>
-                <a:schemeClr val="tx1">
-                  <a:lumMod val="95000"/>
-                  <a:lumOff val="5000"/>
-                </a:schemeClr>
-              </a:solidFill>
-              <a:latin typeface="Arial" panose="020B0604020202020204" pitchFamily="34" charset="0"/>
-              <a:cs typeface="Arial" panose="020B0604020202020204" pitchFamily="34" charset="0"/>
-            </a:endParaRPr>
-          </a:p>
-        </p:txBody>
-      </p:sp>
-    </p:spTree>
-    <p:extLst>
-      <p:ext uri="{BB962C8B-B14F-4D97-AF65-F5344CB8AC3E}">
-        <p14:creationId xmlns:p14="http://schemas.microsoft.com/office/powerpoint/2010/main" val="2781203144"/>
-      </p:ext>
-    </p:extLst>
-  </p:cSld>
-  <p:clrMapOvr>
-    <a:masterClrMapping/>
-  </p:clrMapOvr>
-  <p:timing>
-    <p:tnLst>
-      <p:par>
-        <p:cTn id="1" dur="indefinite" restart="never" nodeType="tmRoot"/>
-      </p:par>
-    </p:tnLst>
-  </p:timing>
-</p:sld>
-</file>
-
-<file path=ppt/slides/slide3.xml><?xml version="1.0" encoding="utf-8"?>
-<p:sld xmlns:a="http://schemas.openxmlformats.org/drawingml/2006/main" xmlns:r="http://schemas.openxmlformats.org/officeDocument/2006/relationships" xmlns:p="http://schemas.openxmlformats.org/presentationml/2006/main">
-  <p:cSld>
-    <p:spTree>
-      <p:nvGrpSpPr>
-        <p:cNvPr id="1" name=""/>
-        <p:cNvGrpSpPr/>
-        <p:nvPr/>
-      </p:nvGrpSpPr>
-      <p:grpSpPr>
-        <a:xfrm>
-          <a:off x="0" y="0"/>
-          <a:ext cx="0" cy="0"/>
-          <a:chOff x="0" y="0"/>
-          <a:chExt cx="0" cy="0"/>
-        </a:xfrm>
-      </p:grpSpPr>
-      <p:sp>
-        <p:nvSpPr>
-          <p:cNvPr id="2" name="Заголовок 1"/>
-          <p:cNvSpPr>
-            <a:spLocks noGrp="1"/>
-          </p:cNvSpPr>
-          <p:nvPr>
-            <p:ph type="title"/>
-          </p:nvPr>
-        </p:nvSpPr>
-        <p:spPr>
-          <a:xfrm>
-            <a:off x="457200" y="116632"/>
-            <a:ext cx="8229600" cy="1143000"/>
-          </a:xfrm>
-        </p:spPr>
-        <p:txBody>
-          <a:bodyPr/>
-          <a:lstStyle/>
-          <a:p>
-            <a:r>
-              <a:rPr lang="ru-RU" b="1" dirty="0" smtClean="0">
-                <a:latin typeface="Arial" panose="020B0604020202020204" pitchFamily="34" charset="0"/>
-                <a:cs typeface="Arial" panose="020B0604020202020204" pitchFamily="34" charset="0"/>
-              </a:rPr>
-              <a:t>Решение</a:t>
-            </a:r>
-            <a:endParaRPr lang="ru-RU" b="1" dirty="0">
-              <a:latin typeface="Arial" panose="020B0604020202020204" pitchFamily="34" charset="0"/>
-              <a:cs typeface="Arial" panose="020B0604020202020204" pitchFamily="34" charset="0"/>
-            </a:endParaRPr>
-          </a:p>
-        </p:txBody>
-      </p:sp>
-      <p:sp>
-        <p:nvSpPr>
-          <p:cNvPr id="3" name="Объект 2"/>
-          <p:cNvSpPr>
-            <a:spLocks noGrp="1"/>
-          </p:cNvSpPr>
-          <p:nvPr>
-            <p:ph idx="1"/>
-          </p:nvPr>
-        </p:nvSpPr>
-        <p:spPr>
-          <a:xfrm>
-            <a:off x="323528" y="1412776"/>
-            <a:ext cx="8568952" cy="4713387"/>
-          </a:xfrm>
-        </p:spPr>
-        <p:txBody>
-          <a:bodyPr>
-            <a:normAutofit/>
-          </a:bodyPr>
-          <a:lstStyle/>
-          <a:p>
-            <a:pPr marL="0" indent="0">
-              <a:buNone/>
-            </a:pPr>
-            <a:r>
-              <a:rPr lang="ru-RU" sz="1800" dirty="0">
-                <a:latin typeface="Arial" panose="020B0604020202020204" pitchFamily="34" charset="0"/>
-                <a:cs typeface="Arial" panose="020B0604020202020204" pitchFamily="34" charset="0"/>
-              </a:rPr>
-              <a:t>Пример входной строки:</a:t>
-            </a:r>
-          </a:p>
-          <a:p>
-            <a:pPr marL="0" indent="0">
-              <a:buNone/>
-            </a:pPr>
-            <a:r>
-              <a:rPr lang="ru-RU" sz="1800" i="1" dirty="0">
-                <a:latin typeface="Arial" panose="020B0604020202020204" pitchFamily="34" charset="0"/>
-                <a:cs typeface="Arial" panose="020B0604020202020204" pitchFamily="34" charset="0"/>
-              </a:rPr>
-              <a:t>20000073;"108825, г. Москва, </a:t>
-            </a:r>
-            <a:r>
-              <a:rPr lang="ru-RU" sz="1800" i="1" dirty="0" err="1">
-                <a:latin typeface="Arial" panose="020B0604020202020204" pitchFamily="34" charset="0"/>
-                <a:cs typeface="Arial" panose="020B0604020202020204" pitchFamily="34" charset="0"/>
-              </a:rPr>
-              <a:t>Щаповское</a:t>
-            </a:r>
-            <a:r>
-              <a:rPr lang="ru-RU" sz="1800" i="1" dirty="0">
-                <a:latin typeface="Arial" panose="020B0604020202020204" pitchFamily="34" charset="0"/>
-                <a:cs typeface="Arial" panose="020B0604020202020204" pitchFamily="34" charset="0"/>
-              </a:rPr>
-              <a:t> поселение, пос. </a:t>
-            </a:r>
-            <a:r>
-              <a:rPr lang="ru-RU" sz="1800" i="1" dirty="0" err="1">
-                <a:latin typeface="Arial" panose="020B0604020202020204" pitchFamily="34" charset="0"/>
-                <a:cs typeface="Arial" panose="020B0604020202020204" pitchFamily="34" charset="0"/>
-              </a:rPr>
-              <a:t>Щапово</a:t>
-            </a:r>
-            <a:r>
-              <a:rPr lang="ru-RU" sz="1800" i="1" dirty="0">
-                <a:latin typeface="Arial" panose="020B0604020202020204" pitchFamily="34" charset="0"/>
-                <a:cs typeface="Arial" panose="020B0604020202020204" pitchFamily="34" charset="0"/>
-              </a:rPr>
-              <a:t>, </a:t>
-            </a:r>
-          </a:p>
-          <a:p>
-            <a:pPr marL="0" indent="0">
-              <a:buNone/>
-            </a:pPr>
-            <a:r>
-              <a:rPr lang="ru-RU" sz="1800" i="1" dirty="0">
-                <a:latin typeface="Arial" panose="020B0604020202020204" pitchFamily="34" charset="0"/>
-                <a:cs typeface="Arial" panose="020B0604020202020204" pitchFamily="34" charset="0"/>
-              </a:rPr>
-              <a:t>здание КОНТОРЫ А/Ф ""ЩАПОВО"" пом. 3"</a:t>
-            </a:r>
-          </a:p>
-          <a:p>
-            <a:pPr marL="0" lvl="0" indent="0">
-              <a:spcBef>
-                <a:spcPts val="600"/>
-              </a:spcBef>
-              <a:buNone/>
-            </a:pPr>
-            <a:r>
-              <a:rPr lang="ru-RU" sz="1800" dirty="0" smtClean="0">
-                <a:latin typeface="Arial" panose="020B0604020202020204" pitchFamily="34" charset="0"/>
-                <a:cs typeface="Arial" panose="020B0604020202020204" pitchFamily="34" charset="0"/>
-              </a:rPr>
-              <a:t>1. </a:t>
-            </a:r>
-            <a:r>
-              <a:rPr lang="ru-RU" sz="1800" dirty="0">
-                <a:latin typeface="Arial" panose="020B0604020202020204" pitchFamily="34" charset="0"/>
-                <a:cs typeface="Arial" panose="020B0604020202020204" pitchFamily="34" charset="0"/>
-              </a:rPr>
-              <a:t>Построили словарь на основе данных из «</a:t>
-            </a:r>
-            <a:r>
-              <a:rPr lang="en-US" sz="1800" dirty="0">
-                <a:latin typeface="Arial" panose="020B0604020202020204" pitchFamily="34" charset="0"/>
-                <a:cs typeface="Arial" panose="020B0604020202020204" pitchFamily="34" charset="0"/>
-              </a:rPr>
-              <a:t>good</a:t>
-            </a:r>
-            <a:r>
-              <a:rPr lang="ru-RU" sz="1800" dirty="0">
-                <a:latin typeface="Arial" panose="020B0604020202020204" pitchFamily="34" charset="0"/>
-                <a:cs typeface="Arial" panose="020B0604020202020204" pitchFamily="34" charset="0"/>
-              </a:rPr>
-              <a:t>.</a:t>
-            </a:r>
-            <a:r>
-              <a:rPr lang="en-US" sz="1800" dirty="0">
-                <a:latin typeface="Arial" panose="020B0604020202020204" pitchFamily="34" charset="0"/>
-                <a:cs typeface="Arial" panose="020B0604020202020204" pitchFamily="34" charset="0"/>
-              </a:rPr>
-              <a:t>csv</a:t>
-            </a:r>
-            <a:r>
-              <a:rPr lang="ru-RU" sz="1800" dirty="0">
-                <a:latin typeface="Arial" panose="020B0604020202020204" pitchFamily="34" charset="0"/>
-                <a:cs typeface="Arial" panose="020B0604020202020204" pitchFamily="34" charset="0"/>
-              </a:rPr>
-              <a:t>», по которому будут проверяться слова на опечатки.</a:t>
-            </a:r>
-          </a:p>
-          <a:p>
-            <a:pPr marL="0" indent="0">
-              <a:spcBef>
-                <a:spcPts val="600"/>
-              </a:spcBef>
-              <a:buNone/>
-            </a:pPr>
-            <a:endParaRPr lang="ru-RU" sz="1800" dirty="0" smtClean="0">
-              <a:latin typeface="Arial" panose="020B0604020202020204" pitchFamily="34" charset="0"/>
-              <a:cs typeface="Arial" panose="020B0604020202020204" pitchFamily="34" charset="0"/>
-            </a:endParaRPr>
-          </a:p>
-          <a:p>
-            <a:pPr marL="0" lvl="0" indent="0">
-              <a:spcBef>
-                <a:spcPts val="600"/>
-              </a:spcBef>
-              <a:buNone/>
-            </a:pPr>
-            <a:r>
-              <a:rPr lang="ru-RU" sz="1800" dirty="0" smtClean="0">
-                <a:latin typeface="Arial" panose="020B0604020202020204" pitchFamily="34" charset="0"/>
-                <a:cs typeface="Arial" panose="020B0604020202020204" pitchFamily="34" charset="0"/>
-              </a:rPr>
-              <a:t>4. </a:t>
-            </a:r>
-            <a:r>
-              <a:rPr lang="ru-RU" sz="1800" dirty="0">
-                <a:latin typeface="Arial" panose="020B0604020202020204" pitchFamily="34" charset="0"/>
-                <a:cs typeface="Arial" panose="020B0604020202020204" pitchFamily="34" charset="0"/>
-              </a:rPr>
-              <a:t>Формируем исправленные данные в требуемом формате. Используемый инструмент: ленивый алгоритм или </a:t>
-            </a:r>
-            <a:r>
-              <a:rPr lang="ru-RU" sz="1800" dirty="0" err="1">
-                <a:latin typeface="Arial" panose="020B0604020202020204" pitchFamily="34" charset="0"/>
-                <a:cs typeface="Arial" panose="020B0604020202020204" pitchFamily="34" charset="0"/>
-              </a:rPr>
-              <a:t>бустинг</a:t>
-            </a:r>
-            <a:r>
-              <a:rPr lang="ru-RU" sz="1800" dirty="0">
-                <a:latin typeface="Arial" panose="020B0604020202020204" pitchFamily="34" charset="0"/>
-                <a:cs typeface="Arial" panose="020B0604020202020204" pitchFamily="34" charset="0"/>
-              </a:rPr>
-              <a:t>.</a:t>
-            </a:r>
-          </a:p>
-          <a:p>
-            <a:pPr marL="0" indent="0">
-              <a:spcBef>
-                <a:spcPts val="600"/>
-              </a:spcBef>
-              <a:buNone/>
-            </a:pPr>
-            <a:r>
-              <a:rPr lang="ru-RU" sz="1800" dirty="0" smtClean="0">
-                <a:latin typeface="Arial" panose="020B0604020202020204" pitchFamily="34" charset="0"/>
-                <a:cs typeface="Arial" panose="020B0604020202020204" pitchFamily="34" charset="0"/>
-              </a:rPr>
-              <a:t>Полученная строка:</a:t>
-            </a:r>
-          </a:p>
-          <a:p>
-            <a:pPr marL="0" indent="0">
-              <a:spcBef>
-                <a:spcPts val="600"/>
-              </a:spcBef>
-              <a:buNone/>
-            </a:pPr>
-            <a:endParaRPr lang="ru-RU" sz="1800" dirty="0" smtClean="0">
-              <a:latin typeface="Arial" panose="020B0604020202020204" pitchFamily="34" charset="0"/>
-              <a:cs typeface="Arial" panose="020B0604020202020204" pitchFamily="34" charset="0"/>
-            </a:endParaRPr>
-          </a:p>
-          <a:p>
-            <a:pPr marL="0" indent="0">
-              <a:spcBef>
-                <a:spcPts val="600"/>
-              </a:spcBef>
-              <a:buNone/>
-            </a:pPr>
-            <a:endParaRPr lang="ru-RU" sz="1800" dirty="0">
-              <a:latin typeface="Arial" panose="020B0604020202020204" pitchFamily="34" charset="0"/>
-              <a:cs typeface="Arial" panose="020B0604020202020204" pitchFamily="34" charset="0"/>
-            </a:endParaRPr>
-          </a:p>
-        </p:txBody>
-      </p:sp>
-    </p:spTree>
-    <p:extLst>
-      <p:ext uri="{BB962C8B-B14F-4D97-AF65-F5344CB8AC3E}">
-        <p14:creationId xmlns:p14="http://schemas.microsoft.com/office/powerpoint/2010/main" val="2289919171"/>
-      </p:ext>
-    </p:extLst>
-  </p:cSld>
-  <p:clrMapOvr>
-    <a:masterClrMapping/>
-  </p:clrMapOvr>
-  <p:timing>
-    <p:tnLst>
-      <p:par>
-        <p:cTn id="1" dur="indefinite" restart="never" nodeType="tmRoot"/>
-      </p:par>
-    </p:tnLst>
-  </p:timing>
-</p:sld>
-</file>
-
-<file path=ppt/slides/slide4.xml><?xml version="1.0" encoding="utf-8"?>
-<p:sld xmlns:a="http://schemas.openxmlformats.org/drawingml/2006/main" xmlns:r="http://schemas.openxmlformats.org/officeDocument/2006/relationships" xmlns:p="http://schemas.openxmlformats.org/presentationml/2006/main">
-  <p:cSld>
-    <p:spTree>
-      <p:nvGrpSpPr>
-        <p:cNvPr id="1" name=""/>
-        <p:cNvGrpSpPr/>
-        <p:nvPr/>
-      </p:nvGrpSpPr>
-      <p:grpSpPr>
-        <a:xfrm>
-          <a:off x="0" y="0"/>
-          <a:ext cx="0" cy="0"/>
-          <a:chOff x="0" y="0"/>
-          <a:chExt cx="0" cy="0"/>
-        </a:xfrm>
-      </p:grpSpPr>
-      <p:sp>
-        <p:nvSpPr>
-          <p:cNvPr id="2" name="Заголовок 1"/>
-          <p:cNvSpPr>
-            <a:spLocks noGrp="1"/>
-          </p:cNvSpPr>
-          <p:nvPr>
-            <p:ph type="title"/>
-          </p:nvPr>
-        </p:nvSpPr>
-        <p:spPr/>
-        <p:txBody>
-          <a:bodyPr/>
-          <a:lstStyle/>
-          <a:p>
-            <a:r>
-              <a:rPr lang="ru-RU" b="1" dirty="0" smtClean="0">
-                <a:latin typeface="Arial" panose="020B0604020202020204" pitchFamily="34" charset="0"/>
-                <a:cs typeface="Arial" panose="020B0604020202020204" pitchFamily="34" charset="0"/>
-              </a:rPr>
-              <a:t>Демонстрация</a:t>
-            </a:r>
-            <a:endParaRPr lang="ru-RU" b="1" dirty="0">
-              <a:latin typeface="Arial" panose="020B0604020202020204" pitchFamily="34" charset="0"/>
-              <a:cs typeface="Arial" panose="020B0604020202020204" pitchFamily="34" charset="0"/>
-            </a:endParaRPr>
-          </a:p>
-        </p:txBody>
-      </p:sp>
-      <p:sp>
-        <p:nvSpPr>
-          <p:cNvPr id="3" name="Объект 2"/>
-          <p:cNvSpPr>
-            <a:spLocks noGrp="1"/>
-          </p:cNvSpPr>
-          <p:nvPr>
-            <p:ph idx="1"/>
-          </p:nvPr>
-        </p:nvSpPr>
-        <p:spPr/>
-        <p:txBody>
-          <a:bodyPr/>
-          <a:lstStyle/>
-          <a:p>
-            <a:endParaRPr lang="ru-RU"/>
-          </a:p>
-        </p:txBody>
-      </p:sp>
-    </p:spTree>
-    <p:extLst>
-      <p:ext uri="{BB962C8B-B14F-4D97-AF65-F5344CB8AC3E}">
-        <p14:creationId xmlns:p14="http://schemas.microsoft.com/office/powerpoint/2010/main" val="536330054"/>
-      </p:ext>
-    </p:extLst>
-  </p:cSld>
-  <p:clrMapOvr>
-    <a:masterClrMapping/>
-  </p:clrMapOvr>
-  <p:timing>
-    <p:tnLst>
-      <p:par>
-        <p:cTn id="1" dur="indefinite" restart="never" nodeType="tmRoot"/>
-      </p:par>
-    </p:tnLst>
-  </p:timing>
-</p:sld>
-</file>
-
-<file path=ppt/slides/slide5.xml><?xml version="1.0" encoding="utf-8"?>
-<p:sld xmlns:a="http://schemas.openxmlformats.org/drawingml/2006/main" xmlns:r="http://schemas.openxmlformats.org/officeDocument/2006/relationships" xmlns:p="http://schemas.openxmlformats.org/presentationml/2006/main">
-  <p:cSld>
-    <p:spTree>
-      <p:nvGrpSpPr>
-        <p:cNvPr id="1" name=""/>
-        <p:cNvGrpSpPr/>
-        <p:nvPr/>
-      </p:nvGrpSpPr>
-      <p:grpSpPr>
-        <a:xfrm>
-          <a:off x="0" y="0"/>
-          <a:ext cx="0" cy="0"/>
-          <a:chOff x="0" y="0"/>
-          <a:chExt cx="0" cy="0"/>
-        </a:xfrm>
-      </p:grpSpPr>
-      <p:sp>
-        <p:nvSpPr>
-          <p:cNvPr id="2" name="Заголовок 1"/>
-          <p:cNvSpPr>
-            <a:spLocks noGrp="1"/>
-          </p:cNvSpPr>
-          <p:nvPr>
-            <p:ph type="title"/>
-          </p:nvPr>
-        </p:nvSpPr>
-        <p:spPr/>
-        <p:txBody>
-          <a:bodyPr>
-            <a:normAutofit/>
-          </a:bodyPr>
-          <a:lstStyle/>
-          <a:p>
-            <a:r>
-              <a:rPr lang="ru-RU" b="1" dirty="0">
-                <a:latin typeface="Arial" panose="020B0604020202020204" pitchFamily="34" charset="0"/>
-                <a:cs typeface="Arial" panose="020B0604020202020204" pitchFamily="34" charset="0"/>
-              </a:rPr>
-              <a:t>Экономический </a:t>
-            </a:r>
-            <a:r>
-              <a:rPr lang="ru-RU" b="1" dirty="0" smtClean="0">
-                <a:latin typeface="Arial" panose="020B0604020202020204" pitchFamily="34" charset="0"/>
-                <a:cs typeface="Arial" panose="020B0604020202020204" pitchFamily="34" charset="0"/>
-              </a:rPr>
-              <a:t>эффект</a:t>
-            </a:r>
-            <a:endParaRPr lang="ru-RU" dirty="0">
-              <a:latin typeface="Arial" panose="020B0604020202020204" pitchFamily="34" charset="0"/>
-              <a:cs typeface="Arial" panose="020B0604020202020204" pitchFamily="34" charset="0"/>
-            </a:endParaRPr>
-          </a:p>
-        </p:txBody>
-      </p:sp>
-      <p:sp>
-        <p:nvSpPr>
-          <p:cNvPr id="3" name="Объект 2"/>
-          <p:cNvSpPr>
-            <a:spLocks noGrp="1"/>
-          </p:cNvSpPr>
-          <p:nvPr>
-            <p:ph idx="1"/>
-          </p:nvPr>
-        </p:nvSpPr>
-        <p:spPr/>
-        <p:txBody>
-          <a:bodyPr>
-            <a:normAutofit/>
-          </a:bodyPr>
-          <a:lstStyle/>
-          <a:p>
-            <a:pPr marL="0" indent="0">
-              <a:buNone/>
-            </a:pPr>
-            <a:r>
-              <a:rPr lang="ru-RU" sz="2800" dirty="0">
-                <a:latin typeface="Arial" panose="020B0604020202020204" pitchFamily="34" charset="0"/>
-                <a:cs typeface="Arial" panose="020B0604020202020204" pitchFamily="34" charset="0"/>
-              </a:rPr>
-              <a:t>Повышение распознавания адресов, используемых в исследованиях, позволит более точно вести региональную маркетинговую программу – настраивать рекламные кампании и делать предложение только для данного географического расположения</a:t>
-            </a:r>
-            <a:r>
-              <a:rPr lang="ru-RU" sz="2800" dirty="0" smtClean="0">
-                <a:latin typeface="Arial" panose="020B0604020202020204" pitchFamily="34" charset="0"/>
-                <a:cs typeface="Arial" panose="020B0604020202020204" pitchFamily="34" charset="0"/>
-              </a:rPr>
-              <a:t>.</a:t>
-            </a:r>
-            <a:endParaRPr lang="ru-RU" sz="2800" dirty="0">
-              <a:latin typeface="Arial" panose="020B0604020202020204" pitchFamily="34" charset="0"/>
-              <a:cs typeface="Arial" panose="020B0604020202020204" pitchFamily="34" charset="0"/>
-            </a:endParaRPr>
-          </a:p>
-        </p:txBody>
-      </p:sp>
-    </p:spTree>
-    <p:extLst>
-      <p:ext uri="{BB962C8B-B14F-4D97-AF65-F5344CB8AC3E}">
-        <p14:creationId xmlns:p14="http://schemas.microsoft.com/office/powerpoint/2010/main" val="2143729994"/>
-      </p:ext>
-    </p:extLst>
-  </p:cSld>
-  <p:clrMapOvr>
-    <a:masterClrMapping/>
-  </p:clrMapOvr>
-  <p:timing>
-    <p:tnLst>
-      <p:par>
-        <p:cTn id="1" dur="indefinite" restart="never" nodeType="tmRoot"/>
-      </p:par>
-    </p:tnLst>
-  </p:timing>
-</p:sld>
-</file>
-
-<file path=ppt/slides/slide6.xml><?xml version="1.0" encoding="utf-8"?>
-<p:sld xmlns:a="http://schemas.openxmlformats.org/drawingml/2006/main" xmlns:r="http://schemas.openxmlformats.org/officeDocument/2006/relationships" xmlns:p="http://schemas.openxmlformats.org/presentationml/2006/main">
-  <p:cSld>
-    <p:spTree>
-      <p:nvGrpSpPr>
-        <p:cNvPr id="1" name=""/>
-        <p:cNvGrpSpPr/>
-        <p:nvPr/>
-      </p:nvGrpSpPr>
-      <p:grpSpPr>
-        <a:xfrm>
-          <a:off x="0" y="0"/>
-          <a:ext cx="0" cy="0"/>
-          <a:chOff x="0" y="0"/>
-          <a:chExt cx="0" cy="0"/>
-        </a:xfrm>
-      </p:grpSpPr>
-      <p:sp>
-        <p:nvSpPr>
-          <p:cNvPr id="2" name="Заголовок 1"/>
-          <p:cNvSpPr>
-            <a:spLocks noGrp="1"/>
-          </p:cNvSpPr>
-          <p:nvPr>
-            <p:ph type="title"/>
-          </p:nvPr>
-        </p:nvSpPr>
-        <p:spPr>
-          <a:xfrm>
-            <a:off x="457200" y="135472"/>
-            <a:ext cx="8229600" cy="1143000"/>
-          </a:xfrm>
-        </p:spPr>
-        <p:txBody>
-          <a:bodyPr/>
-          <a:lstStyle/>
-          <a:p>
-            <a:r>
-              <a:rPr lang="ru-RU" b="1" dirty="0" smtClean="0">
-                <a:latin typeface="Arial" panose="020B0604020202020204" pitchFamily="34" charset="0"/>
-                <a:cs typeface="Arial" panose="020B0604020202020204" pitchFamily="34" charset="0"/>
-              </a:rPr>
-              <a:t>Команда</a:t>
-            </a:r>
-            <a:endParaRPr lang="ru-RU" b="1" dirty="0">
-              <a:latin typeface="Arial" panose="020B0604020202020204" pitchFamily="34" charset="0"/>
-              <a:cs typeface="Arial" panose="020B0604020202020204" pitchFamily="34" charset="0"/>
-            </a:endParaRPr>
-          </a:p>
-        </p:txBody>
-      </p:sp>
-      <p:sp>
-        <p:nvSpPr>
           <p:cNvPr id="8" name="Объект 7"/>
           <p:cNvSpPr>
             <a:spLocks noGrp="1"/>
@@ -4843,6 +4068,12 @@
             </a:pPr>
             <a:r>
               <a:rPr lang="ru-RU" sz="1300" dirty="0" smtClean="0">
+                <a:solidFill>
+                  <a:schemeClr val="tx1">
+                    <a:lumMod val="85000"/>
+                    <a:lumOff val="15000"/>
+                  </a:schemeClr>
+                </a:solidFill>
                 <a:latin typeface="Arial" panose="020B0604020202020204" pitchFamily="34" charset="0"/>
                 <a:ea typeface="Roboto" panose="02000000000000000000" pitchFamily="2" charset="0"/>
                 <a:cs typeface="Arial" panose="020B0604020202020204" pitchFamily="34" charset="0"/>
@@ -4850,6 +4081,12 @@
               <a:t>Воронеж</a:t>
             </a:r>
             <a:endParaRPr lang="en-US" sz="1300" dirty="0" smtClean="0">
+              <a:solidFill>
+                <a:schemeClr val="tx1">
+                  <a:lumMod val="85000"/>
+                  <a:lumOff val="15000"/>
+                </a:schemeClr>
+              </a:solidFill>
               <a:latin typeface="Arial" panose="020B0604020202020204" pitchFamily="34" charset="0"/>
               <a:ea typeface="Roboto" panose="02000000000000000000" pitchFamily="2" charset="0"/>
               <a:cs typeface="Arial" panose="020B0604020202020204" pitchFamily="34" charset="0"/>
@@ -4863,6 +4100,12 @@
               <a:buNone/>
             </a:pPr>
             <a:endParaRPr lang="ru-RU" sz="1300" dirty="0">
+              <a:solidFill>
+                <a:schemeClr val="tx1">
+                  <a:lumMod val="85000"/>
+                  <a:lumOff val="15000"/>
+                </a:schemeClr>
+              </a:solidFill>
               <a:latin typeface="Arial" panose="020B0604020202020204" pitchFamily="34" charset="0"/>
               <a:ea typeface="Roboto" panose="02000000000000000000" pitchFamily="2" charset="0"/>
               <a:cs typeface="Arial" panose="020B0604020202020204" pitchFamily="34" charset="0"/>
@@ -4877,6 +4120,12 @@
             </a:pPr>
             <a:r>
               <a:rPr lang="en-US" sz="1300" dirty="0" err="1">
+                <a:solidFill>
+                  <a:schemeClr val="tx1">
+                    <a:lumMod val="85000"/>
+                    <a:lumOff val="15000"/>
+                  </a:schemeClr>
+                </a:solidFill>
                 <a:latin typeface="Arial" panose="020B0604020202020204" pitchFamily="34" charset="0"/>
                 <a:ea typeface="Roboto" panose="02000000000000000000" pitchFamily="2" charset="0"/>
                 <a:cs typeface="Arial" panose="020B0604020202020204" pitchFamily="34" charset="0"/>
@@ -4885,6 +4134,12 @@
             </a:r>
             <a:r>
               <a:rPr lang="ru-RU" sz="1300" dirty="0">
+                <a:solidFill>
+                  <a:schemeClr val="tx1">
+                    <a:lumMod val="85000"/>
+                    <a:lumOff val="15000"/>
+                  </a:schemeClr>
+                </a:solidFill>
                 <a:latin typeface="Arial" panose="020B0604020202020204" pitchFamily="34" charset="0"/>
                 <a:ea typeface="Roboto" panose="02000000000000000000" pitchFamily="2" charset="0"/>
                 <a:cs typeface="Arial" panose="020B0604020202020204" pitchFamily="34" charset="0"/>
@@ -4893,6 +4148,12 @@
             </a:r>
             <a:r>
               <a:rPr lang="en-US" sz="1300" dirty="0" err="1">
+                <a:solidFill>
+                  <a:schemeClr val="tx1">
+                    <a:lumMod val="85000"/>
+                    <a:lumOff val="15000"/>
+                  </a:schemeClr>
+                </a:solidFill>
                 <a:latin typeface="Arial" panose="020B0604020202020204" pitchFamily="34" charset="0"/>
                 <a:ea typeface="Roboto" panose="02000000000000000000" pitchFamily="2" charset="0"/>
                 <a:cs typeface="Arial" panose="020B0604020202020204" pitchFamily="34" charset="0"/>
@@ -4901,6 +4162,12 @@
             </a:r>
             <a:r>
               <a:rPr lang="ru-RU" sz="1300" dirty="0">
+                <a:solidFill>
+                  <a:schemeClr val="tx1">
+                    <a:lumMod val="85000"/>
+                    <a:lumOff val="15000"/>
+                  </a:schemeClr>
+                </a:solidFill>
                 <a:latin typeface="Arial" panose="020B0604020202020204" pitchFamily="34" charset="0"/>
                 <a:ea typeface="Roboto" panose="02000000000000000000" pitchFamily="2" charset="0"/>
                 <a:cs typeface="Arial" panose="020B0604020202020204" pitchFamily="34" charset="0"/>
@@ -4909,6 +4176,12 @@
             </a:r>
             <a:r>
               <a:rPr lang="en-US" sz="1300" dirty="0" err="1">
+                <a:solidFill>
+                  <a:schemeClr val="tx1">
+                    <a:lumMod val="85000"/>
+                    <a:lumOff val="15000"/>
+                  </a:schemeClr>
+                </a:solidFill>
                 <a:latin typeface="Arial" panose="020B0604020202020204" pitchFamily="34" charset="0"/>
                 <a:ea typeface="Roboto" panose="02000000000000000000" pitchFamily="2" charset="0"/>
                 <a:cs typeface="Arial" panose="020B0604020202020204" pitchFamily="34" charset="0"/>
@@ -4917,6 +4190,12 @@
             </a:r>
             <a:r>
               <a:rPr lang="ru-RU" sz="1300" dirty="0">
+                <a:solidFill>
+                  <a:schemeClr val="tx1">
+                    <a:lumMod val="85000"/>
+                    <a:lumOff val="15000"/>
+                  </a:schemeClr>
+                </a:solidFill>
                 <a:latin typeface="Arial" panose="020B0604020202020204" pitchFamily="34" charset="0"/>
                 <a:ea typeface="Roboto" panose="02000000000000000000" pitchFamily="2" charset="0"/>
                 <a:cs typeface="Arial" panose="020B0604020202020204" pitchFamily="34" charset="0"/>
@@ -4925,6 +4204,12 @@
             </a:r>
             <a:r>
               <a:rPr lang="en-US" sz="1300" dirty="0" err="1">
+                <a:solidFill>
+                  <a:schemeClr val="tx1">
+                    <a:lumMod val="85000"/>
+                    <a:lumOff val="15000"/>
+                  </a:schemeClr>
+                </a:solidFill>
                 <a:latin typeface="Arial" panose="020B0604020202020204" pitchFamily="34" charset="0"/>
                 <a:ea typeface="Roboto" panose="02000000000000000000" pitchFamily="2" charset="0"/>
                 <a:cs typeface="Arial" panose="020B0604020202020204" pitchFamily="34" charset="0"/>
@@ -4933,6 +4218,12 @@
             </a:r>
             <a:r>
               <a:rPr lang="ru-RU" sz="1300" dirty="0">
+                <a:solidFill>
+                  <a:schemeClr val="tx1">
+                    <a:lumMod val="85000"/>
+                    <a:lumOff val="15000"/>
+                  </a:schemeClr>
+                </a:solidFill>
                 <a:latin typeface="Arial" panose="020B0604020202020204" pitchFamily="34" charset="0"/>
                 <a:ea typeface="Roboto" panose="02000000000000000000" pitchFamily="2" charset="0"/>
                 <a:cs typeface="Arial" panose="020B0604020202020204" pitchFamily="34" charset="0"/>
@@ -4941,6 +4232,12 @@
             </a:r>
             <a:r>
               <a:rPr lang="en-US" sz="1300" dirty="0">
+                <a:solidFill>
+                  <a:schemeClr val="tx1">
+                    <a:lumMod val="85000"/>
+                    <a:lumOff val="15000"/>
+                  </a:schemeClr>
+                </a:solidFill>
                 <a:latin typeface="Arial" panose="020B0604020202020204" pitchFamily="34" charset="0"/>
                 <a:ea typeface="Roboto" panose="02000000000000000000" pitchFamily="2" charset="0"/>
                 <a:cs typeface="Arial" panose="020B0604020202020204" pitchFamily="34" charset="0"/>
@@ -4948,6 +4245,12 @@
               <a:t>com</a:t>
             </a:r>
             <a:endParaRPr lang="ru-RU" sz="1300" dirty="0">
+              <a:solidFill>
+                <a:schemeClr val="tx1">
+                  <a:lumMod val="85000"/>
+                  <a:lumOff val="15000"/>
+                </a:schemeClr>
+              </a:solidFill>
               <a:latin typeface="Arial" panose="020B0604020202020204" pitchFamily="34" charset="0"/>
               <a:ea typeface="Roboto" panose="02000000000000000000" pitchFamily="2" charset="0"/>
               <a:cs typeface="Arial" panose="020B0604020202020204" pitchFamily="34" charset="0"/>
@@ -4961,6 +4264,12 @@
               <a:buNone/>
             </a:pPr>
             <a:endParaRPr lang="en-US" sz="1300" dirty="0" smtClean="0">
+              <a:solidFill>
+                <a:schemeClr val="tx1">
+                  <a:lumMod val="85000"/>
+                  <a:lumOff val="15000"/>
+                </a:schemeClr>
+              </a:solidFill>
               <a:latin typeface="Arial" panose="020B0604020202020204" pitchFamily="34" charset="0"/>
               <a:ea typeface="Roboto" panose="02000000000000000000" pitchFamily="2" charset="0"/>
               <a:cs typeface="Arial" panose="020B0604020202020204" pitchFamily="34" charset="0"/>
@@ -4975,6 +4284,12 @@
             </a:pPr>
             <a:r>
               <a:rPr lang="ru-RU" sz="1300" dirty="0" smtClean="0">
+                <a:solidFill>
+                  <a:schemeClr val="tx1">
+                    <a:lumMod val="85000"/>
+                    <a:lumOff val="15000"/>
+                  </a:schemeClr>
+                </a:solidFill>
                 <a:latin typeface="Arial" panose="020B0604020202020204" pitchFamily="34" charset="0"/>
                 <a:ea typeface="Roboto" panose="02000000000000000000" pitchFamily="2" charset="0"/>
                 <a:cs typeface="Arial" panose="020B0604020202020204" pitchFamily="34" charset="0"/>
@@ -4983,6 +4298,12 @@
             </a:r>
             <a:r>
               <a:rPr lang="en-US" sz="1300" dirty="0" smtClean="0">
+                <a:solidFill>
+                  <a:schemeClr val="tx1">
+                    <a:lumMod val="85000"/>
+                    <a:lumOff val="15000"/>
+                  </a:schemeClr>
+                </a:solidFill>
                 <a:latin typeface="Arial" panose="020B0604020202020204" pitchFamily="34" charset="0"/>
                 <a:ea typeface="Roboto" panose="02000000000000000000" pitchFamily="2" charset="0"/>
                 <a:cs typeface="Arial" panose="020B0604020202020204" pitchFamily="34" charset="0"/>
@@ -4991,6 +4312,12 @@
             </a:r>
             <a:r>
               <a:rPr lang="ru-RU" sz="1300" dirty="0" smtClean="0">
+                <a:solidFill>
+                  <a:schemeClr val="tx1">
+                    <a:lumMod val="85000"/>
+                    <a:lumOff val="15000"/>
+                  </a:schemeClr>
+                </a:solidFill>
                 <a:latin typeface="Arial" panose="020B0604020202020204" pitchFamily="34" charset="0"/>
                 <a:ea typeface="Roboto" panose="02000000000000000000" pitchFamily="2" charset="0"/>
                 <a:cs typeface="Arial" panose="020B0604020202020204" pitchFamily="34" charset="0"/>
@@ -4999,6 +4326,12 @@
             </a:r>
             <a:r>
               <a:rPr lang="en-US" sz="1300" dirty="0" smtClean="0">
+                <a:solidFill>
+                  <a:schemeClr val="tx1">
+                    <a:lumMod val="85000"/>
+                    <a:lumOff val="15000"/>
+                  </a:schemeClr>
+                </a:solidFill>
                 <a:latin typeface="Arial" panose="020B0604020202020204" pitchFamily="34" charset="0"/>
                 <a:ea typeface="Roboto" panose="02000000000000000000" pitchFamily="2" charset="0"/>
                 <a:cs typeface="Arial" panose="020B0604020202020204" pitchFamily="34" charset="0"/>
@@ -5007,6 +4340,12 @@
             </a:r>
             <a:r>
               <a:rPr lang="ru-RU" sz="1300" dirty="0" smtClean="0">
+                <a:solidFill>
+                  <a:schemeClr val="tx1">
+                    <a:lumMod val="85000"/>
+                    <a:lumOff val="15000"/>
+                  </a:schemeClr>
+                </a:solidFill>
                 <a:latin typeface="Arial" panose="020B0604020202020204" pitchFamily="34" charset="0"/>
                 <a:ea typeface="Roboto" panose="02000000000000000000" pitchFamily="2" charset="0"/>
                 <a:cs typeface="Arial" panose="020B0604020202020204" pitchFamily="34" charset="0"/>
@@ -5014,6 +4353,12 @@
               <a:t> 007-49-64</a:t>
             </a:r>
             <a:endParaRPr lang="ru-RU" sz="1300" dirty="0">
+              <a:solidFill>
+                <a:schemeClr val="tx1">
+                  <a:lumMod val="85000"/>
+                  <a:lumOff val="15000"/>
+                </a:schemeClr>
+              </a:solidFill>
               <a:latin typeface="Arial" panose="020B0604020202020204" pitchFamily="34" charset="0"/>
               <a:ea typeface="Roboto" panose="02000000000000000000" pitchFamily="2" charset="0"/>
               <a:cs typeface="Arial" panose="020B0604020202020204" pitchFamily="34" charset="0"/>
@@ -5269,6 +4614,12 @@
             </a:pPr>
             <a:r>
               <a:rPr lang="ru-RU" sz="1300" dirty="0" smtClean="0">
+                <a:solidFill>
+                  <a:schemeClr val="tx1">
+                    <a:lumMod val="85000"/>
+                    <a:lumOff val="15000"/>
+                  </a:schemeClr>
+                </a:solidFill>
                 <a:latin typeface="Arial" panose="020B0604020202020204" pitchFamily="34" charset="0"/>
                 <a:ea typeface="Roboto" panose="02000000000000000000" pitchFamily="2" charset="0"/>
                 <a:cs typeface="Arial" panose="020B0604020202020204" pitchFamily="34" charset="0"/>
@@ -5276,6 +4627,12 @@
               <a:t>Петропавловск-Камчатский</a:t>
             </a:r>
             <a:endParaRPr lang="ru-RU" sz="1300" dirty="0">
+              <a:solidFill>
+                <a:schemeClr val="tx1">
+                  <a:lumMod val="85000"/>
+                  <a:lumOff val="15000"/>
+                </a:schemeClr>
+              </a:solidFill>
               <a:latin typeface="Arial" panose="020B0604020202020204" pitchFamily="34" charset="0"/>
               <a:ea typeface="Roboto" panose="02000000000000000000" pitchFamily="2" charset="0"/>
               <a:cs typeface="Arial" panose="020B0604020202020204" pitchFamily="34" charset="0"/>
@@ -5289,6 +4646,12 @@
               <a:buNone/>
             </a:pPr>
             <a:endParaRPr lang="en-US" sz="1300" dirty="0" smtClean="0">
+              <a:solidFill>
+                <a:schemeClr val="tx1">
+                  <a:lumMod val="85000"/>
+                  <a:lumOff val="15000"/>
+                </a:schemeClr>
+              </a:solidFill>
               <a:latin typeface="Arial" panose="020B0604020202020204" pitchFamily="34" charset="0"/>
               <a:ea typeface="Roboto" panose="02000000000000000000" pitchFamily="2" charset="0"/>
               <a:cs typeface="Arial" panose="020B0604020202020204" pitchFamily="34" charset="0"/>
@@ -5303,6 +4666,12 @@
             </a:pPr>
             <a:r>
               <a:rPr lang="en-US" sz="1300" dirty="0" smtClean="0">
+                <a:solidFill>
+                  <a:schemeClr val="tx1">
+                    <a:lumMod val="85000"/>
+                    <a:lumOff val="15000"/>
+                  </a:schemeClr>
+                </a:solidFill>
                 <a:latin typeface="Arial" panose="020B0604020202020204" pitchFamily="34" charset="0"/>
                 <a:ea typeface="Roboto" panose="02000000000000000000" pitchFamily="2" charset="0"/>
                 <a:cs typeface="Arial" panose="020B0604020202020204" pitchFamily="34" charset="0"/>
@@ -5318,6 +4687,12 @@
               <a:buNone/>
             </a:pPr>
             <a:endParaRPr lang="ru-RU" sz="1300" dirty="0">
+              <a:solidFill>
+                <a:schemeClr val="tx1">
+                  <a:lumMod val="85000"/>
+                  <a:lumOff val="15000"/>
+                </a:schemeClr>
+              </a:solidFill>
               <a:latin typeface="Arial" panose="020B0604020202020204" pitchFamily="34" charset="0"/>
               <a:ea typeface="Roboto" panose="02000000000000000000" pitchFamily="2" charset="0"/>
               <a:cs typeface="Arial" panose="020B0604020202020204" pitchFamily="34" charset="0"/>
@@ -5332,6 +4707,12 @@
             </a:pPr>
             <a:r>
               <a:rPr lang="en-US" sz="1300" dirty="0">
+                <a:solidFill>
+                  <a:schemeClr val="tx1">
+                    <a:lumMod val="85000"/>
+                    <a:lumOff val="15000"/>
+                  </a:schemeClr>
+                </a:solidFill>
                 <a:latin typeface="Arial" panose="020B0604020202020204" pitchFamily="34" charset="0"/>
                 <a:ea typeface="Roboto" panose="02000000000000000000" pitchFamily="2" charset="0"/>
                 <a:cs typeface="Arial" panose="020B0604020202020204" pitchFamily="34" charset="0"/>
@@ -5340,6 +4721,12 @@
             </a:r>
             <a:r>
               <a:rPr lang="en-US" sz="1300" dirty="0" smtClean="0">
+                <a:solidFill>
+                  <a:schemeClr val="tx1">
+                    <a:lumMod val="85000"/>
+                    <a:lumOff val="15000"/>
+                  </a:schemeClr>
+                </a:solidFill>
                 <a:latin typeface="Arial" panose="020B0604020202020204" pitchFamily="34" charset="0"/>
                 <a:ea typeface="Roboto" panose="02000000000000000000" pitchFamily="2" charset="0"/>
                 <a:cs typeface="Arial" panose="020B0604020202020204" pitchFamily="34" charset="0"/>
@@ -5348,6 +4735,12 @@
             </a:r>
             <a:r>
               <a:rPr lang="en-US" sz="1300" dirty="0">
+                <a:solidFill>
+                  <a:schemeClr val="tx1">
+                    <a:lumMod val="85000"/>
+                    <a:lumOff val="15000"/>
+                  </a:schemeClr>
+                </a:solidFill>
                 <a:latin typeface="Arial" panose="020B0604020202020204" pitchFamily="34" charset="0"/>
                 <a:ea typeface="Roboto" panose="02000000000000000000" pitchFamily="2" charset="0"/>
                 <a:cs typeface="Arial" panose="020B0604020202020204" pitchFamily="34" charset="0"/>
@@ -5355,6 +4748,12 @@
               <a:t>620-08-94</a:t>
             </a:r>
             <a:endParaRPr lang="ru-RU" sz="1300" dirty="0">
+              <a:solidFill>
+                <a:schemeClr val="tx1">
+                  <a:lumMod val="85000"/>
+                  <a:lumOff val="15000"/>
+                </a:schemeClr>
+              </a:solidFill>
               <a:latin typeface="Arial" panose="020B0604020202020204" pitchFamily="34" charset="0"/>
               <a:ea typeface="Roboto" panose="02000000000000000000" pitchFamily="2" charset="0"/>
               <a:cs typeface="Arial" panose="020B0604020202020204" pitchFamily="34" charset="0"/>
@@ -5392,12 +4791,29 @@
             </a:pPr>
             <a:r>
               <a:rPr lang="en-US" sz="1300" dirty="0" smtClean="0">
+                <a:solidFill>
+                  <a:schemeClr val="tx1">
+                    <a:lumMod val="85000"/>
+                    <a:lumOff val="15000"/>
+                  </a:schemeClr>
+                </a:solidFill>
                 <a:latin typeface="Arial" panose="020B0604020202020204" pitchFamily="34" charset="0"/>
                 <a:ea typeface="Roboto" panose="02000000000000000000" pitchFamily="2" charset="0"/>
                 <a:cs typeface="Arial" panose="020B0604020202020204" pitchFamily="34" charset="0"/>
               </a:rPr>
               <a:t>Воронеж</a:t>
             </a:r>
+            <a:endParaRPr lang="en-US" sz="1300" dirty="0" smtClean="0">
+              <a:solidFill>
+                <a:schemeClr val="tx1">
+                  <a:lumMod val="85000"/>
+                  <a:lumOff val="15000"/>
+                </a:schemeClr>
+              </a:solidFill>
+              <a:latin typeface="Arial" panose="020B0604020202020204" pitchFamily="34" charset="0"/>
+              <a:ea typeface="Roboto" panose="02000000000000000000" pitchFamily="2" charset="0"/>
+              <a:cs typeface="Arial" panose="020B0604020202020204" pitchFamily="34" charset="0"/>
+            </a:endParaRPr>
           </a:p>
           <a:p>
             <a:pPr marL="360000" indent="0">
@@ -5407,6 +4823,12 @@
               <a:buNone/>
             </a:pPr>
             <a:endParaRPr lang="ru-RU" sz="1300" dirty="0">
+              <a:solidFill>
+                <a:schemeClr val="tx1">
+                  <a:lumMod val="85000"/>
+                  <a:lumOff val="15000"/>
+                </a:schemeClr>
+              </a:solidFill>
               <a:latin typeface="Arial" panose="020B0604020202020204" pitchFamily="34" charset="0"/>
               <a:ea typeface="Roboto" panose="02000000000000000000" pitchFamily="2" charset="0"/>
               <a:cs typeface="Arial" panose="020B0604020202020204" pitchFamily="34" charset="0"/>
@@ -5421,6 +4843,12 @@
             </a:pPr>
             <a:r>
               <a:rPr lang="ru-RU" sz="1300" dirty="0">
+                <a:solidFill>
+                  <a:schemeClr val="tx1">
+                    <a:lumMod val="85000"/>
+                    <a:lumOff val="15000"/>
+                  </a:schemeClr>
+                </a:solidFill>
                 <a:latin typeface="Arial" panose="020B0604020202020204" pitchFamily="34" charset="0"/>
                 <a:ea typeface="Roboto" panose="02000000000000000000" pitchFamily="2" charset="0"/>
                 <a:cs typeface="Arial" panose="020B0604020202020204" pitchFamily="34" charset="0"/>
@@ -5436,6 +4864,12 @@
               <a:buNone/>
             </a:pPr>
             <a:endParaRPr lang="en-US" sz="1300" dirty="0" smtClean="0">
+              <a:solidFill>
+                <a:schemeClr val="tx1">
+                  <a:lumMod val="85000"/>
+                  <a:lumOff val="15000"/>
+                </a:schemeClr>
+              </a:solidFill>
               <a:latin typeface="Arial" panose="020B0604020202020204" pitchFamily="34" charset="0"/>
               <a:ea typeface="Roboto" panose="02000000000000000000" pitchFamily="2" charset="0"/>
               <a:cs typeface="Arial" panose="020B0604020202020204" pitchFamily="34" charset="0"/>
@@ -5450,6 +4884,12 @@
             </a:pPr>
             <a:r>
               <a:rPr lang="ru-RU" sz="1300" dirty="0" smtClean="0">
+                <a:solidFill>
+                  <a:schemeClr val="tx1">
+                    <a:lumMod val="85000"/>
+                    <a:lumOff val="15000"/>
+                  </a:schemeClr>
+                </a:solidFill>
                 <a:latin typeface="Arial" panose="020B0604020202020204" pitchFamily="34" charset="0"/>
                 <a:ea typeface="Roboto" panose="02000000000000000000" pitchFamily="2" charset="0"/>
                 <a:cs typeface="Arial" panose="020B0604020202020204" pitchFamily="34" charset="0"/>
@@ -5458,6 +4898,12 @@
             </a:r>
             <a:r>
               <a:rPr lang="ru-RU" sz="1300" dirty="0">
+                <a:solidFill>
+                  <a:schemeClr val="tx1">
+                    <a:lumMod val="85000"/>
+                    <a:lumOff val="15000"/>
+                  </a:schemeClr>
+                </a:solidFill>
                 <a:latin typeface="Arial" panose="020B0604020202020204" pitchFamily="34" charset="0"/>
                 <a:ea typeface="Roboto" panose="02000000000000000000" pitchFamily="2" charset="0"/>
                 <a:cs typeface="Arial" panose="020B0604020202020204" pitchFamily="34" charset="0"/>
@@ -5466,6 +4912,12 @@
             </a:r>
             <a:r>
               <a:rPr lang="ru-RU" sz="1300" dirty="0" smtClean="0">
+                <a:solidFill>
+                  <a:schemeClr val="tx1">
+                    <a:lumMod val="85000"/>
+                    <a:lumOff val="15000"/>
+                  </a:schemeClr>
+                </a:solidFill>
                 <a:latin typeface="Arial" panose="020B0604020202020204" pitchFamily="34" charset="0"/>
                 <a:ea typeface="Roboto" panose="02000000000000000000" pitchFamily="2" charset="0"/>
                 <a:cs typeface="Arial" panose="020B0604020202020204" pitchFamily="34" charset="0"/>
@@ -5473,6 +4925,12 @@
               <a:t>300-13-31</a:t>
             </a:r>
             <a:endParaRPr lang="ru-RU" sz="1300" dirty="0">
+              <a:solidFill>
+                <a:schemeClr val="tx1">
+                  <a:lumMod val="85000"/>
+                  <a:lumOff val="15000"/>
+                </a:schemeClr>
+              </a:solidFill>
               <a:latin typeface="Arial" panose="020B0604020202020204" pitchFamily="34" charset="0"/>
               <a:ea typeface="Roboto" panose="02000000000000000000" pitchFamily="2" charset="0"/>
               <a:cs typeface="Arial" panose="020B0604020202020204" pitchFamily="34" charset="0"/>
@@ -5504,6 +4962,12 @@
             <a:pPr algn="ctr"/>
             <a:r>
               <a:rPr lang="ru-RU" sz="1600" b="1" dirty="0">
+                <a:solidFill>
+                  <a:schemeClr val="tx1">
+                    <a:lumMod val="85000"/>
+                    <a:lumOff val="15000"/>
+                  </a:schemeClr>
+                </a:solidFill>
                 <a:latin typeface="Arial" panose="020B0604020202020204" pitchFamily="34" charset="0"/>
                 <a:ea typeface="Roboto" panose="02000000000000000000" pitchFamily="2" charset="0"/>
                 <a:cs typeface="Arial" panose="020B0604020202020204" pitchFamily="34" charset="0"/>
@@ -5511,6 +4975,12 @@
               <a:t>Перелыгина </a:t>
             </a:r>
             <a:endParaRPr lang="en-US" sz="1600" b="1" dirty="0" smtClean="0">
+              <a:solidFill>
+                <a:schemeClr val="tx1">
+                  <a:lumMod val="85000"/>
+                  <a:lumOff val="15000"/>
+                </a:schemeClr>
+              </a:solidFill>
               <a:latin typeface="Arial" panose="020B0604020202020204" pitchFamily="34" charset="0"/>
               <a:ea typeface="Roboto" panose="02000000000000000000" pitchFamily="2" charset="0"/>
               <a:cs typeface="Arial" panose="020B0604020202020204" pitchFamily="34" charset="0"/>
@@ -5520,6 +4990,12 @@
             <a:pPr algn="ctr"/>
             <a:r>
               <a:rPr lang="ru-RU" sz="1600" b="1" dirty="0" smtClean="0">
+                <a:solidFill>
+                  <a:schemeClr val="tx1">
+                    <a:lumMod val="85000"/>
+                    <a:lumOff val="15000"/>
+                  </a:schemeClr>
+                </a:solidFill>
                 <a:latin typeface="Arial" panose="020B0604020202020204" pitchFamily="34" charset="0"/>
                 <a:ea typeface="Roboto" panose="02000000000000000000" pitchFamily="2" charset="0"/>
                 <a:cs typeface="Arial" panose="020B0604020202020204" pitchFamily="34" charset="0"/>
@@ -5527,6 +5003,12 @@
               <a:t>Вера Николаевна</a:t>
             </a:r>
             <a:endParaRPr lang="en-US" sz="1600" b="1" dirty="0" smtClean="0">
+              <a:solidFill>
+                <a:schemeClr val="tx1">
+                  <a:lumMod val="85000"/>
+                  <a:lumOff val="15000"/>
+                </a:schemeClr>
+              </a:solidFill>
               <a:latin typeface="Arial" panose="020B0604020202020204" pitchFamily="34" charset="0"/>
               <a:ea typeface="Roboto" panose="02000000000000000000" pitchFamily="2" charset="0"/>
               <a:cs typeface="Arial" panose="020B0604020202020204" pitchFamily="34" charset="0"/>
@@ -5590,6 +5072,12 @@
             <a:pPr algn="ctr"/>
             <a:r>
               <a:rPr lang="ru-RU" sz="1600" b="1" dirty="0">
+                <a:solidFill>
+                  <a:schemeClr val="tx1">
+                    <a:lumMod val="85000"/>
+                    <a:lumOff val="15000"/>
+                  </a:schemeClr>
+                </a:solidFill>
                 <a:latin typeface="Arial" panose="020B0604020202020204" pitchFamily="34" charset="0"/>
                 <a:ea typeface="Roboto" panose="02000000000000000000" pitchFamily="2" charset="0"/>
                 <a:cs typeface="Arial" panose="020B0604020202020204" pitchFamily="34" charset="0"/>
@@ -5597,6 +5085,12 @@
               <a:t>Бочаров </a:t>
             </a:r>
             <a:endParaRPr lang="en-US" sz="1600" b="1" dirty="0" smtClean="0">
+              <a:solidFill>
+                <a:schemeClr val="tx1">
+                  <a:lumMod val="85000"/>
+                  <a:lumOff val="15000"/>
+                </a:schemeClr>
+              </a:solidFill>
               <a:latin typeface="Arial" panose="020B0604020202020204" pitchFamily="34" charset="0"/>
               <a:ea typeface="Roboto" panose="02000000000000000000" pitchFamily="2" charset="0"/>
               <a:cs typeface="Arial" panose="020B0604020202020204" pitchFamily="34" charset="0"/>
@@ -5606,6 +5100,12 @@
             <a:pPr algn="ctr"/>
             <a:r>
               <a:rPr lang="ru-RU" sz="1600" b="1" dirty="0" smtClean="0">
+                <a:solidFill>
+                  <a:schemeClr val="tx1">
+                    <a:lumMod val="85000"/>
+                    <a:lumOff val="15000"/>
+                  </a:schemeClr>
+                </a:solidFill>
                 <a:latin typeface="Arial" panose="020B0604020202020204" pitchFamily="34" charset="0"/>
                 <a:ea typeface="Roboto" panose="02000000000000000000" pitchFamily="2" charset="0"/>
                 <a:cs typeface="Arial" panose="020B0604020202020204" pitchFamily="34" charset="0"/>
@@ -5613,6 +5113,12 @@
               <a:t>Алексей Михайлович</a:t>
             </a:r>
             <a:endParaRPr lang="en-US" sz="1600" b="1" dirty="0" smtClean="0">
+              <a:solidFill>
+                <a:schemeClr val="tx1">
+                  <a:lumMod val="85000"/>
+                  <a:lumOff val="15000"/>
+                </a:schemeClr>
+              </a:solidFill>
               <a:latin typeface="Arial" panose="020B0604020202020204" pitchFamily="34" charset="0"/>
               <a:ea typeface="Roboto" panose="02000000000000000000" pitchFamily="2" charset="0"/>
               <a:cs typeface="Arial" panose="020B0604020202020204" pitchFamily="34" charset="0"/>
@@ -5676,6 +5182,12 @@
             <a:pPr algn="ctr"/>
             <a:r>
               <a:rPr lang="ru-RU" sz="1600" b="1" dirty="0" err="1">
+                <a:solidFill>
+                  <a:schemeClr val="tx1">
+                    <a:lumMod val="85000"/>
+                    <a:lumOff val="15000"/>
+                  </a:schemeClr>
+                </a:solidFill>
                 <a:latin typeface="Arial" panose="020B0604020202020204" pitchFamily="34" charset="0"/>
                 <a:ea typeface="Roboto" panose="02000000000000000000" pitchFamily="2" charset="0"/>
                 <a:cs typeface="Arial" panose="020B0604020202020204" pitchFamily="34" charset="0"/>
@@ -5684,6 +5196,12 @@
             </a:r>
             <a:r>
               <a:rPr lang="ru-RU" sz="1600" b="1" dirty="0">
+                <a:solidFill>
+                  <a:schemeClr val="tx1">
+                    <a:lumMod val="85000"/>
+                    <a:lumOff val="15000"/>
+                  </a:schemeClr>
+                </a:solidFill>
                 <a:latin typeface="Arial" panose="020B0604020202020204" pitchFamily="34" charset="0"/>
                 <a:ea typeface="Roboto" panose="02000000000000000000" pitchFamily="2" charset="0"/>
                 <a:cs typeface="Arial" panose="020B0604020202020204" pitchFamily="34" charset="0"/>
@@ -5691,6 +5209,12 @@
               <a:t> </a:t>
             </a:r>
             <a:endParaRPr lang="en-US" sz="1600" b="1" dirty="0" smtClean="0">
+              <a:solidFill>
+                <a:schemeClr val="tx1">
+                  <a:lumMod val="85000"/>
+                  <a:lumOff val="15000"/>
+                </a:schemeClr>
+              </a:solidFill>
               <a:latin typeface="Arial" panose="020B0604020202020204" pitchFamily="34" charset="0"/>
               <a:ea typeface="Roboto" panose="02000000000000000000" pitchFamily="2" charset="0"/>
               <a:cs typeface="Arial" panose="020B0604020202020204" pitchFamily="34" charset="0"/>
@@ -5700,6 +5224,12 @@
             <a:pPr algn="ctr"/>
             <a:r>
               <a:rPr lang="ru-RU" sz="1600" b="1" dirty="0" smtClean="0">
+                <a:solidFill>
+                  <a:schemeClr val="tx1">
+                    <a:lumMod val="85000"/>
+                    <a:lumOff val="15000"/>
+                  </a:schemeClr>
+                </a:solidFill>
                 <a:latin typeface="Arial" panose="020B0604020202020204" pitchFamily="34" charset="0"/>
                 <a:ea typeface="Roboto" panose="02000000000000000000" pitchFamily="2" charset="0"/>
                 <a:cs typeface="Arial" panose="020B0604020202020204" pitchFamily="34" charset="0"/>
@@ -5707,6 +5237,12 @@
               <a:t>Александр Николаевич</a:t>
             </a:r>
             <a:endParaRPr lang="en-US" sz="1600" b="1" dirty="0" smtClean="0">
+              <a:solidFill>
+                <a:schemeClr val="tx1">
+                  <a:lumMod val="85000"/>
+                  <a:lumOff val="15000"/>
+                </a:schemeClr>
+              </a:solidFill>
               <a:latin typeface="Arial" panose="020B0604020202020204" pitchFamily="34" charset="0"/>
               <a:ea typeface="Roboto" panose="02000000000000000000" pitchFamily="2" charset="0"/>
               <a:cs typeface="Arial" panose="020B0604020202020204" pitchFamily="34" charset="0"/>
@@ -5803,16 +5339,10 @@
           <a:prstGeom prst="rect">
             <a:avLst/>
           </a:prstGeom>
-          <a:noFill/>
-          <a:extLst>
-            <a:ext uri="{909E8E84-426E-40DD-AFC4-6F175D3DCCD1}">
-              <a14:hiddenFill xmlns:a14="http://schemas.microsoft.com/office/drawing/2010/main">
-                <a:solidFill>
-                  <a:srgbClr val="FFFFFF"/>
-                </a:solidFill>
-              </a14:hiddenFill>
-            </a:ext>
-          </a:extLst>
+          <a:solidFill>
+            <a:schemeClr val="bg1"/>
+          </a:solidFill>
+          <a:extLst/>
         </p:spPr>
       </p:pic>
       <p:pic>
@@ -5844,57 +5374,10 @@
           <a:prstGeom prst="rect">
             <a:avLst/>
           </a:prstGeom>
-          <a:noFill/>
-          <a:extLst>
-            <a:ext uri="{909E8E84-426E-40DD-AFC4-6F175D3DCCD1}">
-              <a14:hiddenFill xmlns:a14="http://schemas.microsoft.com/office/drawing/2010/main">
-                <a:solidFill>
-                  <a:srgbClr val="FFFFFF"/>
-                </a:solidFill>
-              </a14:hiddenFill>
-            </a:ext>
-          </a:extLst>
-        </p:spPr>
-      </p:pic>
-      <p:pic>
-        <p:nvPicPr>
-          <p:cNvPr id="1036" name="Picture 12" descr="C:\Users\Unicorn\Desktop\Цифровой прорыв\Хакатон 1 - Nova Solis\презентация\исходники, сопутствующие материалы\иконки\location.png"/>
-          <p:cNvPicPr>
-            <a:picLocks noChangeAspect="1" noChangeArrowheads="1"/>
-          </p:cNvPicPr>
-          <p:nvPr/>
-        </p:nvPicPr>
-        <p:blipFill>
-          <a:blip r:embed="rId7">
-            <a:extLst>
-              <a:ext uri="{28A0092B-C50C-407E-A947-70E740481C1C}">
-                <a14:useLocalDpi xmlns:a14="http://schemas.microsoft.com/office/drawing/2010/main" val="0"/>
-              </a:ext>
-            </a:extLst>
-          </a:blip>
-          <a:srcRect/>
-          <a:stretch>
-            <a:fillRect/>
-          </a:stretch>
-        </p:blipFill>
-        <p:spPr bwMode="auto">
-          <a:xfrm>
-            <a:off x="293671" y="4695220"/>
-            <a:ext cx="136991" cy="216024"/>
-          </a:xfrm>
-          <a:prstGeom prst="rect">
-            <a:avLst/>
-          </a:prstGeom>
-          <a:noFill/>
-          <a:extLst>
-            <a:ext uri="{909E8E84-426E-40DD-AFC4-6F175D3DCCD1}">
-              <a14:hiddenFill xmlns:a14="http://schemas.microsoft.com/office/drawing/2010/main">
-                <a:solidFill>
-                  <a:srgbClr val="FFFFFF"/>
-                </a:solidFill>
-              </a14:hiddenFill>
-            </a:ext>
-          </a:extLst>
+          <a:solidFill>
+            <a:schemeClr val="bg1"/>
+          </a:solidFill>
+          <a:extLst/>
         </p:spPr>
       </p:pic>
       <p:pic>
@@ -5926,16 +5409,10 @@
           <a:prstGeom prst="rect">
             <a:avLst/>
           </a:prstGeom>
-          <a:noFill/>
-          <a:extLst>
-            <a:ext uri="{909E8E84-426E-40DD-AFC4-6F175D3DCCD1}">
-              <a14:hiddenFill xmlns:a14="http://schemas.microsoft.com/office/drawing/2010/main">
-                <a:solidFill>
-                  <a:srgbClr val="FFFFFF"/>
-                </a:solidFill>
-              </a14:hiddenFill>
-            </a:ext>
-          </a:extLst>
+          <a:solidFill>
+            <a:schemeClr val="bg1"/>
+          </a:solidFill>
+          <a:extLst/>
         </p:spPr>
       </p:pic>
       <p:pic>
@@ -5967,16 +5444,10 @@
           <a:prstGeom prst="rect">
             <a:avLst/>
           </a:prstGeom>
-          <a:noFill/>
-          <a:extLst>
-            <a:ext uri="{909E8E84-426E-40DD-AFC4-6F175D3DCCD1}">
-              <a14:hiddenFill xmlns:a14="http://schemas.microsoft.com/office/drawing/2010/main">
-                <a:solidFill>
-                  <a:srgbClr val="FFFFFF"/>
-                </a:solidFill>
-              </a14:hiddenFill>
-            </a:ext>
-          </a:extLst>
+          <a:solidFill>
+            <a:schemeClr val="bg1"/>
+          </a:solidFill>
+          <a:extLst/>
         </p:spPr>
       </p:pic>
       <p:pic>
@@ -6008,16 +5479,10 @@
           <a:prstGeom prst="rect">
             <a:avLst/>
           </a:prstGeom>
-          <a:noFill/>
-          <a:extLst>
-            <a:ext uri="{909E8E84-426E-40DD-AFC4-6F175D3DCCD1}">
-              <a14:hiddenFill xmlns:a14="http://schemas.microsoft.com/office/drawing/2010/main">
-                <a:solidFill>
-                  <a:srgbClr val="FFFFFF"/>
-                </a:solidFill>
-              </a14:hiddenFill>
-            </a:ext>
-          </a:extLst>
+          <a:solidFill>
+            <a:schemeClr val="bg1"/>
+          </a:solidFill>
+          <a:extLst/>
         </p:spPr>
       </p:pic>
       <p:pic>
@@ -6049,16 +5514,10 @@
           <a:prstGeom prst="rect">
             <a:avLst/>
           </a:prstGeom>
-          <a:noFill/>
-          <a:extLst>
-            <a:ext uri="{909E8E84-426E-40DD-AFC4-6F175D3DCCD1}">
-              <a14:hiddenFill xmlns:a14="http://schemas.microsoft.com/office/drawing/2010/main">
-                <a:solidFill>
-                  <a:srgbClr val="FFFFFF"/>
-                </a:solidFill>
-              </a14:hiddenFill>
-            </a:ext>
-          </a:extLst>
+          <a:solidFill>
+            <a:schemeClr val="bg1"/>
+          </a:solidFill>
+          <a:extLst/>
         </p:spPr>
       </p:pic>
       <p:pic>
@@ -6090,16 +5549,10 @@
           <a:prstGeom prst="rect">
             <a:avLst/>
           </a:prstGeom>
-          <a:noFill/>
-          <a:extLst>
-            <a:ext uri="{909E8E84-426E-40DD-AFC4-6F175D3DCCD1}">
-              <a14:hiddenFill xmlns:a14="http://schemas.microsoft.com/office/drawing/2010/main">
-                <a:solidFill>
-                  <a:srgbClr val="FFFFFF"/>
-                </a:solidFill>
-              </a14:hiddenFill>
-            </a:ext>
-          </a:extLst>
+          <a:solidFill>
+            <a:schemeClr val="bg1"/>
+          </a:solidFill>
+          <a:extLst/>
         </p:spPr>
       </p:pic>
       <p:pic>
@@ -6131,16 +5584,10 @@
           <a:prstGeom prst="rect">
             <a:avLst/>
           </a:prstGeom>
-          <a:noFill/>
-          <a:extLst>
-            <a:ext uri="{909E8E84-426E-40DD-AFC4-6F175D3DCCD1}">
-              <a14:hiddenFill xmlns:a14="http://schemas.microsoft.com/office/drawing/2010/main">
-                <a:solidFill>
-                  <a:srgbClr val="FFFFFF"/>
-                </a:solidFill>
-              </a14:hiddenFill>
-            </a:ext>
-          </a:extLst>
+          <a:solidFill>
+            <a:schemeClr val="bg1"/>
+          </a:solidFill>
+          <a:extLst/>
         </p:spPr>
       </p:pic>
       <p:grpSp>
@@ -6254,10 +5701,2559 @@
           </p:spPr>
         </p:pic>
       </p:grpSp>
+      <p:pic>
+        <p:nvPicPr>
+          <p:cNvPr id="27" name="Picture 12" descr="C:\Users\Unicorn\Desktop\Цифровой прорыв\Хакатон 1 - Nova Solis\презентация\исходники, сопутствующие материалы\иконки\location.png"/>
+          <p:cNvPicPr>
+            <a:picLocks noChangeAspect="1" noChangeArrowheads="1"/>
+          </p:cNvPicPr>
+          <p:nvPr/>
+        </p:nvPicPr>
+        <p:blipFill>
+          <a:blip r:embed="rId7">
+            <a:extLst>
+              <a:ext uri="{28A0092B-C50C-407E-A947-70E740481C1C}">
+                <a14:useLocalDpi xmlns:a14="http://schemas.microsoft.com/office/drawing/2010/main" val="0"/>
+              </a:ext>
+            </a:extLst>
+          </a:blip>
+          <a:srcRect/>
+          <a:stretch>
+            <a:fillRect/>
+          </a:stretch>
+        </p:blipFill>
+        <p:spPr bwMode="auto">
+          <a:xfrm>
+            <a:off x="308323" y="4725144"/>
+            <a:ext cx="136991" cy="216024"/>
+          </a:xfrm>
+          <a:prstGeom prst="rect">
+            <a:avLst/>
+          </a:prstGeom>
+          <a:solidFill>
+            <a:schemeClr val="bg1"/>
+          </a:solidFill>
+          <a:extLst/>
+        </p:spPr>
+      </p:pic>
     </p:spTree>
     <p:extLst>
       <p:ext uri="{BB962C8B-B14F-4D97-AF65-F5344CB8AC3E}">
         <p14:creationId xmlns:p14="http://schemas.microsoft.com/office/powerpoint/2010/main" val="3622724563"/>
+      </p:ext>
+    </p:extLst>
+  </p:cSld>
+  <p:clrMapOvr>
+    <a:masterClrMapping/>
+  </p:clrMapOvr>
+  <p:timing>
+    <p:tnLst>
+      <p:par>
+        <p:cTn id="1" dur="indefinite" restart="never" nodeType="tmRoot"/>
+      </p:par>
+    </p:tnLst>
+  </p:timing>
+</p:sld>
+</file>
+
+<file path=ppt/slides/slide3.xml><?xml version="1.0" encoding="utf-8"?>
+<p:sld xmlns:a="http://schemas.openxmlformats.org/drawingml/2006/main" xmlns:r="http://schemas.openxmlformats.org/officeDocument/2006/relationships" xmlns:p="http://schemas.openxmlformats.org/presentationml/2006/main">
+  <p:cSld>
+    <p:spTree>
+      <p:nvGrpSpPr>
+        <p:cNvPr id="1" name=""/>
+        <p:cNvGrpSpPr/>
+        <p:nvPr/>
+      </p:nvGrpSpPr>
+      <p:grpSpPr>
+        <a:xfrm>
+          <a:off x="0" y="0"/>
+          <a:ext cx="0" cy="0"/>
+          <a:chOff x="0" y="0"/>
+          <a:chExt cx="0" cy="0"/>
+        </a:xfrm>
+      </p:grpSpPr>
+      <p:sp>
+        <p:nvSpPr>
+          <p:cNvPr id="2" name="Заголовок 1"/>
+          <p:cNvSpPr>
+            <a:spLocks noGrp="1"/>
+          </p:cNvSpPr>
+          <p:nvPr>
+            <p:ph type="title"/>
+          </p:nvPr>
+        </p:nvSpPr>
+        <p:spPr>
+          <a:xfrm>
+            <a:off x="457200" y="116632"/>
+            <a:ext cx="8229600" cy="1143000"/>
+          </a:xfrm>
+        </p:spPr>
+        <p:txBody>
+          <a:bodyPr/>
+          <a:lstStyle/>
+          <a:p>
+            <a:r>
+              <a:rPr lang="ru-RU" b="1" dirty="0" smtClean="0">
+                <a:solidFill>
+                  <a:schemeClr val="tx1">
+                    <a:lumMod val="85000"/>
+                    <a:lumOff val="15000"/>
+                  </a:schemeClr>
+                </a:solidFill>
+                <a:latin typeface="Arial" panose="020B0604020202020204" pitchFamily="34" charset="0"/>
+                <a:cs typeface="Arial" panose="020B0604020202020204" pitchFamily="34" charset="0"/>
+              </a:rPr>
+              <a:t>Проблематика</a:t>
+            </a:r>
+            <a:endParaRPr lang="ru-RU" b="1" dirty="0">
+              <a:solidFill>
+                <a:schemeClr val="tx1">
+                  <a:lumMod val="85000"/>
+                  <a:lumOff val="15000"/>
+                </a:schemeClr>
+              </a:solidFill>
+              <a:latin typeface="Arial" panose="020B0604020202020204" pitchFamily="34" charset="0"/>
+              <a:cs typeface="Arial" panose="020B0604020202020204" pitchFamily="34" charset="0"/>
+            </a:endParaRPr>
+          </a:p>
+        </p:txBody>
+      </p:sp>
+      <p:sp>
+        <p:nvSpPr>
+          <p:cNvPr id="3" name="Объект 2"/>
+          <p:cNvSpPr>
+            <a:spLocks noGrp="1"/>
+          </p:cNvSpPr>
+          <p:nvPr>
+            <p:ph idx="1"/>
+          </p:nvPr>
+        </p:nvSpPr>
+        <p:spPr>
+          <a:xfrm>
+            <a:off x="323528" y="1628799"/>
+            <a:ext cx="5760640" cy="2188767"/>
+          </a:xfrm>
+        </p:spPr>
+        <p:txBody>
+          <a:bodyPr>
+            <a:normAutofit/>
+          </a:bodyPr>
+          <a:lstStyle/>
+          <a:p>
+            <a:pPr marL="0" indent="0">
+              <a:spcBef>
+                <a:spcPts val="600"/>
+              </a:spcBef>
+              <a:spcAft>
+                <a:spcPts val="600"/>
+              </a:spcAft>
+              <a:buNone/>
+            </a:pPr>
+            <a:r>
+              <a:rPr lang="ru-RU" sz="2400" dirty="0" smtClean="0">
+                <a:solidFill>
+                  <a:schemeClr val="tx1">
+                    <a:lumMod val="85000"/>
+                    <a:lumOff val="15000"/>
+                  </a:schemeClr>
+                </a:solidFill>
+                <a:latin typeface="Arial" panose="020B0604020202020204" pitchFamily="34" charset="0"/>
+                <a:cs typeface="Arial" panose="020B0604020202020204" pitchFamily="34" charset="0"/>
+              </a:rPr>
+              <a:t>Имеющийся </a:t>
+            </a:r>
+            <a:r>
+              <a:rPr lang="ru-RU" sz="2400" dirty="0" err="1" smtClean="0">
+                <a:solidFill>
+                  <a:schemeClr val="tx1">
+                    <a:lumMod val="85000"/>
+                    <a:lumOff val="15000"/>
+                  </a:schemeClr>
+                </a:solidFill>
+                <a:latin typeface="Arial" panose="020B0604020202020204" pitchFamily="34" charset="0"/>
+                <a:cs typeface="Arial" panose="020B0604020202020204" pitchFamily="34" charset="0"/>
+              </a:rPr>
+              <a:t>Нормализатор</a:t>
+            </a:r>
+            <a:r>
+              <a:rPr lang="ru-RU" sz="2400" dirty="0" smtClean="0">
+                <a:solidFill>
+                  <a:schemeClr val="tx1">
+                    <a:lumMod val="85000"/>
+                    <a:lumOff val="15000"/>
+                  </a:schemeClr>
+                </a:solidFill>
+                <a:latin typeface="Arial" panose="020B0604020202020204" pitchFamily="34" charset="0"/>
+                <a:cs typeface="Arial" panose="020B0604020202020204" pitchFamily="34" charset="0"/>
+              </a:rPr>
+              <a:t> почтовых адресов </a:t>
+            </a:r>
+            <a:r>
+              <a:rPr lang="ru-RU" sz="2400" dirty="0">
+                <a:solidFill>
+                  <a:schemeClr val="tx1">
+                    <a:lumMod val="85000"/>
+                    <a:lumOff val="15000"/>
+                  </a:schemeClr>
+                </a:solidFill>
+                <a:latin typeface="Arial" panose="020B0604020202020204" pitchFamily="34" charset="0"/>
+                <a:cs typeface="Arial" panose="020B0604020202020204" pitchFamily="34" charset="0"/>
+              </a:rPr>
+              <a:t>не </a:t>
+            </a:r>
+            <a:r>
+              <a:rPr lang="ru-RU" sz="2400" dirty="0" smtClean="0">
+                <a:solidFill>
+                  <a:schemeClr val="tx1">
+                    <a:lumMod val="85000"/>
+                    <a:lumOff val="15000"/>
+                  </a:schemeClr>
+                </a:solidFill>
+                <a:latin typeface="Arial" panose="020B0604020202020204" pitchFamily="34" charset="0"/>
+                <a:cs typeface="Arial" panose="020B0604020202020204" pitchFamily="34" charset="0"/>
+              </a:rPr>
+              <a:t>корректно </a:t>
+            </a:r>
+            <a:r>
+              <a:rPr lang="ru-RU" sz="2400" dirty="0">
+                <a:solidFill>
+                  <a:schemeClr val="tx1">
+                    <a:lumMod val="85000"/>
+                    <a:lumOff val="15000"/>
+                  </a:schemeClr>
+                </a:solidFill>
+                <a:latin typeface="Arial" panose="020B0604020202020204" pitchFamily="34" charset="0"/>
+                <a:cs typeface="Arial" panose="020B0604020202020204" pitchFamily="34" charset="0"/>
+              </a:rPr>
+              <a:t>распознает адреса, если они не полные или содержат ошибки</a:t>
+            </a:r>
+            <a:r>
+              <a:rPr lang="ru-RU" sz="2400" dirty="0" smtClean="0">
+                <a:solidFill>
+                  <a:schemeClr val="tx1">
+                    <a:lumMod val="85000"/>
+                    <a:lumOff val="15000"/>
+                  </a:schemeClr>
+                </a:solidFill>
+                <a:latin typeface="Arial" panose="020B0604020202020204" pitchFamily="34" charset="0"/>
+                <a:cs typeface="Arial" panose="020B0604020202020204" pitchFamily="34" charset="0"/>
+              </a:rPr>
+              <a:t>.</a:t>
+            </a:r>
+            <a:endParaRPr lang="ru-RU" sz="2400" dirty="0">
+              <a:solidFill>
+                <a:schemeClr val="tx1">
+                  <a:lumMod val="85000"/>
+                  <a:lumOff val="15000"/>
+                </a:schemeClr>
+              </a:solidFill>
+              <a:latin typeface="Arial" panose="020B0604020202020204" pitchFamily="34" charset="0"/>
+              <a:cs typeface="Arial" panose="020B0604020202020204" pitchFamily="34" charset="0"/>
+            </a:endParaRPr>
+          </a:p>
+        </p:txBody>
+      </p:sp>
+      <p:sp>
+        <p:nvSpPr>
+          <p:cNvPr id="5" name="Прямоугольник 4"/>
+          <p:cNvSpPr/>
+          <p:nvPr/>
+        </p:nvSpPr>
+        <p:spPr>
+          <a:xfrm>
+            <a:off x="431540" y="3817566"/>
+            <a:ext cx="8280920" cy="914400"/>
+          </a:xfrm>
+          <a:prstGeom prst="rect">
+            <a:avLst/>
+          </a:prstGeom>
+          <a:noFill/>
+          <a:ln>
+            <a:noFill/>
+          </a:ln>
+        </p:spPr>
+        <p:style>
+          <a:lnRef idx="2">
+            <a:schemeClr val="accent1">
+              <a:shade val="50000"/>
+            </a:schemeClr>
+          </a:lnRef>
+          <a:fillRef idx="1">
+            <a:schemeClr val="accent1"/>
+          </a:fillRef>
+          <a:effectRef idx="0">
+            <a:schemeClr val="accent1"/>
+          </a:effectRef>
+          <a:fontRef idx="minor">
+            <a:schemeClr val="lt1"/>
+          </a:fontRef>
+        </p:style>
+        <p:txBody>
+          <a:bodyPr rtlCol="0" anchor="ctr"/>
+          <a:lstStyle/>
+          <a:p>
+            <a:pPr algn="ctr"/>
+            <a:r>
+              <a:rPr lang="ru-RU" sz="2400" b="1" dirty="0" smtClean="0">
+                <a:solidFill>
+                  <a:schemeClr val="tx1">
+                    <a:lumMod val="85000"/>
+                    <a:lumOff val="15000"/>
+                  </a:schemeClr>
+                </a:solidFill>
+                <a:latin typeface="Arial" panose="020B0604020202020204" pitchFamily="34" charset="0"/>
+                <a:cs typeface="Arial" panose="020B0604020202020204" pitchFamily="34" charset="0"/>
+              </a:rPr>
+              <a:t>Неверные </a:t>
+            </a:r>
+            <a:r>
+              <a:rPr lang="ru-RU" sz="2400" b="1" dirty="0">
+                <a:solidFill>
+                  <a:schemeClr val="tx1">
+                    <a:lumMod val="85000"/>
+                    <a:lumOff val="15000"/>
+                  </a:schemeClr>
+                </a:solidFill>
+                <a:latin typeface="Arial" panose="020B0604020202020204" pitchFamily="34" charset="0"/>
+                <a:cs typeface="Arial" panose="020B0604020202020204" pitchFamily="34" charset="0"/>
+              </a:rPr>
+              <a:t>данные = упущенная выгода</a:t>
+            </a:r>
+            <a:endParaRPr lang="ru-RU" sz="2400" dirty="0">
+              <a:solidFill>
+                <a:schemeClr val="tx1">
+                  <a:lumMod val="85000"/>
+                  <a:lumOff val="15000"/>
+                </a:schemeClr>
+              </a:solidFill>
+              <a:latin typeface="Arial" panose="020B0604020202020204" pitchFamily="34" charset="0"/>
+              <a:cs typeface="Arial" panose="020B0604020202020204" pitchFamily="34" charset="0"/>
+            </a:endParaRPr>
+          </a:p>
+        </p:txBody>
+      </p:sp>
+      <p:sp>
+        <p:nvSpPr>
+          <p:cNvPr id="6" name="Скругленный прямоугольник 5"/>
+          <p:cNvSpPr/>
+          <p:nvPr/>
+        </p:nvSpPr>
+        <p:spPr>
+          <a:xfrm>
+            <a:off x="6170449" y="1484785"/>
+            <a:ext cx="2520280" cy="2304256"/>
+          </a:xfrm>
+          <a:prstGeom prst="roundRect">
+            <a:avLst>
+              <a:gd name="adj" fmla="val 1758"/>
+            </a:avLst>
+          </a:prstGeom>
+          <a:solidFill>
+            <a:schemeClr val="bg1"/>
+          </a:solidFill>
+          <a:ln>
+            <a:noFill/>
+          </a:ln>
+          <a:effectLst>
+            <a:outerShdw blurRad="381000" dir="5400000" sx="103000" sy="103000" algn="ctr" rotWithShape="0">
+              <a:prstClr val="black">
+                <a:alpha val="10000"/>
+              </a:prstClr>
+            </a:outerShdw>
+          </a:effectLst>
+        </p:spPr>
+        <p:style>
+          <a:lnRef idx="2">
+            <a:schemeClr val="accent1">
+              <a:shade val="50000"/>
+            </a:schemeClr>
+          </a:lnRef>
+          <a:fillRef idx="1">
+            <a:schemeClr val="accent1"/>
+          </a:fillRef>
+          <a:effectRef idx="0">
+            <a:schemeClr val="accent1"/>
+          </a:effectRef>
+          <a:fontRef idx="minor">
+            <a:schemeClr val="lt1"/>
+          </a:fontRef>
+        </p:style>
+        <p:txBody>
+          <a:bodyPr rtlCol="0" anchor="ctr"/>
+          <a:lstStyle/>
+          <a:p>
+            <a:pPr algn="ctr"/>
+            <a:r>
+              <a:rPr lang="ru-RU" dirty="0">
+                <a:solidFill>
+                  <a:schemeClr val="tx1">
+                    <a:lumMod val="85000"/>
+                    <a:lumOff val="15000"/>
+                  </a:schemeClr>
+                </a:solidFill>
+                <a:latin typeface="Arial" panose="020B0604020202020204" pitchFamily="34" charset="0"/>
+                <a:cs typeface="Arial" panose="020B0604020202020204" pitchFamily="34" charset="0"/>
+              </a:rPr>
+              <a:t>До</a:t>
+            </a:r>
+            <a:r>
+              <a:rPr lang="ru-RU" sz="2000" b="1" dirty="0">
+                <a:solidFill>
+                  <a:schemeClr val="tx1">
+                    <a:lumMod val="85000"/>
+                    <a:lumOff val="15000"/>
+                  </a:schemeClr>
+                </a:solidFill>
+                <a:latin typeface="Arial" panose="020B0604020202020204" pitchFamily="34" charset="0"/>
+                <a:cs typeface="Arial" panose="020B0604020202020204" pitchFamily="34" charset="0"/>
+              </a:rPr>
+              <a:t> </a:t>
+            </a:r>
+            <a:r>
+              <a:rPr lang="ru-RU" sz="3000" b="1" dirty="0">
+                <a:solidFill>
+                  <a:schemeClr val="tx1">
+                    <a:lumMod val="85000"/>
+                    <a:lumOff val="15000"/>
+                  </a:schemeClr>
+                </a:solidFill>
+                <a:latin typeface="Arial" panose="020B0604020202020204" pitchFamily="34" charset="0"/>
+                <a:cs typeface="Arial" panose="020B0604020202020204" pitchFamily="34" charset="0"/>
+              </a:rPr>
+              <a:t>25</a:t>
+            </a:r>
+            <a:r>
+              <a:rPr lang="ru-RU" sz="3000" b="1" dirty="0" smtClean="0">
+                <a:solidFill>
+                  <a:schemeClr val="tx1">
+                    <a:lumMod val="85000"/>
+                    <a:lumOff val="15000"/>
+                  </a:schemeClr>
+                </a:solidFill>
+                <a:latin typeface="Arial" panose="020B0604020202020204" pitchFamily="34" charset="0"/>
+                <a:cs typeface="Arial" panose="020B0604020202020204" pitchFamily="34" charset="0"/>
+              </a:rPr>
+              <a:t>% </a:t>
+            </a:r>
+          </a:p>
+          <a:p>
+            <a:pPr algn="ctr"/>
+            <a:r>
+              <a:rPr lang="ru-RU" dirty="0" smtClean="0">
+                <a:solidFill>
+                  <a:schemeClr val="tx1">
+                    <a:lumMod val="85000"/>
+                    <a:lumOff val="15000"/>
+                  </a:schemeClr>
+                </a:solidFill>
+                <a:latin typeface="Arial" panose="020B0604020202020204" pitchFamily="34" charset="0"/>
+                <a:cs typeface="Arial" panose="020B0604020202020204" pitchFamily="34" charset="0"/>
+              </a:rPr>
+              <a:t>адресов распознаются </a:t>
+            </a:r>
+          </a:p>
+          <a:p>
+            <a:pPr algn="ctr"/>
+            <a:r>
+              <a:rPr lang="ru-RU" dirty="0" smtClean="0">
+                <a:solidFill>
+                  <a:schemeClr val="tx1">
+                    <a:lumMod val="85000"/>
+                    <a:lumOff val="15000"/>
+                  </a:schemeClr>
+                </a:solidFill>
+                <a:latin typeface="Arial" panose="020B0604020202020204" pitchFamily="34" charset="0"/>
+                <a:cs typeface="Arial" panose="020B0604020202020204" pitchFamily="34" charset="0"/>
+              </a:rPr>
+              <a:t>не </a:t>
+            </a:r>
+            <a:r>
+              <a:rPr lang="ru-RU" dirty="0" smtClean="0">
+                <a:solidFill>
+                  <a:schemeClr val="tx1">
+                    <a:lumMod val="85000"/>
+                    <a:lumOff val="15000"/>
+                  </a:schemeClr>
+                </a:solidFill>
+                <a:latin typeface="Arial" panose="020B0604020202020204" pitchFamily="34" charset="0"/>
+                <a:cs typeface="Arial" panose="020B0604020202020204" pitchFamily="34" charset="0"/>
+              </a:rPr>
+              <a:t>полностью</a:t>
+            </a:r>
+            <a:endParaRPr lang="ru-RU" dirty="0">
+              <a:solidFill>
+                <a:schemeClr val="tx1">
+                  <a:lumMod val="85000"/>
+                  <a:lumOff val="15000"/>
+                </a:schemeClr>
+              </a:solidFill>
+              <a:latin typeface="Arial" panose="020B0604020202020204" pitchFamily="34" charset="0"/>
+              <a:cs typeface="Arial" panose="020B0604020202020204" pitchFamily="34" charset="0"/>
+            </a:endParaRPr>
+          </a:p>
+        </p:txBody>
+      </p:sp>
+    </p:spTree>
+    <p:extLst>
+      <p:ext uri="{BB962C8B-B14F-4D97-AF65-F5344CB8AC3E}">
+        <p14:creationId xmlns:p14="http://schemas.microsoft.com/office/powerpoint/2010/main" val="2781203144"/>
+      </p:ext>
+    </p:extLst>
+  </p:cSld>
+  <p:clrMapOvr>
+    <a:masterClrMapping/>
+  </p:clrMapOvr>
+  <p:timing>
+    <p:tnLst>
+      <p:par>
+        <p:cTn id="1" dur="indefinite" restart="never" nodeType="tmRoot"/>
+      </p:par>
+    </p:tnLst>
+  </p:timing>
+</p:sld>
+</file>
+
+<file path=ppt/slides/slide4.xml><?xml version="1.0" encoding="utf-8"?>
+<p:sld xmlns:a="http://schemas.openxmlformats.org/drawingml/2006/main" xmlns:r="http://schemas.openxmlformats.org/officeDocument/2006/relationships" xmlns:p="http://schemas.openxmlformats.org/presentationml/2006/main">
+  <p:cSld>
+    <p:spTree>
+      <p:nvGrpSpPr>
+        <p:cNvPr id="1" name=""/>
+        <p:cNvGrpSpPr/>
+        <p:nvPr/>
+      </p:nvGrpSpPr>
+      <p:grpSpPr>
+        <a:xfrm>
+          <a:off x="0" y="0"/>
+          <a:ext cx="0" cy="0"/>
+          <a:chOff x="0" y="0"/>
+          <a:chExt cx="0" cy="0"/>
+        </a:xfrm>
+      </p:grpSpPr>
+      <p:sp>
+        <p:nvSpPr>
+          <p:cNvPr id="2" name="Заголовок 1"/>
+          <p:cNvSpPr>
+            <a:spLocks noGrp="1"/>
+          </p:cNvSpPr>
+          <p:nvPr>
+            <p:ph type="title"/>
+          </p:nvPr>
+        </p:nvSpPr>
+        <p:spPr>
+          <a:xfrm>
+            <a:off x="457200" y="116632"/>
+            <a:ext cx="8229600" cy="1143000"/>
+          </a:xfrm>
+        </p:spPr>
+        <p:txBody>
+          <a:bodyPr/>
+          <a:lstStyle/>
+          <a:p>
+            <a:r>
+              <a:rPr lang="ru-RU" b="1" dirty="0" smtClean="0">
+                <a:solidFill>
+                  <a:schemeClr val="tx1">
+                    <a:lumMod val="85000"/>
+                    <a:lumOff val="15000"/>
+                  </a:schemeClr>
+                </a:solidFill>
+                <a:latin typeface="Arial" panose="020B0604020202020204" pitchFamily="34" charset="0"/>
+                <a:cs typeface="Arial" panose="020B0604020202020204" pitchFamily="34" charset="0"/>
+              </a:rPr>
+              <a:t>Решение</a:t>
+            </a:r>
+            <a:endParaRPr lang="ru-RU" b="1" dirty="0">
+              <a:solidFill>
+                <a:schemeClr val="tx1">
+                  <a:lumMod val="85000"/>
+                  <a:lumOff val="15000"/>
+                </a:schemeClr>
+              </a:solidFill>
+              <a:latin typeface="Arial" panose="020B0604020202020204" pitchFamily="34" charset="0"/>
+              <a:cs typeface="Arial" panose="020B0604020202020204" pitchFamily="34" charset="0"/>
+            </a:endParaRPr>
+          </a:p>
+        </p:txBody>
+      </p:sp>
+      <p:sp>
+        <p:nvSpPr>
+          <p:cNvPr id="4" name="Скругленный прямоугольник 3"/>
+          <p:cNvSpPr/>
+          <p:nvPr/>
+        </p:nvSpPr>
+        <p:spPr>
+          <a:xfrm>
+            <a:off x="444352" y="1270695"/>
+            <a:ext cx="5207768" cy="720080"/>
+          </a:xfrm>
+          <a:prstGeom prst="roundRect">
+            <a:avLst>
+              <a:gd name="adj" fmla="val 11943"/>
+            </a:avLst>
+          </a:prstGeom>
+          <a:noFill/>
+          <a:ln>
+            <a:solidFill>
+              <a:schemeClr val="tx1">
+                <a:lumMod val="75000"/>
+                <a:lumOff val="25000"/>
+              </a:schemeClr>
+            </a:solidFill>
+          </a:ln>
+        </p:spPr>
+        <p:style>
+          <a:lnRef idx="2">
+            <a:schemeClr val="accent1">
+              <a:shade val="50000"/>
+            </a:schemeClr>
+          </a:lnRef>
+          <a:fillRef idx="1">
+            <a:schemeClr val="accent1"/>
+          </a:fillRef>
+          <a:effectRef idx="0">
+            <a:schemeClr val="accent1"/>
+          </a:effectRef>
+          <a:fontRef idx="minor">
+            <a:schemeClr val="lt1"/>
+          </a:fontRef>
+        </p:style>
+        <p:txBody>
+          <a:bodyPr rtlCol="0" anchor="ctr"/>
+          <a:lstStyle/>
+          <a:p>
+            <a:pPr algn="ctr"/>
+            <a:r>
+              <a:rPr lang="ru-RU" b="1" dirty="0" smtClean="0">
+                <a:solidFill>
+                  <a:schemeClr val="tx1">
+                    <a:lumMod val="85000"/>
+                    <a:lumOff val="15000"/>
+                  </a:schemeClr>
+                </a:solidFill>
+              </a:rPr>
+              <a:t>Исходная строка</a:t>
+            </a:r>
+            <a:endParaRPr lang="ru-RU" b="1" dirty="0">
+              <a:solidFill>
+                <a:schemeClr val="tx1">
+                  <a:lumMod val="85000"/>
+                  <a:lumOff val="15000"/>
+                </a:schemeClr>
+              </a:solidFill>
+            </a:endParaRPr>
+          </a:p>
+        </p:txBody>
+      </p:sp>
+      <p:sp>
+        <p:nvSpPr>
+          <p:cNvPr id="5" name="Скругленный прямоугольник 4"/>
+          <p:cNvSpPr/>
+          <p:nvPr/>
+        </p:nvSpPr>
+        <p:spPr>
+          <a:xfrm>
+            <a:off x="444352" y="5013176"/>
+            <a:ext cx="5207768" cy="720080"/>
+          </a:xfrm>
+          <a:prstGeom prst="roundRect">
+            <a:avLst>
+              <a:gd name="adj" fmla="val 11943"/>
+            </a:avLst>
+          </a:prstGeom>
+          <a:noFill/>
+          <a:ln>
+            <a:solidFill>
+              <a:schemeClr val="tx1">
+                <a:lumMod val="75000"/>
+                <a:lumOff val="25000"/>
+              </a:schemeClr>
+            </a:solidFill>
+          </a:ln>
+        </p:spPr>
+        <p:style>
+          <a:lnRef idx="2">
+            <a:schemeClr val="accent1">
+              <a:shade val="50000"/>
+            </a:schemeClr>
+          </a:lnRef>
+          <a:fillRef idx="1">
+            <a:schemeClr val="accent1"/>
+          </a:fillRef>
+          <a:effectRef idx="0">
+            <a:schemeClr val="accent1"/>
+          </a:effectRef>
+          <a:fontRef idx="minor">
+            <a:schemeClr val="lt1"/>
+          </a:fontRef>
+        </p:style>
+        <p:txBody>
+          <a:bodyPr rtlCol="0" anchor="ctr"/>
+          <a:lstStyle/>
+          <a:p>
+            <a:pPr algn="ctr"/>
+            <a:r>
+              <a:rPr lang="ru-RU" b="1" dirty="0" smtClean="0">
+                <a:solidFill>
+                  <a:schemeClr val="tx1">
+                    <a:lumMod val="85000"/>
+                    <a:lumOff val="15000"/>
+                  </a:schemeClr>
+                </a:solidFill>
+              </a:rPr>
+              <a:t>Исправленная строка</a:t>
+            </a:r>
+            <a:endParaRPr lang="ru-RU" b="1" dirty="0">
+              <a:solidFill>
+                <a:schemeClr val="tx1">
+                  <a:lumMod val="85000"/>
+                  <a:lumOff val="15000"/>
+                </a:schemeClr>
+              </a:solidFill>
+            </a:endParaRPr>
+          </a:p>
+        </p:txBody>
+      </p:sp>
+      <p:sp>
+        <p:nvSpPr>
+          <p:cNvPr id="8" name="Скругленный прямоугольник 7"/>
+          <p:cNvSpPr/>
+          <p:nvPr/>
+        </p:nvSpPr>
+        <p:spPr>
+          <a:xfrm>
+            <a:off x="6660232" y="2060848"/>
+            <a:ext cx="2088232" cy="997793"/>
+          </a:xfrm>
+          <a:prstGeom prst="roundRect">
+            <a:avLst>
+              <a:gd name="adj" fmla="val 11943"/>
+            </a:avLst>
+          </a:prstGeom>
+          <a:noFill/>
+          <a:ln>
+            <a:solidFill>
+              <a:schemeClr val="tx1">
+                <a:lumMod val="75000"/>
+                <a:lumOff val="25000"/>
+              </a:schemeClr>
+            </a:solidFill>
+          </a:ln>
+        </p:spPr>
+        <p:style>
+          <a:lnRef idx="2">
+            <a:schemeClr val="accent1">
+              <a:shade val="50000"/>
+            </a:schemeClr>
+          </a:lnRef>
+          <a:fillRef idx="1">
+            <a:schemeClr val="accent1"/>
+          </a:fillRef>
+          <a:effectRef idx="0">
+            <a:schemeClr val="accent1"/>
+          </a:effectRef>
+          <a:fontRef idx="minor">
+            <a:schemeClr val="lt1"/>
+          </a:fontRef>
+        </p:style>
+        <p:txBody>
+          <a:bodyPr rtlCol="0" anchor="ctr"/>
+          <a:lstStyle/>
+          <a:p>
+            <a:pPr algn="ctr"/>
+            <a:r>
+              <a:rPr lang="ru-RU" dirty="0" smtClean="0">
+                <a:solidFill>
+                  <a:schemeClr val="tx1">
+                    <a:lumMod val="85000"/>
+                    <a:lumOff val="15000"/>
+                  </a:schemeClr>
+                </a:solidFill>
+                <a:latin typeface="Arial" panose="020B0604020202020204" pitchFamily="34" charset="0"/>
+                <a:cs typeface="Arial" panose="020B0604020202020204" pitchFamily="34" charset="0"/>
+              </a:rPr>
+              <a:t>Построенный словарь</a:t>
+            </a:r>
+          </a:p>
+          <a:p>
+            <a:pPr algn="ctr"/>
+            <a:r>
+              <a:rPr lang="ru-RU" sz="1600" dirty="0" smtClean="0">
+                <a:solidFill>
+                  <a:schemeClr val="tx1">
+                    <a:lumMod val="85000"/>
+                    <a:lumOff val="15000"/>
+                  </a:schemeClr>
+                </a:solidFill>
+                <a:latin typeface="Arial" panose="020B0604020202020204" pitchFamily="34" charset="0"/>
+                <a:cs typeface="Arial" panose="020B0604020202020204" pitchFamily="34" charset="0"/>
+              </a:rPr>
+              <a:t>(25000 слов)</a:t>
+            </a:r>
+            <a:endParaRPr lang="ru-RU" sz="1600" dirty="0">
+              <a:solidFill>
+                <a:schemeClr val="tx1">
+                  <a:lumMod val="85000"/>
+                  <a:lumOff val="15000"/>
+                </a:schemeClr>
+              </a:solidFill>
+              <a:latin typeface="Arial" panose="020B0604020202020204" pitchFamily="34" charset="0"/>
+              <a:cs typeface="Arial" panose="020B0604020202020204" pitchFamily="34" charset="0"/>
+            </a:endParaRPr>
+          </a:p>
+        </p:txBody>
+      </p:sp>
+      <p:sp>
+        <p:nvSpPr>
+          <p:cNvPr id="9" name="Скругленный прямоугольник 8"/>
+          <p:cNvSpPr/>
+          <p:nvPr/>
+        </p:nvSpPr>
+        <p:spPr>
+          <a:xfrm>
+            <a:off x="444352" y="2208088"/>
+            <a:ext cx="5207768" cy="720080"/>
+          </a:xfrm>
+          <a:prstGeom prst="roundRect">
+            <a:avLst>
+              <a:gd name="adj" fmla="val 11943"/>
+            </a:avLst>
+          </a:prstGeom>
+          <a:noFill/>
+          <a:ln>
+            <a:solidFill>
+              <a:schemeClr val="tx1">
+                <a:lumMod val="75000"/>
+                <a:lumOff val="25000"/>
+              </a:schemeClr>
+            </a:solidFill>
+          </a:ln>
+        </p:spPr>
+        <p:style>
+          <a:lnRef idx="2">
+            <a:schemeClr val="accent1">
+              <a:shade val="50000"/>
+            </a:schemeClr>
+          </a:lnRef>
+          <a:fillRef idx="1">
+            <a:schemeClr val="accent1"/>
+          </a:fillRef>
+          <a:effectRef idx="0">
+            <a:schemeClr val="accent1"/>
+          </a:effectRef>
+          <a:fontRef idx="minor">
+            <a:schemeClr val="lt1"/>
+          </a:fontRef>
+        </p:style>
+        <p:txBody>
+          <a:bodyPr rtlCol="0" anchor="ctr"/>
+          <a:lstStyle/>
+          <a:p>
+            <a:pPr algn="ctr"/>
+            <a:r>
+              <a:rPr lang="en-US" dirty="0" smtClean="0">
+                <a:solidFill>
+                  <a:schemeClr val="tx1">
+                    <a:lumMod val="85000"/>
+                    <a:lumOff val="15000"/>
+                  </a:schemeClr>
+                </a:solidFill>
+                <a:latin typeface="Arial" panose="020B0604020202020204" pitchFamily="34" charset="0"/>
+                <a:cs typeface="Arial" panose="020B0604020202020204" pitchFamily="34" charset="0"/>
+              </a:rPr>
+              <a:t>1</a:t>
+            </a:r>
+            <a:r>
+              <a:rPr lang="ru-RU" dirty="0" smtClean="0">
+                <a:solidFill>
+                  <a:schemeClr val="tx1">
+                    <a:lumMod val="85000"/>
+                    <a:lumOff val="15000"/>
+                  </a:schemeClr>
+                </a:solidFill>
+                <a:latin typeface="Arial" panose="020B0604020202020204" pitchFamily="34" charset="0"/>
+                <a:cs typeface="Arial" panose="020B0604020202020204" pitchFamily="34" charset="0"/>
+              </a:rPr>
+              <a:t>. Разбиение </a:t>
+            </a:r>
+            <a:r>
+              <a:rPr lang="ru-RU" dirty="0">
+                <a:solidFill>
+                  <a:schemeClr val="tx1">
+                    <a:lumMod val="85000"/>
+                    <a:lumOff val="15000"/>
+                  </a:schemeClr>
+                </a:solidFill>
+                <a:latin typeface="Arial" panose="020B0604020202020204" pitchFamily="34" charset="0"/>
+                <a:cs typeface="Arial" panose="020B0604020202020204" pitchFamily="34" charset="0"/>
+              </a:rPr>
+              <a:t>исходной строки на </a:t>
+            </a:r>
+            <a:r>
+              <a:rPr lang="ru-RU" dirty="0" smtClean="0">
+                <a:solidFill>
+                  <a:schemeClr val="tx1">
+                    <a:lumMod val="85000"/>
+                    <a:lumOff val="15000"/>
+                  </a:schemeClr>
+                </a:solidFill>
+                <a:latin typeface="Arial" panose="020B0604020202020204" pitchFamily="34" charset="0"/>
+                <a:cs typeface="Arial" panose="020B0604020202020204" pitchFamily="34" charset="0"/>
+              </a:rPr>
+              <a:t>вектора</a:t>
+            </a:r>
+          </a:p>
+          <a:p>
+            <a:pPr algn="ctr"/>
+            <a:r>
+              <a:rPr lang="ru-RU" sz="1600" dirty="0" smtClean="0">
+                <a:solidFill>
+                  <a:schemeClr val="tx1">
+                    <a:lumMod val="85000"/>
+                    <a:lumOff val="15000"/>
+                  </a:schemeClr>
+                </a:solidFill>
+                <a:latin typeface="Arial" panose="020B0604020202020204" pitchFamily="34" charset="0"/>
+                <a:cs typeface="Arial" panose="020B0604020202020204" pitchFamily="34" charset="0"/>
+              </a:rPr>
+              <a:t>С </a:t>
+            </a:r>
+            <a:r>
+              <a:rPr lang="ru-RU" sz="1600" dirty="0">
+                <a:solidFill>
+                  <a:schemeClr val="tx1">
+                    <a:lumMod val="85000"/>
+                    <a:lumOff val="15000"/>
+                  </a:schemeClr>
+                </a:solidFill>
+                <a:latin typeface="Arial" panose="020B0604020202020204" pitchFamily="34" charset="0"/>
+                <a:cs typeface="Arial" panose="020B0604020202020204" pitchFamily="34" charset="0"/>
+              </a:rPr>
+              <a:t>помощью метода </a:t>
+            </a:r>
+            <a:r>
+              <a:rPr lang="en-US" sz="1600" dirty="0">
+                <a:solidFill>
+                  <a:schemeClr val="tx1">
+                    <a:lumMod val="85000"/>
+                    <a:lumOff val="15000"/>
+                  </a:schemeClr>
+                </a:solidFill>
+                <a:latin typeface="Arial" panose="020B0604020202020204" pitchFamily="34" charset="0"/>
+                <a:cs typeface="Arial" panose="020B0604020202020204" pitchFamily="34" charset="0"/>
+              </a:rPr>
+              <a:t>TF</a:t>
+            </a:r>
+            <a:r>
+              <a:rPr lang="ru-RU" sz="1600" dirty="0">
+                <a:solidFill>
+                  <a:schemeClr val="tx1">
+                    <a:lumMod val="85000"/>
+                    <a:lumOff val="15000"/>
+                  </a:schemeClr>
+                </a:solidFill>
+                <a:latin typeface="Arial" panose="020B0604020202020204" pitchFamily="34" charset="0"/>
+                <a:cs typeface="Arial" panose="020B0604020202020204" pitchFamily="34" charset="0"/>
+              </a:rPr>
+              <a:t>-</a:t>
+            </a:r>
+            <a:r>
+              <a:rPr lang="en-US" sz="1600" dirty="0">
+                <a:solidFill>
+                  <a:schemeClr val="tx1">
+                    <a:lumMod val="85000"/>
+                    <a:lumOff val="15000"/>
+                  </a:schemeClr>
+                </a:solidFill>
+                <a:latin typeface="Arial" panose="020B0604020202020204" pitchFamily="34" charset="0"/>
+                <a:cs typeface="Arial" panose="020B0604020202020204" pitchFamily="34" charset="0"/>
+              </a:rPr>
+              <a:t>IDF</a:t>
+            </a:r>
+            <a:endParaRPr lang="ru-RU" sz="1600" dirty="0">
+              <a:solidFill>
+                <a:schemeClr val="tx1">
+                  <a:lumMod val="85000"/>
+                  <a:lumOff val="15000"/>
+                </a:schemeClr>
+              </a:solidFill>
+              <a:latin typeface="Arial" panose="020B0604020202020204" pitchFamily="34" charset="0"/>
+              <a:cs typeface="Arial" panose="020B0604020202020204" pitchFamily="34" charset="0"/>
+            </a:endParaRPr>
+          </a:p>
+        </p:txBody>
+      </p:sp>
+      <p:sp>
+        <p:nvSpPr>
+          <p:cNvPr id="10" name="Скругленный прямоугольник 9"/>
+          <p:cNvSpPr/>
+          <p:nvPr/>
+        </p:nvSpPr>
+        <p:spPr>
+          <a:xfrm>
+            <a:off x="444352" y="3140968"/>
+            <a:ext cx="5207768" cy="720080"/>
+          </a:xfrm>
+          <a:prstGeom prst="roundRect">
+            <a:avLst>
+              <a:gd name="adj" fmla="val 11943"/>
+            </a:avLst>
+          </a:prstGeom>
+          <a:noFill/>
+          <a:ln>
+            <a:solidFill>
+              <a:schemeClr val="tx1">
+                <a:lumMod val="75000"/>
+                <a:lumOff val="25000"/>
+              </a:schemeClr>
+            </a:solidFill>
+          </a:ln>
+        </p:spPr>
+        <p:style>
+          <a:lnRef idx="2">
+            <a:schemeClr val="accent1">
+              <a:shade val="50000"/>
+            </a:schemeClr>
+          </a:lnRef>
+          <a:fillRef idx="1">
+            <a:schemeClr val="accent1"/>
+          </a:fillRef>
+          <a:effectRef idx="0">
+            <a:schemeClr val="accent1"/>
+          </a:effectRef>
+          <a:fontRef idx="minor">
+            <a:schemeClr val="lt1"/>
+          </a:fontRef>
+        </p:style>
+        <p:txBody>
+          <a:bodyPr rtlCol="0" anchor="ctr"/>
+          <a:lstStyle/>
+          <a:p>
+            <a:pPr lvl="0" algn="ctr"/>
+            <a:r>
+              <a:rPr lang="ru-RU" dirty="0" smtClean="0">
+                <a:solidFill>
+                  <a:schemeClr val="tx1">
+                    <a:lumMod val="85000"/>
+                    <a:lumOff val="15000"/>
+                  </a:schemeClr>
+                </a:solidFill>
+                <a:latin typeface="Arial" panose="020B0604020202020204" pitchFamily="34" charset="0"/>
+                <a:cs typeface="Arial" panose="020B0604020202020204" pitchFamily="34" charset="0"/>
+              </a:rPr>
+              <a:t>2. Проверка </a:t>
+            </a:r>
+            <a:r>
+              <a:rPr lang="ru-RU" dirty="0">
+                <a:solidFill>
+                  <a:schemeClr val="tx1">
+                    <a:lumMod val="85000"/>
+                    <a:lumOff val="15000"/>
+                  </a:schemeClr>
+                </a:solidFill>
+                <a:latin typeface="Arial" panose="020B0604020202020204" pitchFamily="34" charset="0"/>
+                <a:cs typeface="Arial" panose="020B0604020202020204" pitchFamily="34" charset="0"/>
+              </a:rPr>
+              <a:t>и исправление </a:t>
+            </a:r>
+            <a:r>
+              <a:rPr lang="ru-RU" dirty="0" smtClean="0">
+                <a:solidFill>
+                  <a:schemeClr val="tx1">
+                    <a:lumMod val="85000"/>
+                    <a:lumOff val="15000"/>
+                  </a:schemeClr>
+                </a:solidFill>
+                <a:latin typeface="Arial" panose="020B0604020202020204" pitchFamily="34" charset="0"/>
+                <a:cs typeface="Arial" panose="020B0604020202020204" pitchFamily="34" charset="0"/>
+              </a:rPr>
+              <a:t>слов на опечатки</a:t>
+            </a:r>
+          </a:p>
+        </p:txBody>
+      </p:sp>
+      <p:sp>
+        <p:nvSpPr>
+          <p:cNvPr id="11" name="Скругленный прямоугольник 10"/>
+          <p:cNvSpPr/>
+          <p:nvPr/>
+        </p:nvSpPr>
+        <p:spPr>
+          <a:xfrm>
+            <a:off x="444352" y="4077072"/>
+            <a:ext cx="5207768" cy="720080"/>
+          </a:xfrm>
+          <a:prstGeom prst="roundRect">
+            <a:avLst>
+              <a:gd name="adj" fmla="val 11943"/>
+            </a:avLst>
+          </a:prstGeom>
+          <a:noFill/>
+          <a:ln>
+            <a:solidFill>
+              <a:schemeClr val="tx1">
+                <a:lumMod val="75000"/>
+                <a:lumOff val="25000"/>
+              </a:schemeClr>
+            </a:solidFill>
+          </a:ln>
+        </p:spPr>
+        <p:style>
+          <a:lnRef idx="2">
+            <a:schemeClr val="accent1">
+              <a:shade val="50000"/>
+            </a:schemeClr>
+          </a:lnRef>
+          <a:fillRef idx="1">
+            <a:schemeClr val="accent1"/>
+          </a:fillRef>
+          <a:effectRef idx="0">
+            <a:schemeClr val="accent1"/>
+          </a:effectRef>
+          <a:fontRef idx="minor">
+            <a:schemeClr val="lt1"/>
+          </a:fontRef>
+        </p:style>
+        <p:txBody>
+          <a:bodyPr rtlCol="0" anchor="ctr"/>
+          <a:lstStyle/>
+          <a:p>
+            <a:pPr lvl="0" algn="ctr"/>
+            <a:r>
+              <a:rPr lang="ru-RU" dirty="0" smtClean="0">
+                <a:solidFill>
+                  <a:schemeClr val="tx1">
+                    <a:lumMod val="85000"/>
+                    <a:lumOff val="15000"/>
+                  </a:schemeClr>
+                </a:solidFill>
+              </a:rPr>
+              <a:t>3. Формирование </a:t>
+            </a:r>
+            <a:r>
+              <a:rPr lang="ru-RU" dirty="0">
+                <a:solidFill>
+                  <a:schemeClr val="tx1">
+                    <a:lumMod val="85000"/>
+                    <a:lumOff val="15000"/>
+                  </a:schemeClr>
+                </a:solidFill>
+              </a:rPr>
+              <a:t>исправленных </a:t>
+            </a:r>
+            <a:r>
+              <a:rPr lang="ru-RU" dirty="0" smtClean="0">
+                <a:solidFill>
+                  <a:schemeClr val="tx1">
+                    <a:lumMod val="85000"/>
+                    <a:lumOff val="15000"/>
+                  </a:schemeClr>
+                </a:solidFill>
+              </a:rPr>
+              <a:t>данных</a:t>
+            </a:r>
+          </a:p>
+          <a:p>
+            <a:pPr lvl="0" algn="ctr"/>
+            <a:r>
+              <a:rPr lang="ru-RU" sz="1600" dirty="0" smtClean="0">
+                <a:solidFill>
+                  <a:schemeClr val="tx1">
+                    <a:lumMod val="85000"/>
+                    <a:lumOff val="15000"/>
+                  </a:schemeClr>
+                </a:solidFill>
+              </a:rPr>
+              <a:t>С </a:t>
+            </a:r>
+            <a:r>
+              <a:rPr lang="ru-RU" sz="1600" dirty="0">
+                <a:solidFill>
+                  <a:schemeClr val="tx1">
+                    <a:lumMod val="85000"/>
+                    <a:lumOff val="15000"/>
+                  </a:schemeClr>
+                </a:solidFill>
+              </a:rPr>
+              <a:t>использованием ленивого алгоритма или </a:t>
+            </a:r>
+            <a:r>
+              <a:rPr lang="ru-RU" sz="1600" dirty="0" err="1" smtClean="0">
+                <a:solidFill>
+                  <a:schemeClr val="tx1">
+                    <a:lumMod val="85000"/>
+                    <a:lumOff val="15000"/>
+                  </a:schemeClr>
+                </a:solidFill>
+              </a:rPr>
+              <a:t>бустинга</a:t>
+            </a:r>
+            <a:endParaRPr lang="ru-RU" sz="1600" dirty="0">
+              <a:solidFill>
+                <a:schemeClr val="tx1">
+                  <a:lumMod val="85000"/>
+                  <a:lumOff val="15000"/>
+                </a:schemeClr>
+              </a:solidFill>
+            </a:endParaRPr>
+          </a:p>
+        </p:txBody>
+      </p:sp>
+      <p:cxnSp>
+        <p:nvCxnSpPr>
+          <p:cNvPr id="14" name="Прямая со стрелкой 13"/>
+          <p:cNvCxnSpPr/>
+          <p:nvPr/>
+        </p:nvCxnSpPr>
+        <p:spPr>
+          <a:xfrm>
+            <a:off x="2940224" y="1990775"/>
+            <a:ext cx="0" cy="224408"/>
+          </a:xfrm>
+          <a:prstGeom prst="straightConnector1">
+            <a:avLst/>
+          </a:prstGeom>
+          <a:ln w="19050">
+            <a:solidFill>
+              <a:schemeClr val="tx1">
+                <a:lumMod val="85000"/>
+                <a:lumOff val="15000"/>
+              </a:schemeClr>
+            </a:solidFill>
+            <a:tailEnd type="arrow"/>
+          </a:ln>
+        </p:spPr>
+        <p:style>
+          <a:lnRef idx="1">
+            <a:schemeClr val="accent1"/>
+          </a:lnRef>
+          <a:fillRef idx="0">
+            <a:schemeClr val="accent1"/>
+          </a:fillRef>
+          <a:effectRef idx="0">
+            <a:schemeClr val="accent1"/>
+          </a:effectRef>
+          <a:fontRef idx="minor">
+            <a:schemeClr val="tx1"/>
+          </a:fontRef>
+        </p:style>
+      </p:cxnSp>
+      <p:cxnSp>
+        <p:nvCxnSpPr>
+          <p:cNvPr id="16" name="Прямая со стрелкой 15"/>
+          <p:cNvCxnSpPr/>
+          <p:nvPr/>
+        </p:nvCxnSpPr>
+        <p:spPr>
+          <a:xfrm>
+            <a:off x="2927698" y="2933725"/>
+            <a:ext cx="0" cy="217313"/>
+          </a:xfrm>
+          <a:prstGeom prst="straightConnector1">
+            <a:avLst/>
+          </a:prstGeom>
+          <a:ln w="19050">
+            <a:solidFill>
+              <a:schemeClr val="tx1">
+                <a:lumMod val="85000"/>
+                <a:lumOff val="15000"/>
+              </a:schemeClr>
+            </a:solidFill>
+            <a:tailEnd type="arrow"/>
+          </a:ln>
+        </p:spPr>
+        <p:style>
+          <a:lnRef idx="1">
+            <a:schemeClr val="accent1"/>
+          </a:lnRef>
+          <a:fillRef idx="0">
+            <a:schemeClr val="accent1"/>
+          </a:fillRef>
+          <a:effectRef idx="0">
+            <a:schemeClr val="accent1"/>
+          </a:effectRef>
+          <a:fontRef idx="minor">
+            <a:schemeClr val="tx1"/>
+          </a:fontRef>
+        </p:style>
+      </p:cxnSp>
+      <p:cxnSp>
+        <p:nvCxnSpPr>
+          <p:cNvPr id="17" name="Прямая со стрелкой 16"/>
+          <p:cNvCxnSpPr/>
+          <p:nvPr/>
+        </p:nvCxnSpPr>
+        <p:spPr>
+          <a:xfrm>
+            <a:off x="2915172" y="3859759"/>
+            <a:ext cx="0" cy="217313"/>
+          </a:xfrm>
+          <a:prstGeom prst="straightConnector1">
+            <a:avLst/>
+          </a:prstGeom>
+          <a:ln w="19050">
+            <a:solidFill>
+              <a:schemeClr val="tx1">
+                <a:lumMod val="85000"/>
+                <a:lumOff val="15000"/>
+              </a:schemeClr>
+            </a:solidFill>
+            <a:tailEnd type="arrow"/>
+          </a:ln>
+        </p:spPr>
+        <p:style>
+          <a:lnRef idx="1">
+            <a:schemeClr val="accent1"/>
+          </a:lnRef>
+          <a:fillRef idx="0">
+            <a:schemeClr val="accent1"/>
+          </a:fillRef>
+          <a:effectRef idx="0">
+            <a:schemeClr val="accent1"/>
+          </a:effectRef>
+          <a:fontRef idx="minor">
+            <a:schemeClr val="tx1"/>
+          </a:fontRef>
+        </p:style>
+      </p:cxnSp>
+      <p:cxnSp>
+        <p:nvCxnSpPr>
+          <p:cNvPr id="18" name="Прямая со стрелкой 17"/>
+          <p:cNvCxnSpPr/>
+          <p:nvPr/>
+        </p:nvCxnSpPr>
+        <p:spPr>
+          <a:xfrm>
+            <a:off x="2918173" y="4797152"/>
+            <a:ext cx="0" cy="217313"/>
+          </a:xfrm>
+          <a:prstGeom prst="straightConnector1">
+            <a:avLst/>
+          </a:prstGeom>
+          <a:ln w="19050">
+            <a:solidFill>
+              <a:schemeClr val="tx1">
+                <a:lumMod val="85000"/>
+                <a:lumOff val="15000"/>
+              </a:schemeClr>
+            </a:solidFill>
+            <a:tailEnd type="arrow"/>
+          </a:ln>
+        </p:spPr>
+        <p:style>
+          <a:lnRef idx="1">
+            <a:schemeClr val="accent1"/>
+          </a:lnRef>
+          <a:fillRef idx="0">
+            <a:schemeClr val="accent1"/>
+          </a:fillRef>
+          <a:effectRef idx="0">
+            <a:schemeClr val="accent1"/>
+          </a:effectRef>
+          <a:fontRef idx="minor">
+            <a:schemeClr val="tx1"/>
+          </a:fontRef>
+        </p:style>
+      </p:cxnSp>
+      <p:cxnSp>
+        <p:nvCxnSpPr>
+          <p:cNvPr id="19" name="Прямая со стрелкой 18"/>
+          <p:cNvCxnSpPr>
+            <a:stCxn id="8" idx="1"/>
+            <a:endCxn id="9" idx="3"/>
+          </p:cNvCxnSpPr>
+          <p:nvPr/>
+        </p:nvCxnSpPr>
+        <p:spPr>
+          <a:xfrm flipH="1">
+            <a:off x="5652120" y="2559745"/>
+            <a:ext cx="1008112" cy="8383"/>
+          </a:xfrm>
+          <a:prstGeom prst="straightConnector1">
+            <a:avLst/>
+          </a:prstGeom>
+          <a:ln w="19050">
+            <a:solidFill>
+              <a:schemeClr val="tx1">
+                <a:lumMod val="85000"/>
+                <a:lumOff val="15000"/>
+              </a:schemeClr>
+            </a:solidFill>
+            <a:tailEnd type="arrow"/>
+          </a:ln>
+        </p:spPr>
+        <p:style>
+          <a:lnRef idx="1">
+            <a:schemeClr val="accent1"/>
+          </a:lnRef>
+          <a:fillRef idx="0">
+            <a:schemeClr val="accent1"/>
+          </a:fillRef>
+          <a:effectRef idx="0">
+            <a:schemeClr val="accent1"/>
+          </a:effectRef>
+          <a:fontRef idx="minor">
+            <a:schemeClr val="tx1"/>
+          </a:fontRef>
+        </p:style>
+      </p:cxnSp>
+    </p:spTree>
+    <p:extLst>
+      <p:ext uri="{BB962C8B-B14F-4D97-AF65-F5344CB8AC3E}">
+        <p14:creationId xmlns:p14="http://schemas.microsoft.com/office/powerpoint/2010/main" val="2289919171"/>
+      </p:ext>
+    </p:extLst>
+  </p:cSld>
+  <p:clrMapOvr>
+    <a:masterClrMapping/>
+  </p:clrMapOvr>
+  <p:timing>
+    <p:tnLst>
+      <p:par>
+        <p:cTn id="1" dur="indefinite" restart="never" nodeType="tmRoot"/>
+      </p:par>
+    </p:tnLst>
+  </p:timing>
+</p:sld>
+</file>
+
+<file path=ppt/slides/slide5.xml><?xml version="1.0" encoding="utf-8"?>
+<p:sld xmlns:a="http://schemas.openxmlformats.org/drawingml/2006/main" xmlns:r="http://schemas.openxmlformats.org/officeDocument/2006/relationships" xmlns:p="http://schemas.openxmlformats.org/presentationml/2006/main">
+  <p:cSld>
+    <p:spTree>
+      <p:nvGrpSpPr>
+        <p:cNvPr id="1" name=""/>
+        <p:cNvGrpSpPr/>
+        <p:nvPr/>
+      </p:nvGrpSpPr>
+      <p:grpSpPr>
+        <a:xfrm>
+          <a:off x="0" y="0"/>
+          <a:ext cx="0" cy="0"/>
+          <a:chOff x="0" y="0"/>
+          <a:chExt cx="0" cy="0"/>
+        </a:xfrm>
+      </p:grpSpPr>
+      <p:sp>
+        <p:nvSpPr>
+          <p:cNvPr id="11" name="TextBox 10"/>
+          <p:cNvSpPr txBox="1"/>
+          <p:nvPr/>
+        </p:nvSpPr>
+        <p:spPr>
+          <a:xfrm>
+            <a:off x="3275856" y="3130682"/>
+            <a:ext cx="1728192" cy="461665"/>
+          </a:xfrm>
+          <a:prstGeom prst="rect">
+            <a:avLst/>
+          </a:prstGeom>
+          <a:noFill/>
+        </p:spPr>
+        <p:txBody>
+          <a:bodyPr wrap="square" rtlCol="0">
+            <a:spAutoFit/>
+          </a:bodyPr>
+          <a:lstStyle/>
+          <a:p>
+            <a:pPr algn="ctr"/>
+            <a:r>
+              <a:rPr lang="en-US" sz="2400" b="1" dirty="0" smtClean="0">
+                <a:solidFill>
+                  <a:schemeClr val="tx1">
+                    <a:lumMod val="85000"/>
+                    <a:lumOff val="15000"/>
+                  </a:schemeClr>
+                </a:solidFill>
+              </a:rPr>
+              <a:t>REST API</a:t>
+            </a:r>
+            <a:endParaRPr lang="ru-RU" sz="2400" b="1" dirty="0">
+              <a:solidFill>
+                <a:schemeClr val="tx1">
+                  <a:lumMod val="85000"/>
+                  <a:lumOff val="15000"/>
+                </a:schemeClr>
+              </a:solidFill>
+            </a:endParaRPr>
+          </a:p>
+        </p:txBody>
+      </p:sp>
+      <p:sp>
+        <p:nvSpPr>
+          <p:cNvPr id="2" name="Заголовок 1"/>
+          <p:cNvSpPr>
+            <a:spLocks noGrp="1"/>
+          </p:cNvSpPr>
+          <p:nvPr>
+            <p:ph type="title"/>
+          </p:nvPr>
+        </p:nvSpPr>
+        <p:spPr>
+          <a:xfrm>
+            <a:off x="457200" y="404664"/>
+            <a:ext cx="8229600" cy="1143000"/>
+          </a:xfrm>
+        </p:spPr>
+        <p:txBody>
+          <a:bodyPr>
+            <a:normAutofit fontScale="90000"/>
+          </a:bodyPr>
+          <a:lstStyle/>
+          <a:p>
+            <a:r>
+              <a:rPr lang="ru-RU" b="1" dirty="0">
+                <a:solidFill>
+                  <a:schemeClr val="tx1">
+                    <a:lumMod val="85000"/>
+                    <a:lumOff val="15000"/>
+                  </a:schemeClr>
+                </a:solidFill>
+                <a:latin typeface="Arial" panose="020B0604020202020204" pitchFamily="34" charset="0"/>
+                <a:cs typeface="Arial" panose="020B0604020202020204" pitchFamily="34" charset="0"/>
+              </a:rPr>
+              <a:t>Информация о реализации решения</a:t>
+            </a:r>
+            <a:endParaRPr lang="ru-RU" b="1" dirty="0">
+              <a:solidFill>
+                <a:schemeClr val="tx1">
+                  <a:lumMod val="85000"/>
+                  <a:lumOff val="15000"/>
+                </a:schemeClr>
+              </a:solidFill>
+              <a:latin typeface="Arial" panose="020B0604020202020204" pitchFamily="34" charset="0"/>
+              <a:cs typeface="Arial" panose="020B0604020202020204" pitchFamily="34" charset="0"/>
+            </a:endParaRPr>
+          </a:p>
+        </p:txBody>
+      </p:sp>
+      <p:sp>
+        <p:nvSpPr>
+          <p:cNvPr id="5" name="Блок-схема: магнитный диск 4"/>
+          <p:cNvSpPr/>
+          <p:nvPr/>
+        </p:nvSpPr>
+        <p:spPr>
+          <a:xfrm>
+            <a:off x="4997940" y="2605523"/>
+            <a:ext cx="1662292" cy="1543557"/>
+          </a:xfrm>
+          <a:prstGeom prst="flowChartMagneticDisk">
+            <a:avLst/>
+          </a:prstGeom>
+          <a:noFill/>
+          <a:ln>
+            <a:solidFill>
+              <a:schemeClr val="tx1">
+                <a:lumMod val="85000"/>
+                <a:lumOff val="15000"/>
+              </a:schemeClr>
+            </a:solidFill>
+          </a:ln>
+        </p:spPr>
+        <p:style>
+          <a:lnRef idx="2">
+            <a:schemeClr val="accent1">
+              <a:shade val="50000"/>
+            </a:schemeClr>
+          </a:lnRef>
+          <a:fillRef idx="1">
+            <a:schemeClr val="accent1"/>
+          </a:fillRef>
+          <a:effectRef idx="0">
+            <a:schemeClr val="accent1"/>
+          </a:effectRef>
+          <a:fontRef idx="minor">
+            <a:schemeClr val="lt1"/>
+          </a:fontRef>
+        </p:style>
+        <p:txBody>
+          <a:bodyPr rtlCol="0" anchor="ctr"/>
+          <a:lstStyle/>
+          <a:p>
+            <a:pPr algn="ctr"/>
+            <a:r>
+              <a:rPr lang="ru-RU" sz="2400" b="1" dirty="0" smtClean="0">
+                <a:solidFill>
+                  <a:schemeClr val="tx1">
+                    <a:lumMod val="85000"/>
+                    <a:lumOff val="15000"/>
+                  </a:schemeClr>
+                </a:solidFill>
+                <a:latin typeface="Arial" panose="020B0604020202020204" pitchFamily="34" charset="0"/>
+                <a:cs typeface="Arial" panose="020B0604020202020204" pitchFamily="34" charset="0"/>
+              </a:rPr>
+              <a:t>Сервис</a:t>
+            </a:r>
+            <a:endParaRPr lang="ru-RU" sz="2400" b="1" dirty="0">
+              <a:solidFill>
+                <a:schemeClr val="tx1">
+                  <a:lumMod val="85000"/>
+                  <a:lumOff val="15000"/>
+                </a:schemeClr>
+              </a:solidFill>
+              <a:latin typeface="Arial" panose="020B0604020202020204" pitchFamily="34" charset="0"/>
+              <a:cs typeface="Arial" panose="020B0604020202020204" pitchFamily="34" charset="0"/>
+            </a:endParaRPr>
+          </a:p>
+        </p:txBody>
+      </p:sp>
+      <p:cxnSp>
+        <p:nvCxnSpPr>
+          <p:cNvPr id="7" name="Прямая со стрелкой 6"/>
+          <p:cNvCxnSpPr/>
+          <p:nvPr/>
+        </p:nvCxnSpPr>
+        <p:spPr>
+          <a:xfrm>
+            <a:off x="3275856" y="3058674"/>
+            <a:ext cx="1722084" cy="0"/>
+          </a:xfrm>
+          <a:prstGeom prst="straightConnector1">
+            <a:avLst/>
+          </a:prstGeom>
+          <a:ln w="25400">
+            <a:solidFill>
+              <a:schemeClr val="tx1">
+                <a:lumMod val="85000"/>
+                <a:lumOff val="15000"/>
+              </a:schemeClr>
+            </a:solidFill>
+            <a:tailEnd type="arrow"/>
+          </a:ln>
+        </p:spPr>
+        <p:style>
+          <a:lnRef idx="1">
+            <a:schemeClr val="accent1"/>
+          </a:lnRef>
+          <a:fillRef idx="0">
+            <a:schemeClr val="accent1"/>
+          </a:fillRef>
+          <a:effectRef idx="0">
+            <a:schemeClr val="accent1"/>
+          </a:effectRef>
+          <a:fontRef idx="minor">
+            <a:schemeClr val="tx1"/>
+          </a:fontRef>
+        </p:style>
+      </p:cxnSp>
+      <p:cxnSp>
+        <p:nvCxnSpPr>
+          <p:cNvPr id="8" name="Прямая со стрелкой 7"/>
+          <p:cNvCxnSpPr/>
+          <p:nvPr/>
+        </p:nvCxnSpPr>
+        <p:spPr>
+          <a:xfrm flipH="1">
+            <a:off x="3275856" y="3634738"/>
+            <a:ext cx="1722084" cy="0"/>
+          </a:xfrm>
+          <a:prstGeom prst="straightConnector1">
+            <a:avLst/>
+          </a:prstGeom>
+          <a:ln w="25400">
+            <a:solidFill>
+              <a:schemeClr val="tx1">
+                <a:lumMod val="85000"/>
+                <a:lumOff val="15000"/>
+              </a:schemeClr>
+            </a:solidFill>
+            <a:tailEnd type="arrow"/>
+          </a:ln>
+        </p:spPr>
+        <p:style>
+          <a:lnRef idx="1">
+            <a:schemeClr val="accent1"/>
+          </a:lnRef>
+          <a:fillRef idx="0">
+            <a:schemeClr val="accent1"/>
+          </a:fillRef>
+          <a:effectRef idx="0">
+            <a:schemeClr val="accent1"/>
+          </a:effectRef>
+          <a:fontRef idx="minor">
+            <a:schemeClr val="tx1"/>
+          </a:fontRef>
+        </p:style>
+      </p:cxnSp>
+      <p:sp>
+        <p:nvSpPr>
+          <p:cNvPr id="12" name="Прямоугольник 11"/>
+          <p:cNvSpPr/>
+          <p:nvPr/>
+        </p:nvSpPr>
+        <p:spPr>
+          <a:xfrm>
+            <a:off x="1475656" y="2698634"/>
+            <a:ext cx="1800200" cy="1440160"/>
+          </a:xfrm>
+          <a:prstGeom prst="rect">
+            <a:avLst/>
+          </a:prstGeom>
+          <a:noFill/>
+          <a:ln>
+            <a:solidFill>
+              <a:schemeClr val="tx1">
+                <a:lumMod val="85000"/>
+                <a:lumOff val="15000"/>
+              </a:schemeClr>
+            </a:solidFill>
+          </a:ln>
+        </p:spPr>
+        <p:style>
+          <a:lnRef idx="2">
+            <a:schemeClr val="accent1">
+              <a:shade val="50000"/>
+            </a:schemeClr>
+          </a:lnRef>
+          <a:fillRef idx="1">
+            <a:schemeClr val="accent1"/>
+          </a:fillRef>
+          <a:effectRef idx="0">
+            <a:schemeClr val="accent1"/>
+          </a:effectRef>
+          <a:fontRef idx="minor">
+            <a:schemeClr val="lt1"/>
+          </a:fontRef>
+        </p:style>
+        <p:txBody>
+          <a:bodyPr rtlCol="0" anchor="ctr"/>
+          <a:lstStyle/>
+          <a:p>
+            <a:pPr algn="ctr"/>
+            <a:r>
+              <a:rPr lang="ru-RU" sz="2400" b="1" dirty="0">
+                <a:solidFill>
+                  <a:schemeClr val="tx1">
+                    <a:lumMod val="85000"/>
+                    <a:lumOff val="15000"/>
+                  </a:schemeClr>
+                </a:solidFill>
+              </a:rPr>
+              <a:t>Клиент</a:t>
+            </a:r>
+            <a:endParaRPr lang="ru-RU" sz="2400" b="1" dirty="0" smtClean="0">
+              <a:solidFill>
+                <a:schemeClr val="tx1">
+                  <a:lumMod val="85000"/>
+                  <a:lumOff val="15000"/>
+                </a:schemeClr>
+              </a:solidFill>
+            </a:endParaRPr>
+          </a:p>
+        </p:txBody>
+      </p:sp>
+      <p:sp>
+        <p:nvSpPr>
+          <p:cNvPr id="19" name="TextBox 18"/>
+          <p:cNvSpPr txBox="1"/>
+          <p:nvPr/>
+        </p:nvSpPr>
+        <p:spPr>
+          <a:xfrm>
+            <a:off x="3779912" y="2698634"/>
+            <a:ext cx="813043" cy="369332"/>
+          </a:xfrm>
+          <a:prstGeom prst="rect">
+            <a:avLst/>
+          </a:prstGeom>
+          <a:noFill/>
+        </p:spPr>
+        <p:txBody>
+          <a:bodyPr wrap="none" rtlCol="0">
+            <a:spAutoFit/>
+          </a:bodyPr>
+          <a:lstStyle/>
+          <a:p>
+            <a:r>
+              <a:rPr lang="en-US" dirty="0" smtClean="0">
+                <a:solidFill>
+                  <a:schemeClr val="tx1">
+                    <a:lumMod val="85000"/>
+                    <a:lumOff val="15000"/>
+                  </a:schemeClr>
+                </a:solidFill>
+                <a:latin typeface="Arial" panose="020B0604020202020204" pitchFamily="34" charset="0"/>
+                <a:cs typeface="Arial" panose="020B0604020202020204" pitchFamily="34" charset="0"/>
+              </a:rPr>
+              <a:t>POST</a:t>
+            </a:r>
+            <a:endParaRPr lang="ru-RU" dirty="0">
+              <a:solidFill>
+                <a:schemeClr val="tx1">
+                  <a:lumMod val="85000"/>
+                  <a:lumOff val="15000"/>
+                </a:schemeClr>
+              </a:solidFill>
+              <a:latin typeface="Arial" panose="020B0604020202020204" pitchFamily="34" charset="0"/>
+              <a:cs typeface="Arial" panose="020B0604020202020204" pitchFamily="34" charset="0"/>
+            </a:endParaRPr>
+          </a:p>
+        </p:txBody>
+      </p:sp>
+      <p:sp>
+        <p:nvSpPr>
+          <p:cNvPr id="20" name="TextBox 19"/>
+          <p:cNvSpPr txBox="1"/>
+          <p:nvPr/>
+        </p:nvSpPr>
+        <p:spPr>
+          <a:xfrm>
+            <a:off x="3779912" y="3664851"/>
+            <a:ext cx="800219" cy="369332"/>
+          </a:xfrm>
+          <a:prstGeom prst="rect">
+            <a:avLst/>
+          </a:prstGeom>
+          <a:noFill/>
+        </p:spPr>
+        <p:txBody>
+          <a:bodyPr wrap="none" rtlCol="0">
+            <a:spAutoFit/>
+          </a:bodyPr>
+          <a:lstStyle/>
+          <a:p>
+            <a:r>
+              <a:rPr lang="en-US" dirty="0" smtClean="0">
+                <a:solidFill>
+                  <a:schemeClr val="tx1">
+                    <a:lumMod val="85000"/>
+                    <a:lumOff val="15000"/>
+                  </a:schemeClr>
+                </a:solidFill>
+                <a:latin typeface="Arial" panose="020B0604020202020204" pitchFamily="34" charset="0"/>
+                <a:cs typeface="Arial" panose="020B0604020202020204" pitchFamily="34" charset="0"/>
+              </a:rPr>
+              <a:t>JSON</a:t>
+            </a:r>
+            <a:endParaRPr lang="ru-RU" dirty="0">
+              <a:solidFill>
+                <a:schemeClr val="tx1">
+                  <a:lumMod val="85000"/>
+                  <a:lumOff val="15000"/>
+                </a:schemeClr>
+              </a:solidFill>
+              <a:latin typeface="Arial" panose="020B0604020202020204" pitchFamily="34" charset="0"/>
+              <a:cs typeface="Arial" panose="020B0604020202020204" pitchFamily="34" charset="0"/>
+            </a:endParaRPr>
+          </a:p>
+        </p:txBody>
+      </p:sp>
+      <p:sp>
+        <p:nvSpPr>
+          <p:cNvPr id="39" name="TextBox 38"/>
+          <p:cNvSpPr txBox="1"/>
+          <p:nvPr/>
+        </p:nvSpPr>
+        <p:spPr>
+          <a:xfrm>
+            <a:off x="539552" y="1772816"/>
+            <a:ext cx="7365734" cy="646331"/>
+          </a:xfrm>
+          <a:prstGeom prst="rect">
+            <a:avLst/>
+          </a:prstGeom>
+          <a:noFill/>
+        </p:spPr>
+        <p:txBody>
+          <a:bodyPr wrap="none" rtlCol="0">
+            <a:spAutoFit/>
+          </a:bodyPr>
+          <a:lstStyle/>
+          <a:p>
+            <a:r>
+              <a:rPr lang="ru-RU" dirty="0" smtClean="0">
+                <a:solidFill>
+                  <a:schemeClr val="tx1">
+                    <a:lumMod val="85000"/>
+                    <a:lumOff val="15000"/>
+                  </a:schemeClr>
+                </a:solidFill>
+                <a:latin typeface="Arial" panose="020B0604020202020204" pitchFamily="34" charset="0"/>
+                <a:cs typeface="Arial" panose="020B0604020202020204" pitchFamily="34" charset="0"/>
+              </a:rPr>
+              <a:t>Отправлено:</a:t>
+            </a:r>
+          </a:p>
+          <a:p>
+            <a:r>
+              <a:rPr lang="ru-RU" dirty="0">
+                <a:solidFill>
+                  <a:schemeClr val="tx1">
+                    <a:lumMod val="85000"/>
+                    <a:lumOff val="15000"/>
+                  </a:schemeClr>
+                </a:solidFill>
+              </a:rPr>
+              <a:t>{</a:t>
+            </a:r>
+            <a:r>
+              <a:rPr lang="en-US" dirty="0">
+                <a:solidFill>
+                  <a:schemeClr val="tx1">
+                    <a:lumMod val="85000"/>
+                    <a:lumOff val="15000"/>
+                  </a:schemeClr>
+                </a:solidFill>
+              </a:rPr>
+              <a:t> </a:t>
+            </a:r>
+            <a:r>
+              <a:rPr lang="ru-RU" dirty="0">
+                <a:solidFill>
+                  <a:schemeClr val="tx1">
+                    <a:lumMod val="85000"/>
+                    <a:lumOff val="15000"/>
+                  </a:schemeClr>
+                </a:solidFill>
+              </a:rPr>
+              <a:t>"</a:t>
+            </a:r>
+            <a:r>
+              <a:rPr lang="ru-RU" dirty="0" err="1">
+                <a:solidFill>
+                  <a:schemeClr val="tx1">
+                    <a:lumMod val="85000"/>
+                    <a:lumOff val="15000"/>
+                  </a:schemeClr>
+                </a:solidFill>
+              </a:rPr>
+              <a:t>address</a:t>
+            </a:r>
+            <a:r>
+              <a:rPr lang="ru-RU" dirty="0">
+                <a:solidFill>
+                  <a:schemeClr val="tx1">
+                    <a:lumMod val="85000"/>
+                    <a:lumOff val="15000"/>
+                  </a:schemeClr>
+                </a:solidFill>
+              </a:rPr>
+              <a:t>": "117105, г. Москва, шоссе Варшавское, д. 1 стр. 1-2 ком. 3Б" </a:t>
+            </a:r>
+            <a:r>
+              <a:rPr lang="ru-RU" dirty="0" smtClean="0">
+                <a:solidFill>
+                  <a:schemeClr val="tx1">
+                    <a:lumMod val="85000"/>
+                    <a:lumOff val="15000"/>
+                  </a:schemeClr>
+                </a:solidFill>
+              </a:rPr>
+              <a:t>}</a:t>
+            </a:r>
+            <a:endParaRPr lang="ru-RU" dirty="0">
+              <a:solidFill>
+                <a:schemeClr val="tx1">
+                  <a:lumMod val="85000"/>
+                  <a:lumOff val="15000"/>
+                </a:schemeClr>
+              </a:solidFill>
+            </a:endParaRPr>
+          </a:p>
+        </p:txBody>
+      </p:sp>
+      <p:sp>
+        <p:nvSpPr>
+          <p:cNvPr id="40" name="TextBox 39"/>
+          <p:cNvSpPr txBox="1"/>
+          <p:nvPr/>
+        </p:nvSpPr>
+        <p:spPr>
+          <a:xfrm>
+            <a:off x="465307" y="4293096"/>
+            <a:ext cx="7439979" cy="923330"/>
+          </a:xfrm>
+          <a:prstGeom prst="rect">
+            <a:avLst/>
+          </a:prstGeom>
+          <a:noFill/>
+        </p:spPr>
+        <p:txBody>
+          <a:bodyPr wrap="square" rtlCol="0">
+            <a:spAutoFit/>
+          </a:bodyPr>
+          <a:lstStyle/>
+          <a:p>
+            <a:r>
+              <a:rPr lang="ru-RU" dirty="0" smtClean="0">
+                <a:solidFill>
+                  <a:schemeClr val="tx1">
+                    <a:lumMod val="85000"/>
+                    <a:lumOff val="15000"/>
+                  </a:schemeClr>
+                </a:solidFill>
+                <a:latin typeface="Arial" panose="020B0604020202020204" pitchFamily="34" charset="0"/>
+                <a:cs typeface="Arial" panose="020B0604020202020204" pitchFamily="34" charset="0"/>
+              </a:rPr>
+              <a:t>Получено:</a:t>
+            </a:r>
+          </a:p>
+          <a:p>
+            <a:r>
+              <a:rPr lang="ru-RU" dirty="0">
+                <a:solidFill>
+                  <a:schemeClr val="tx1">
+                    <a:lumMod val="85000"/>
+                    <a:lumOff val="15000"/>
+                  </a:schemeClr>
+                </a:solidFill>
+              </a:rPr>
+              <a:t>{ "</a:t>
+            </a:r>
+            <a:r>
+              <a:rPr lang="ru-RU" dirty="0" err="1">
+                <a:solidFill>
+                  <a:schemeClr val="tx1">
+                    <a:lumMod val="85000"/>
+                    <a:lumOff val="15000"/>
+                  </a:schemeClr>
+                </a:solidFill>
+              </a:rPr>
+              <a:t>address</a:t>
+            </a:r>
+            <a:r>
+              <a:rPr lang="ru-RU" dirty="0">
+                <a:solidFill>
+                  <a:schemeClr val="tx1">
+                    <a:lumMod val="85000"/>
+                    <a:lumOff val="15000"/>
+                  </a:schemeClr>
+                </a:solidFill>
+              </a:rPr>
+              <a:t>": "117105, г. Москва, шоссе Варшавское, д. 1 стр. 1-2 ком.  3Б;house;РОССИЯ;МОСКВА;МОСКВА;0;0;0;Шоссе;ВАРШАВСКОЕ</a:t>
+            </a:r>
+            <a:r>
+              <a:rPr lang="en-US" dirty="0">
+                <a:solidFill>
+                  <a:schemeClr val="tx1">
+                    <a:lumMod val="85000"/>
+                    <a:lumOff val="15000"/>
+                  </a:schemeClr>
+                </a:solidFill>
+              </a:rPr>
+              <a:t>”</a:t>
+            </a:r>
+            <a:r>
+              <a:rPr lang="ru-RU" dirty="0">
+                <a:solidFill>
+                  <a:schemeClr val="tx1">
+                    <a:lumMod val="85000"/>
+                    <a:lumOff val="15000"/>
+                  </a:schemeClr>
+                </a:solidFill>
+              </a:rPr>
+              <a:t> </a:t>
+            </a:r>
+            <a:r>
+              <a:rPr lang="en-US" dirty="0" smtClean="0">
+                <a:solidFill>
+                  <a:schemeClr val="tx1">
+                    <a:lumMod val="85000"/>
+                    <a:lumOff val="15000"/>
+                  </a:schemeClr>
+                </a:solidFill>
+              </a:rPr>
+              <a:t>}</a:t>
+            </a:r>
+            <a:endParaRPr lang="ru-RU" dirty="0">
+              <a:solidFill>
+                <a:schemeClr val="tx1">
+                  <a:lumMod val="85000"/>
+                  <a:lumOff val="15000"/>
+                </a:schemeClr>
+              </a:solidFill>
+            </a:endParaRPr>
+          </a:p>
+        </p:txBody>
+      </p:sp>
+    </p:spTree>
+    <p:extLst>
+      <p:ext uri="{BB962C8B-B14F-4D97-AF65-F5344CB8AC3E}">
+        <p14:creationId xmlns:p14="http://schemas.microsoft.com/office/powerpoint/2010/main" val="40739466"/>
+      </p:ext>
+    </p:extLst>
+  </p:cSld>
+  <p:clrMapOvr>
+    <a:masterClrMapping/>
+  </p:clrMapOvr>
+  <p:timing>
+    <p:tnLst>
+      <p:par>
+        <p:cTn id="1" dur="indefinite" restart="never" nodeType="tmRoot"/>
+      </p:par>
+    </p:tnLst>
+  </p:timing>
+</p:sld>
+</file>
+
+<file path=ppt/slides/slide6.xml><?xml version="1.0" encoding="utf-8"?>
+<p:sld xmlns:a="http://schemas.openxmlformats.org/drawingml/2006/main" xmlns:r="http://schemas.openxmlformats.org/officeDocument/2006/relationships" xmlns:p="http://schemas.openxmlformats.org/presentationml/2006/main">
+  <p:cSld>
+    <p:spTree>
+      <p:nvGrpSpPr>
+        <p:cNvPr id="1" name=""/>
+        <p:cNvGrpSpPr/>
+        <p:nvPr/>
+      </p:nvGrpSpPr>
+      <p:grpSpPr>
+        <a:xfrm>
+          <a:off x="0" y="0"/>
+          <a:ext cx="0" cy="0"/>
+          <a:chOff x="0" y="0"/>
+          <a:chExt cx="0" cy="0"/>
+        </a:xfrm>
+      </p:grpSpPr>
+      <p:sp>
+        <p:nvSpPr>
+          <p:cNvPr id="2" name="Заголовок 1"/>
+          <p:cNvSpPr>
+            <a:spLocks noGrp="1"/>
+          </p:cNvSpPr>
+          <p:nvPr>
+            <p:ph type="title"/>
+          </p:nvPr>
+        </p:nvSpPr>
+        <p:spPr>
+          <a:xfrm>
+            <a:off x="457200" y="116632"/>
+            <a:ext cx="8229600" cy="1143000"/>
+          </a:xfrm>
+        </p:spPr>
+        <p:txBody>
+          <a:bodyPr>
+            <a:normAutofit/>
+          </a:bodyPr>
+          <a:lstStyle/>
+          <a:p>
+            <a:r>
+              <a:rPr lang="ru-RU" b="1" dirty="0">
+                <a:solidFill>
+                  <a:schemeClr val="tx1">
+                    <a:lumMod val="85000"/>
+                    <a:lumOff val="15000"/>
+                  </a:schemeClr>
+                </a:solidFill>
+                <a:latin typeface="Arial" panose="020B0604020202020204" pitchFamily="34" charset="0"/>
+                <a:cs typeface="Arial" panose="020B0604020202020204" pitchFamily="34" charset="0"/>
+              </a:rPr>
+              <a:t>Экономический </a:t>
+            </a:r>
+            <a:r>
+              <a:rPr lang="ru-RU" b="1" dirty="0" smtClean="0">
+                <a:solidFill>
+                  <a:schemeClr val="tx1">
+                    <a:lumMod val="85000"/>
+                    <a:lumOff val="15000"/>
+                  </a:schemeClr>
+                </a:solidFill>
+                <a:latin typeface="Arial" panose="020B0604020202020204" pitchFamily="34" charset="0"/>
+                <a:cs typeface="Arial" panose="020B0604020202020204" pitchFamily="34" charset="0"/>
+              </a:rPr>
+              <a:t>эффект</a:t>
+            </a:r>
+            <a:endParaRPr lang="ru-RU" dirty="0">
+              <a:solidFill>
+                <a:schemeClr val="tx1">
+                  <a:lumMod val="85000"/>
+                  <a:lumOff val="15000"/>
+                </a:schemeClr>
+              </a:solidFill>
+              <a:latin typeface="Arial" panose="020B0604020202020204" pitchFamily="34" charset="0"/>
+              <a:cs typeface="Arial" panose="020B0604020202020204" pitchFamily="34" charset="0"/>
+            </a:endParaRPr>
+          </a:p>
+        </p:txBody>
+      </p:sp>
+      <p:sp>
+        <p:nvSpPr>
+          <p:cNvPr id="3" name="Объект 2"/>
+          <p:cNvSpPr>
+            <a:spLocks noGrp="1"/>
+          </p:cNvSpPr>
+          <p:nvPr>
+            <p:ph idx="1"/>
+          </p:nvPr>
+        </p:nvSpPr>
+        <p:spPr>
+          <a:xfrm>
+            <a:off x="457200" y="1412776"/>
+            <a:ext cx="8229600" cy="4713387"/>
+          </a:xfrm>
+        </p:spPr>
+        <p:txBody>
+          <a:bodyPr>
+            <a:normAutofit/>
+          </a:bodyPr>
+          <a:lstStyle/>
+          <a:p>
+            <a:pPr marL="0" indent="0">
+              <a:spcBef>
+                <a:spcPts val="0"/>
+              </a:spcBef>
+              <a:buNone/>
+            </a:pPr>
+            <a:r>
+              <a:rPr lang="ru-RU" sz="2400" b="1" dirty="0" smtClean="0">
+                <a:solidFill>
+                  <a:schemeClr val="tx1">
+                    <a:lumMod val="85000"/>
+                    <a:lumOff val="15000"/>
+                  </a:schemeClr>
+                </a:solidFill>
+                <a:latin typeface="Arial" panose="020B0604020202020204" pitchFamily="34" charset="0"/>
+                <a:cs typeface="Arial" panose="020B0604020202020204" pitchFamily="34" charset="0"/>
+              </a:rPr>
+              <a:t>Более </a:t>
+            </a:r>
+            <a:r>
+              <a:rPr lang="ru-RU" sz="2400" b="1" dirty="0">
+                <a:solidFill>
+                  <a:schemeClr val="tx1">
+                    <a:lumMod val="85000"/>
+                    <a:lumOff val="15000"/>
+                  </a:schemeClr>
+                </a:solidFill>
+                <a:latin typeface="Arial" panose="020B0604020202020204" pitchFamily="34" charset="0"/>
+                <a:cs typeface="Arial" panose="020B0604020202020204" pitchFamily="34" charset="0"/>
+              </a:rPr>
+              <a:t>точная региональная маркетинговая </a:t>
+            </a:r>
+            <a:r>
+              <a:rPr lang="ru-RU" sz="2400" b="1" dirty="0" smtClean="0">
+                <a:solidFill>
+                  <a:schemeClr val="tx1">
+                    <a:lumMod val="85000"/>
+                    <a:lumOff val="15000"/>
+                  </a:schemeClr>
+                </a:solidFill>
+                <a:latin typeface="Arial" panose="020B0604020202020204" pitchFamily="34" charset="0"/>
+                <a:cs typeface="Arial" panose="020B0604020202020204" pitchFamily="34" charset="0"/>
+              </a:rPr>
+              <a:t>программа</a:t>
+            </a:r>
+          </a:p>
+          <a:p>
+            <a:pPr marL="400050" lvl="1" indent="0">
+              <a:spcBef>
+                <a:spcPts val="0"/>
+              </a:spcBef>
+              <a:buNone/>
+            </a:pPr>
+            <a:r>
+              <a:rPr lang="ru-RU" sz="1600" dirty="0" smtClean="0">
+                <a:solidFill>
+                  <a:schemeClr val="tx1">
+                    <a:lumMod val="85000"/>
+                    <a:lumOff val="15000"/>
+                  </a:schemeClr>
+                </a:solidFill>
+                <a:latin typeface="Arial" panose="020B0604020202020204" pitchFamily="34" charset="0"/>
+                <a:cs typeface="Arial" panose="020B0604020202020204" pitchFamily="34" charset="0"/>
+              </a:rPr>
+              <a:t>рекламн</a:t>
+            </a:r>
+            <a:r>
+              <a:rPr lang="ru-RU" sz="1600" dirty="0" smtClean="0">
+                <a:solidFill>
+                  <a:schemeClr val="tx1">
+                    <a:lumMod val="85000"/>
+                    <a:lumOff val="15000"/>
+                  </a:schemeClr>
+                </a:solidFill>
+                <a:latin typeface="Arial" panose="020B0604020202020204" pitchFamily="34" charset="0"/>
+                <a:cs typeface="Arial" panose="020B0604020202020204" pitchFamily="34" charset="0"/>
+              </a:rPr>
+              <a:t>ые</a:t>
+            </a:r>
+            <a:r>
+              <a:rPr lang="ru-RU" sz="1600" dirty="0" smtClean="0">
+                <a:solidFill>
+                  <a:schemeClr val="tx1">
+                    <a:lumMod val="85000"/>
+                    <a:lumOff val="15000"/>
+                  </a:schemeClr>
+                </a:solidFill>
+                <a:latin typeface="Arial" panose="020B0604020202020204" pitchFamily="34" charset="0"/>
+                <a:cs typeface="Arial" panose="020B0604020202020204" pitchFamily="34" charset="0"/>
+              </a:rPr>
+              <a:t> </a:t>
+            </a:r>
+            <a:r>
+              <a:rPr lang="ru-RU" sz="1600" dirty="0">
+                <a:solidFill>
+                  <a:schemeClr val="tx1">
+                    <a:lumMod val="85000"/>
+                    <a:lumOff val="15000"/>
+                  </a:schemeClr>
+                </a:solidFill>
+                <a:latin typeface="Arial" panose="020B0604020202020204" pitchFamily="34" charset="0"/>
+                <a:cs typeface="Arial" panose="020B0604020202020204" pitchFamily="34" charset="0"/>
+              </a:rPr>
+              <a:t>кампании и предложения только для данного географического </a:t>
+            </a:r>
+            <a:r>
+              <a:rPr lang="ru-RU" sz="1600" dirty="0" smtClean="0">
+                <a:solidFill>
+                  <a:schemeClr val="tx1">
+                    <a:lumMod val="85000"/>
+                    <a:lumOff val="15000"/>
+                  </a:schemeClr>
+                </a:solidFill>
+                <a:latin typeface="Arial" panose="020B0604020202020204" pitchFamily="34" charset="0"/>
+                <a:cs typeface="Arial" panose="020B0604020202020204" pitchFamily="34" charset="0"/>
+              </a:rPr>
+              <a:t>расположения</a:t>
+            </a:r>
+            <a:endParaRPr lang="ru-RU" sz="1600" dirty="0" smtClean="0">
+              <a:solidFill>
+                <a:schemeClr val="tx1">
+                  <a:lumMod val="85000"/>
+                  <a:lumOff val="15000"/>
+                </a:schemeClr>
+              </a:solidFill>
+              <a:latin typeface="Arial" panose="020B0604020202020204" pitchFamily="34" charset="0"/>
+              <a:cs typeface="Arial" panose="020B0604020202020204" pitchFamily="34" charset="0"/>
+            </a:endParaRPr>
+          </a:p>
+          <a:p>
+            <a:pPr marL="0" indent="0">
+              <a:spcBef>
+                <a:spcPts val="0"/>
+              </a:spcBef>
+              <a:buNone/>
+            </a:pPr>
+            <a:endParaRPr lang="ru-RU" sz="1800" dirty="0" smtClean="0">
+              <a:solidFill>
+                <a:schemeClr val="tx1">
+                  <a:lumMod val="85000"/>
+                  <a:lumOff val="15000"/>
+                </a:schemeClr>
+              </a:solidFill>
+              <a:latin typeface="Arial" panose="020B0604020202020204" pitchFamily="34" charset="0"/>
+              <a:cs typeface="Arial" panose="020B0604020202020204" pitchFamily="34" charset="0"/>
+            </a:endParaRPr>
+          </a:p>
+          <a:p>
+            <a:pPr marL="0" indent="0">
+              <a:spcBef>
+                <a:spcPts val="0"/>
+              </a:spcBef>
+              <a:buNone/>
+            </a:pPr>
+            <a:r>
+              <a:rPr lang="ru-RU" sz="2400" b="1" dirty="0">
+                <a:solidFill>
+                  <a:schemeClr val="tx1">
+                    <a:lumMod val="85000"/>
+                    <a:lumOff val="15000"/>
+                  </a:schemeClr>
+                </a:solidFill>
+                <a:latin typeface="Arial" panose="020B0604020202020204" pitchFamily="34" charset="0"/>
+                <a:cs typeface="Arial" panose="020B0604020202020204" pitchFamily="34" charset="0"/>
+              </a:rPr>
+              <a:t>Оптимизация доставки </a:t>
+            </a:r>
+            <a:r>
+              <a:rPr lang="ru-RU" sz="2400" b="1" dirty="0" smtClean="0">
+                <a:solidFill>
+                  <a:schemeClr val="tx1">
+                    <a:lumMod val="85000"/>
+                    <a:lumOff val="15000"/>
+                  </a:schemeClr>
+                </a:solidFill>
+                <a:latin typeface="Arial" panose="020B0604020202020204" pitchFamily="34" charset="0"/>
+                <a:cs typeface="Arial" panose="020B0604020202020204" pitchFamily="34" charset="0"/>
+              </a:rPr>
+              <a:t>заказов</a:t>
+            </a:r>
+          </a:p>
+          <a:p>
+            <a:pPr marL="400050" lvl="1" indent="0">
+              <a:spcBef>
+                <a:spcPts val="0"/>
+              </a:spcBef>
+              <a:buNone/>
+            </a:pPr>
+            <a:r>
+              <a:rPr lang="ru-RU" sz="1600" dirty="0" smtClean="0">
+                <a:solidFill>
+                  <a:schemeClr val="tx1">
+                    <a:lumMod val="85000"/>
+                    <a:lumOff val="15000"/>
+                  </a:schemeClr>
+                </a:solidFill>
+                <a:latin typeface="Arial" panose="020B0604020202020204" pitchFamily="34" charset="0"/>
+                <a:cs typeface="Arial" panose="020B0604020202020204" pitchFamily="34" charset="0"/>
+              </a:rPr>
+              <a:t>уменьшение </a:t>
+            </a:r>
+            <a:r>
+              <a:rPr lang="ru-RU" sz="1600" dirty="0">
+                <a:solidFill>
+                  <a:schemeClr val="tx1">
+                    <a:lumMod val="85000"/>
+                    <a:lumOff val="15000"/>
+                  </a:schemeClr>
+                </a:solidFill>
+                <a:latin typeface="Arial" panose="020B0604020202020204" pitchFamily="34" charset="0"/>
+                <a:cs typeface="Arial" panose="020B0604020202020204" pitchFamily="34" charset="0"/>
+              </a:rPr>
+              <a:t>случаев доставки отправлений и приезда курьеров/экспедиторов по неверному </a:t>
+            </a:r>
+            <a:r>
+              <a:rPr lang="ru-RU" sz="1600" dirty="0" smtClean="0">
+                <a:solidFill>
+                  <a:schemeClr val="tx1">
+                    <a:lumMod val="85000"/>
+                    <a:lumOff val="15000"/>
+                  </a:schemeClr>
+                </a:solidFill>
+                <a:latin typeface="Arial" panose="020B0604020202020204" pitchFamily="34" charset="0"/>
+                <a:cs typeface="Arial" panose="020B0604020202020204" pitchFamily="34" charset="0"/>
+              </a:rPr>
+              <a:t>адресу</a:t>
+            </a:r>
+            <a:endParaRPr lang="ru-RU" sz="1600" dirty="0">
+              <a:solidFill>
+                <a:schemeClr val="tx1">
+                  <a:lumMod val="85000"/>
+                  <a:lumOff val="15000"/>
+                </a:schemeClr>
+              </a:solidFill>
+              <a:latin typeface="Arial" panose="020B0604020202020204" pitchFamily="34" charset="0"/>
+              <a:cs typeface="Arial" panose="020B0604020202020204" pitchFamily="34" charset="0"/>
+            </a:endParaRPr>
+          </a:p>
+          <a:p>
+            <a:pPr marL="0" indent="0">
+              <a:spcBef>
+                <a:spcPts val="0"/>
+              </a:spcBef>
+              <a:buNone/>
+            </a:pPr>
+            <a:endParaRPr lang="ru-RU" sz="1800" dirty="0">
+              <a:solidFill>
+                <a:schemeClr val="tx1">
+                  <a:lumMod val="85000"/>
+                  <a:lumOff val="15000"/>
+                </a:schemeClr>
+              </a:solidFill>
+              <a:latin typeface="Arial" panose="020B0604020202020204" pitchFamily="34" charset="0"/>
+              <a:cs typeface="Arial" panose="020B0604020202020204" pitchFamily="34" charset="0"/>
+            </a:endParaRPr>
+          </a:p>
+          <a:p>
+            <a:pPr marL="0" indent="0">
+              <a:spcBef>
+                <a:spcPts val="0"/>
+              </a:spcBef>
+              <a:buNone/>
+            </a:pPr>
+            <a:r>
+              <a:rPr lang="ru-RU" sz="2400" b="1" dirty="0" smtClean="0">
+                <a:solidFill>
+                  <a:schemeClr val="tx1">
+                    <a:lumMod val="85000"/>
+                    <a:lumOff val="15000"/>
+                  </a:schemeClr>
+                </a:solidFill>
+                <a:latin typeface="Arial" panose="020B0604020202020204" pitchFamily="34" charset="0"/>
+                <a:cs typeface="Arial" panose="020B0604020202020204" pitchFamily="34" charset="0"/>
+              </a:rPr>
+              <a:t>Снижение нагрузки </a:t>
+            </a:r>
+            <a:r>
+              <a:rPr lang="ru-RU" sz="2400" b="1" dirty="0">
+                <a:solidFill>
+                  <a:schemeClr val="tx1">
+                    <a:lumMod val="85000"/>
+                    <a:lumOff val="15000"/>
+                  </a:schemeClr>
+                </a:solidFill>
+                <a:latin typeface="Arial" panose="020B0604020202020204" pitchFamily="34" charset="0"/>
+                <a:cs typeface="Arial" panose="020B0604020202020204" pitchFamily="34" charset="0"/>
+              </a:rPr>
+              <a:t>с </a:t>
+            </a:r>
+            <a:r>
+              <a:rPr lang="ru-RU" sz="2400" b="1" dirty="0" smtClean="0">
+                <a:solidFill>
+                  <a:schemeClr val="tx1">
+                    <a:lumMod val="85000"/>
+                    <a:lumOff val="15000"/>
+                  </a:schemeClr>
+                </a:solidFill>
+                <a:latin typeface="Arial" panose="020B0604020202020204" pitchFamily="34" charset="0"/>
+                <a:cs typeface="Arial" panose="020B0604020202020204" pitchFamily="34" charset="0"/>
+              </a:rPr>
+              <a:t>операторов</a:t>
+            </a:r>
+          </a:p>
+          <a:p>
+            <a:pPr marL="400050" lvl="1" indent="0">
+              <a:spcBef>
+                <a:spcPts val="0"/>
+              </a:spcBef>
+              <a:buNone/>
+            </a:pPr>
+            <a:r>
+              <a:rPr lang="ru-RU" sz="1600" dirty="0" smtClean="0">
+                <a:solidFill>
+                  <a:schemeClr val="tx1">
+                    <a:lumMod val="85000"/>
+                    <a:lumOff val="15000"/>
+                  </a:schemeClr>
+                </a:solidFill>
+                <a:latin typeface="Arial" panose="020B0604020202020204" pitchFamily="34" charset="0"/>
+                <a:cs typeface="Arial" panose="020B0604020202020204" pitchFamily="34" charset="0"/>
+              </a:rPr>
+              <a:t>которым </a:t>
+            </a:r>
+            <a:r>
+              <a:rPr lang="ru-RU" sz="1600" dirty="0">
+                <a:solidFill>
+                  <a:schemeClr val="tx1">
+                    <a:lumMod val="85000"/>
+                    <a:lumOff val="15000"/>
+                  </a:schemeClr>
+                </a:solidFill>
+                <a:latin typeface="Arial" panose="020B0604020202020204" pitchFamily="34" charset="0"/>
+                <a:cs typeface="Arial" panose="020B0604020202020204" pitchFamily="34" charset="0"/>
+              </a:rPr>
+              <a:t>необходимо уточнять почтовые адреса </a:t>
+            </a:r>
+            <a:r>
+              <a:rPr lang="ru-RU" sz="1600" dirty="0" smtClean="0">
+                <a:solidFill>
+                  <a:schemeClr val="tx1">
+                    <a:lumMod val="85000"/>
+                    <a:lumOff val="15000"/>
+                  </a:schemeClr>
+                </a:solidFill>
+                <a:latin typeface="Arial" panose="020B0604020202020204" pitchFamily="34" charset="0"/>
+                <a:cs typeface="Arial" panose="020B0604020202020204" pitchFamily="34" charset="0"/>
+              </a:rPr>
+              <a:t>клиентов</a:t>
+            </a:r>
+            <a:endParaRPr lang="ru-RU" sz="1600" dirty="0">
+              <a:solidFill>
+                <a:schemeClr val="tx1">
+                  <a:lumMod val="85000"/>
+                  <a:lumOff val="15000"/>
+                </a:schemeClr>
+              </a:solidFill>
+              <a:latin typeface="Arial" panose="020B0604020202020204" pitchFamily="34" charset="0"/>
+              <a:cs typeface="Arial" panose="020B0604020202020204" pitchFamily="34" charset="0"/>
+            </a:endParaRPr>
+          </a:p>
+        </p:txBody>
+      </p:sp>
+    </p:spTree>
+    <p:extLst>
+      <p:ext uri="{BB962C8B-B14F-4D97-AF65-F5344CB8AC3E}">
+        <p14:creationId xmlns:p14="http://schemas.microsoft.com/office/powerpoint/2010/main" val="2143729994"/>
       </p:ext>
     </p:extLst>
   </p:cSld>
